--- a/input.pptx
+++ b/input.pptx
@@ -5,8 +5,8 @@
     <p:sldMasterId id="2147483672" r:id="rId1"/>
   </p:sldMasterIdLst>
   <p:sldIdLst>
-    <p:sldId id="257" r:id="rId2"/>
-    <p:sldId id="259" r:id="rId3"/>
+    <p:sldId id="259" r:id="rId2"/>
+    <p:sldId id="257" r:id="rId3"/>
     <p:sldId id="258" r:id="rId4"/>
     <p:sldId id="260" r:id="rId5"/>
     <p:sldId id="262" r:id="rId6"/>
@@ -127,265 +127,13 @@
 <file path=ppt/revisionInfo.xml><?xml version="1.0" encoding="utf-8"?>
 <p1510:revInfo xmlns:a="http://schemas.openxmlformats.org/drawingml/2006/main" xmlns:r="http://schemas.openxmlformats.org/officeDocument/2006/relationships" xmlns:p1510="http://schemas.microsoft.com/office/powerpoint/2015/10/main">
   <p1510:revLst>
+    <p1510:client id="{0A57279F-C0EB-D114-A8D9-1D2B634C7DBD}" v="4" dt="2023-06-08T15:44:12.620"/>
+    <p1510:client id="{6F55E5A3-D1BE-3FCD-4C7F-C093CFE6356D}" v="18" dt="2023-06-08T18:02:05.630"/>
     <p1510:client id="{ABDC3488-14ED-214D-A28F-96C28BE47A63}" v="9" dt="2023-05-30T16:28:05.450"/>
+    <p1510:client id="{C7E3C77B-130E-AE06-3EB6-00B00E36A7AF}" v="10" dt="2023-06-08T17:53:02.437"/>
     <p1510:client id="{D597963B-673A-44EC-84F4-763CA13095C0}" v="4" dt="2023-05-30T16:46:30.640"/>
   </p1510:revLst>
 </p1510:revInfo>
-</file>
-
-<file path=ppt/changesInfos/changesInfo1.xml><?xml version="1.0" encoding="utf-8"?>
-<pc:chgInfo xmlns:a="http://schemas.openxmlformats.org/drawingml/2006/main" xmlns:r="http://schemas.openxmlformats.org/officeDocument/2006/relationships" xmlns:ac="http://schemas.microsoft.com/office/drawing/2013/main/command" xmlns:pc="http://schemas.microsoft.com/office/powerpoint/2013/main/command">
-  <pc:docChgLst>
-    <pc:chgData name="Mahika Hari" userId="S::mahika@evidn.com::e1e6dbb9-4a53-4e6d-bdbb-c980e3771336" providerId="AD" clId="Web-{ABDC3488-14ED-214D-A28F-96C28BE47A63}"/>
-    <pc:docChg chg="modSld">
-      <pc:chgData name="Mahika Hari" userId="S::mahika@evidn.com::e1e6dbb9-4a53-4e6d-bdbb-c980e3771336" providerId="AD" clId="Web-{ABDC3488-14ED-214D-A28F-96C28BE47A63}" dt="2023-05-30T16:28:01.309" v="3" actId="20577"/>
-      <pc:docMkLst>
-        <pc:docMk/>
-      </pc:docMkLst>
-      <pc:sldChg chg="modSp">
-        <pc:chgData name="Mahika Hari" userId="S::mahika@evidn.com::e1e6dbb9-4a53-4e6d-bdbb-c980e3771336" providerId="AD" clId="Web-{ABDC3488-14ED-214D-A28F-96C28BE47A63}" dt="2023-05-30T16:28:01.309" v="3" actId="20577"/>
-        <pc:sldMkLst>
-          <pc:docMk/>
-          <pc:sldMk cId="3355628127" sldId="257"/>
-        </pc:sldMkLst>
-        <pc:spChg chg="mod">
-          <ac:chgData name="Mahika Hari" userId="S::mahika@evidn.com::e1e6dbb9-4a53-4e6d-bdbb-c980e3771336" providerId="AD" clId="Web-{ABDC3488-14ED-214D-A28F-96C28BE47A63}" dt="2023-05-30T16:28:01.309" v="3" actId="20577"/>
-          <ac:spMkLst>
-            <pc:docMk/>
-            <pc:sldMk cId="3355628127" sldId="257"/>
-            <ac:spMk id="6" creationId="{6C1B70E5-18E1-8D13-FEE1-8094C88A53B4}"/>
-          </ac:spMkLst>
-        </pc:spChg>
-      </pc:sldChg>
-    </pc:docChg>
-  </pc:docChgLst>
-  <pc:docChgLst>
-    <pc:chgData name="Mahika Hari" userId="e1e6dbb9-4a53-4e6d-bdbb-c980e3771336" providerId="ADAL" clId="{D597963B-673A-44EC-84F4-763CA13095C0}"/>
-    <pc:docChg chg="undo custSel modSld">
-      <pc:chgData name="Mahika Hari" userId="e1e6dbb9-4a53-4e6d-bdbb-c980e3771336" providerId="ADAL" clId="{D597963B-673A-44EC-84F4-763CA13095C0}" dt="2023-05-30T17:23:02.801" v="181" actId="20577"/>
-      <pc:docMkLst>
-        <pc:docMk/>
-      </pc:docMkLst>
-      <pc:sldChg chg="modSp mod">
-        <pc:chgData name="Mahika Hari" userId="e1e6dbb9-4a53-4e6d-bdbb-c980e3771336" providerId="ADAL" clId="{D597963B-673A-44EC-84F4-763CA13095C0}" dt="2023-05-30T16:31:35.652" v="25" actId="20577"/>
-        <pc:sldMkLst>
-          <pc:docMk/>
-          <pc:sldMk cId="3355628127" sldId="257"/>
-        </pc:sldMkLst>
-        <pc:graphicFrameChg chg="modGraphic">
-          <ac:chgData name="Mahika Hari" userId="e1e6dbb9-4a53-4e6d-bdbb-c980e3771336" providerId="ADAL" clId="{D597963B-673A-44EC-84F4-763CA13095C0}" dt="2023-05-30T16:31:35.652" v="25" actId="20577"/>
-          <ac:graphicFrameMkLst>
-            <pc:docMk/>
-            <pc:sldMk cId="3355628127" sldId="257"/>
-            <ac:graphicFrameMk id="97" creationId="{3B422D03-B06B-7A4A-806E-64C5C47E6757}"/>
-          </ac:graphicFrameMkLst>
-        </pc:graphicFrameChg>
-      </pc:sldChg>
-      <pc:sldChg chg="addSp delSp modSp mod">
-        <pc:chgData name="Mahika Hari" userId="e1e6dbb9-4a53-4e6d-bdbb-c980e3771336" providerId="ADAL" clId="{D597963B-673A-44EC-84F4-763CA13095C0}" dt="2023-05-30T16:42:07.316" v="70" actId="20577"/>
-        <pc:sldMkLst>
-          <pc:docMk/>
-          <pc:sldMk cId="997287653" sldId="258"/>
-        </pc:sldMkLst>
-        <pc:spChg chg="mod">
-          <ac:chgData name="Mahika Hari" userId="e1e6dbb9-4a53-4e6d-bdbb-c980e3771336" providerId="ADAL" clId="{D597963B-673A-44EC-84F4-763CA13095C0}" dt="2023-05-30T16:33:42.340" v="43"/>
-          <ac:spMkLst>
-            <pc:docMk/>
-            <pc:sldMk cId="997287653" sldId="258"/>
-            <ac:spMk id="6" creationId="{6C1B70E5-18E1-8D13-FEE1-8094C88A53B4}"/>
-          </ac:spMkLst>
-        </pc:spChg>
-        <pc:spChg chg="mod">
-          <ac:chgData name="Mahika Hari" userId="e1e6dbb9-4a53-4e6d-bdbb-c980e3771336" providerId="ADAL" clId="{D597963B-673A-44EC-84F4-763CA13095C0}" dt="2023-05-30T16:34:05.019" v="48"/>
-          <ac:spMkLst>
-            <pc:docMk/>
-            <pc:sldMk cId="997287653" sldId="258"/>
-            <ac:spMk id="92" creationId="{698D1336-60BC-46F2-EB9F-E5179F00813E}"/>
-          </ac:spMkLst>
-        </pc:spChg>
-        <pc:graphicFrameChg chg="modGraphic">
-          <ac:chgData name="Mahika Hari" userId="e1e6dbb9-4a53-4e6d-bdbb-c980e3771336" providerId="ADAL" clId="{D597963B-673A-44EC-84F4-763CA13095C0}" dt="2023-05-30T16:42:07.316" v="70" actId="20577"/>
-          <ac:graphicFrameMkLst>
-            <pc:docMk/>
-            <pc:sldMk cId="997287653" sldId="258"/>
-            <ac:graphicFrameMk id="97" creationId="{3B422D03-B06B-7A4A-806E-64C5C47E6757}"/>
-          </ac:graphicFrameMkLst>
-        </pc:graphicFrameChg>
-        <pc:picChg chg="del">
-          <ac:chgData name="Mahika Hari" userId="e1e6dbb9-4a53-4e6d-bdbb-c980e3771336" providerId="ADAL" clId="{D597963B-673A-44EC-84F4-763CA13095C0}" dt="2023-05-30T16:34:16.790" v="51" actId="478"/>
-          <ac:picMkLst>
-            <pc:docMk/>
-            <pc:sldMk cId="997287653" sldId="258"/>
-            <ac:picMk id="14" creationId="{5FE4F564-B7B3-DF95-B65B-6991C8A8D7BD}"/>
-          </ac:picMkLst>
-        </pc:picChg>
-        <pc:picChg chg="add del mod">
-          <ac:chgData name="Mahika Hari" userId="e1e6dbb9-4a53-4e6d-bdbb-c980e3771336" providerId="ADAL" clId="{D597963B-673A-44EC-84F4-763CA13095C0}" dt="2023-05-30T16:34:15.322" v="50"/>
-          <ac:picMkLst>
-            <pc:docMk/>
-            <pc:sldMk cId="997287653" sldId="258"/>
-            <ac:picMk id="18" creationId="{A3A0C6B8-B648-4D9D-DB5D-7EB9EB6B782E}"/>
-          </ac:picMkLst>
-        </pc:picChg>
-        <pc:picChg chg="add mod">
-          <ac:chgData name="Mahika Hari" userId="e1e6dbb9-4a53-4e6d-bdbb-c980e3771336" providerId="ADAL" clId="{D597963B-673A-44EC-84F4-763CA13095C0}" dt="2023-05-30T16:34:17.264" v="52"/>
-          <ac:picMkLst>
-            <pc:docMk/>
-            <pc:sldMk cId="997287653" sldId="258"/>
-            <ac:picMk id="19" creationId="{299AA275-154A-1D94-491D-53368E470C6D}"/>
-          </ac:picMkLst>
-        </pc:picChg>
-      </pc:sldChg>
-      <pc:sldChg chg="modSp mod">
-        <pc:chgData name="Mahika Hari" userId="e1e6dbb9-4a53-4e6d-bdbb-c980e3771336" providerId="ADAL" clId="{D597963B-673A-44EC-84F4-763CA13095C0}" dt="2023-05-30T16:33:39.499" v="42"/>
-        <pc:sldMkLst>
-          <pc:docMk/>
-          <pc:sldMk cId="3064548188" sldId="259"/>
-        </pc:sldMkLst>
-        <pc:spChg chg="mod">
-          <ac:chgData name="Mahika Hari" userId="e1e6dbb9-4a53-4e6d-bdbb-c980e3771336" providerId="ADAL" clId="{D597963B-673A-44EC-84F4-763CA13095C0}" dt="2023-05-30T16:33:39.499" v="42"/>
-          <ac:spMkLst>
-            <pc:docMk/>
-            <pc:sldMk cId="3064548188" sldId="259"/>
-            <ac:spMk id="6" creationId="{6C1B70E5-18E1-8D13-FEE1-8094C88A53B4}"/>
-          </ac:spMkLst>
-        </pc:spChg>
-        <pc:graphicFrameChg chg="modGraphic">
-          <ac:chgData name="Mahika Hari" userId="e1e6dbb9-4a53-4e6d-bdbb-c980e3771336" providerId="ADAL" clId="{D597963B-673A-44EC-84F4-763CA13095C0}" dt="2023-05-30T16:33:13.581" v="41" actId="20577"/>
-          <ac:graphicFrameMkLst>
-            <pc:docMk/>
-            <pc:sldMk cId="3064548188" sldId="259"/>
-            <ac:graphicFrameMk id="97" creationId="{3B422D03-B06B-7A4A-806E-64C5C47E6757}"/>
-          </ac:graphicFrameMkLst>
-        </pc:graphicFrameChg>
-      </pc:sldChg>
-      <pc:sldChg chg="modSp mod">
-        <pc:chgData name="Mahika Hari" userId="e1e6dbb9-4a53-4e6d-bdbb-c980e3771336" providerId="ADAL" clId="{D597963B-673A-44EC-84F4-763CA13095C0}" dt="2023-05-30T17:23:02.801" v="181" actId="20577"/>
-        <pc:sldMkLst>
-          <pc:docMk/>
-          <pc:sldMk cId="1442995063" sldId="260"/>
-        </pc:sldMkLst>
-        <pc:spChg chg="mod">
-          <ac:chgData name="Mahika Hari" userId="e1e6dbb9-4a53-4e6d-bdbb-c980e3771336" providerId="ADAL" clId="{D597963B-673A-44EC-84F4-763CA13095C0}" dt="2023-05-30T16:33:44.713" v="44"/>
-          <ac:spMkLst>
-            <pc:docMk/>
-            <pc:sldMk cId="1442995063" sldId="260"/>
-            <ac:spMk id="6" creationId="{6C1B70E5-18E1-8D13-FEE1-8094C88A53B4}"/>
-          </ac:spMkLst>
-        </pc:spChg>
-        <pc:graphicFrameChg chg="modGraphic">
-          <ac:chgData name="Mahika Hari" userId="e1e6dbb9-4a53-4e6d-bdbb-c980e3771336" providerId="ADAL" clId="{D597963B-673A-44EC-84F4-763CA13095C0}" dt="2023-05-30T17:23:02.801" v="181" actId="20577"/>
-          <ac:graphicFrameMkLst>
-            <pc:docMk/>
-            <pc:sldMk cId="1442995063" sldId="260"/>
-            <ac:graphicFrameMk id="2" creationId="{F7C1A2DC-CBBE-DC41-CC52-D640AD2168A6}"/>
-          </ac:graphicFrameMkLst>
-        </pc:graphicFrameChg>
-        <pc:graphicFrameChg chg="modGraphic">
-          <ac:chgData name="Mahika Hari" userId="e1e6dbb9-4a53-4e6d-bdbb-c980e3771336" providerId="ADAL" clId="{D597963B-673A-44EC-84F4-763CA13095C0}" dt="2023-05-30T16:44:09.167" v="89" actId="20577"/>
-          <ac:graphicFrameMkLst>
-            <pc:docMk/>
-            <pc:sldMk cId="1442995063" sldId="260"/>
-            <ac:graphicFrameMk id="97" creationId="{3B422D03-B06B-7A4A-806E-64C5C47E6757}"/>
-          </ac:graphicFrameMkLst>
-        </pc:graphicFrameChg>
-      </pc:sldChg>
-      <pc:sldChg chg="modSp mod">
-        <pc:chgData name="Mahika Hari" userId="e1e6dbb9-4a53-4e6d-bdbb-c980e3771336" providerId="ADAL" clId="{D597963B-673A-44EC-84F4-763CA13095C0}" dt="2023-05-30T16:50:29.544" v="152" actId="20577"/>
-        <pc:sldMkLst>
-          <pc:docMk/>
-          <pc:sldMk cId="857878202" sldId="261"/>
-        </pc:sldMkLst>
-        <pc:spChg chg="mod">
-          <ac:chgData name="Mahika Hari" userId="e1e6dbb9-4a53-4e6d-bdbb-c980e3771336" providerId="ADAL" clId="{D597963B-673A-44EC-84F4-763CA13095C0}" dt="2023-05-30T16:33:50.777" v="46"/>
-          <ac:spMkLst>
-            <pc:docMk/>
-            <pc:sldMk cId="857878202" sldId="261"/>
-            <ac:spMk id="6" creationId="{6C1B70E5-18E1-8D13-FEE1-8094C88A53B4}"/>
-          </ac:spMkLst>
-        </pc:spChg>
-        <pc:graphicFrameChg chg="mod modGraphic">
-          <ac:chgData name="Mahika Hari" userId="e1e6dbb9-4a53-4e6d-bdbb-c980e3771336" providerId="ADAL" clId="{D597963B-673A-44EC-84F4-763CA13095C0}" dt="2023-05-30T16:50:29.544" v="152" actId="20577"/>
-          <ac:graphicFrameMkLst>
-            <pc:docMk/>
-            <pc:sldMk cId="857878202" sldId="261"/>
-            <ac:graphicFrameMk id="97" creationId="{3B422D03-B06B-7A4A-806E-64C5C47E6757}"/>
-          </ac:graphicFrameMkLst>
-        </pc:graphicFrameChg>
-      </pc:sldChg>
-      <pc:sldChg chg="modSp mod">
-        <pc:chgData name="Mahika Hari" userId="e1e6dbb9-4a53-4e6d-bdbb-c980e3771336" providerId="ADAL" clId="{D597963B-673A-44EC-84F4-763CA13095C0}" dt="2023-05-30T16:46:09.578" v="113" actId="20577"/>
-        <pc:sldMkLst>
-          <pc:docMk/>
-          <pc:sldMk cId="2076012483" sldId="262"/>
-        </pc:sldMkLst>
-        <pc:spChg chg="mod">
-          <ac:chgData name="Mahika Hari" userId="e1e6dbb9-4a53-4e6d-bdbb-c980e3771336" providerId="ADAL" clId="{D597963B-673A-44EC-84F4-763CA13095C0}" dt="2023-05-30T16:33:47.696" v="45"/>
-          <ac:spMkLst>
-            <pc:docMk/>
-            <pc:sldMk cId="2076012483" sldId="262"/>
-            <ac:spMk id="6" creationId="{6C1B70E5-18E1-8D13-FEE1-8094C88A53B4}"/>
-          </ac:spMkLst>
-        </pc:spChg>
-        <pc:graphicFrameChg chg="modGraphic">
-          <ac:chgData name="Mahika Hari" userId="e1e6dbb9-4a53-4e6d-bdbb-c980e3771336" providerId="ADAL" clId="{D597963B-673A-44EC-84F4-763CA13095C0}" dt="2023-05-30T16:46:09.578" v="113" actId="20577"/>
-          <ac:graphicFrameMkLst>
-            <pc:docMk/>
-            <pc:sldMk cId="2076012483" sldId="262"/>
-            <ac:graphicFrameMk id="97" creationId="{3B422D03-B06B-7A4A-806E-64C5C47E6757}"/>
-          </ac:graphicFrameMkLst>
-        </pc:graphicFrameChg>
-      </pc:sldChg>
-      <pc:sldChg chg="addSp delSp modSp mod">
-        <pc:chgData name="Mahika Hari" userId="e1e6dbb9-4a53-4e6d-bdbb-c980e3771336" providerId="ADAL" clId="{D597963B-673A-44EC-84F4-763CA13095C0}" dt="2023-05-30T16:52:31.558" v="180" actId="20577"/>
-        <pc:sldMkLst>
-          <pc:docMk/>
-          <pc:sldMk cId="3769013793" sldId="263"/>
-        </pc:sldMkLst>
-        <pc:spChg chg="mod">
-          <ac:chgData name="Mahika Hari" userId="e1e6dbb9-4a53-4e6d-bdbb-c980e3771336" providerId="ADAL" clId="{D597963B-673A-44EC-84F4-763CA13095C0}" dt="2023-05-30T16:33:54.518" v="47"/>
-          <ac:spMkLst>
-            <pc:docMk/>
-            <pc:sldMk cId="3769013793" sldId="263"/>
-            <ac:spMk id="6" creationId="{6C1B70E5-18E1-8D13-FEE1-8094C88A53B4}"/>
-          </ac:spMkLst>
-        </pc:spChg>
-        <pc:spChg chg="mod">
-          <ac:chgData name="Mahika Hari" userId="e1e6dbb9-4a53-4e6d-bdbb-c980e3771336" providerId="ADAL" clId="{D597963B-673A-44EC-84F4-763CA13095C0}" dt="2023-05-30T16:46:39.635" v="116"/>
-          <ac:spMkLst>
-            <pc:docMk/>
-            <pc:sldMk cId="3769013793" sldId="263"/>
-            <ac:spMk id="92" creationId="{698D1336-60BC-46F2-EB9F-E5179F00813E}"/>
-          </ac:spMkLst>
-        </pc:spChg>
-        <pc:graphicFrameChg chg="mod modGraphic">
-          <ac:chgData name="Mahika Hari" userId="e1e6dbb9-4a53-4e6d-bdbb-c980e3771336" providerId="ADAL" clId="{D597963B-673A-44EC-84F4-763CA13095C0}" dt="2023-05-30T16:52:31.558" v="180" actId="20577"/>
-          <ac:graphicFrameMkLst>
-            <pc:docMk/>
-            <pc:sldMk cId="3769013793" sldId="263"/>
-            <ac:graphicFrameMk id="97" creationId="{3B422D03-B06B-7A4A-806E-64C5C47E6757}"/>
-          </ac:graphicFrameMkLst>
-        </pc:graphicFrameChg>
-        <pc:picChg chg="del">
-          <ac:chgData name="Mahika Hari" userId="e1e6dbb9-4a53-4e6d-bdbb-c980e3771336" providerId="ADAL" clId="{D597963B-673A-44EC-84F4-763CA13095C0}" dt="2023-05-30T16:46:30.309" v="114" actId="478"/>
-          <ac:picMkLst>
-            <pc:docMk/>
-            <pc:sldMk cId="3769013793" sldId="263"/>
-            <ac:picMk id="17" creationId="{DEED3261-57CF-B60D-F39C-9AB9C5CDFCDA}"/>
-          </ac:picMkLst>
-        </pc:picChg>
-        <pc:picChg chg="add mod">
-          <ac:chgData name="Mahika Hari" userId="e1e6dbb9-4a53-4e6d-bdbb-c980e3771336" providerId="ADAL" clId="{D597963B-673A-44EC-84F4-763CA13095C0}" dt="2023-05-30T16:46:30.640" v="115"/>
-          <ac:picMkLst>
-            <pc:docMk/>
-            <pc:sldMk cId="3769013793" sldId="263"/>
-            <ac:picMk id="18" creationId="{C2EE1AB7-7016-6CCD-770B-F248CB956476}"/>
-          </ac:picMkLst>
-        </pc:picChg>
-      </pc:sldChg>
-    </pc:docChg>
-  </pc:docChgLst>
-</pc:chgInfo>
 </file>
 
 <file path=ppt/charts/chart1.xml><?xml version="1.0" encoding="utf-8"?>
@@ -770,10 +518,10 @@
                   <c:v>15.2342</c:v>
                 </c:pt>
                 <c:pt idx="1">
-                  <c:v>22.969660000000001</c:v>
+                  <c:v>18.038229999999999</c:v>
                 </c:pt>
                 <c:pt idx="2">
-                  <c:v>25.269639999999999</c:v>
+                  <c:v>13.218439999999999</c:v>
                 </c:pt>
               </c:numCache>
             </c:numRef>
@@ -3487,40 +3235,40 @@
                 <c:formatCode>General</c:formatCode>
                 <c:ptCount val="12"/>
                 <c:pt idx="0">
-                  <c:v>22.969660000000001</c:v>
+                  <c:v>18.038229999999999</c:v>
                 </c:pt>
                 <c:pt idx="1">
-                  <c:v>22.969660000000001</c:v>
+                  <c:v>18.038229999999999</c:v>
                 </c:pt>
                 <c:pt idx="2">
-                  <c:v>22.969660000000001</c:v>
+                  <c:v>18.038229999999999</c:v>
                 </c:pt>
                 <c:pt idx="3">
-                  <c:v>22.969660000000001</c:v>
+                  <c:v>18.038229999999999</c:v>
                 </c:pt>
                 <c:pt idx="4">
-                  <c:v>22.969660000000001</c:v>
+                  <c:v>18.038229999999999</c:v>
                 </c:pt>
                 <c:pt idx="5">
-                  <c:v>22.969660000000001</c:v>
+                  <c:v>18.038229999999999</c:v>
                 </c:pt>
                 <c:pt idx="6">
-                  <c:v>22.969660000000001</c:v>
+                  <c:v>18.038229999999999</c:v>
                 </c:pt>
                 <c:pt idx="7">
-                  <c:v>22.969660000000001</c:v>
+                  <c:v>18.038229999999999</c:v>
                 </c:pt>
                 <c:pt idx="8">
-                  <c:v>22.969660000000001</c:v>
+                  <c:v>18.038229999999999</c:v>
                 </c:pt>
                 <c:pt idx="9">
-                  <c:v>22.969660000000001</c:v>
+                  <c:v>18.038229999999999</c:v>
                 </c:pt>
                 <c:pt idx="10">
-                  <c:v>22.969660000000001</c:v>
+                  <c:v>18.038229999999999</c:v>
                 </c:pt>
                 <c:pt idx="11">
-                  <c:v>22.969660000000001</c:v>
+                  <c:v>18.038229999999999</c:v>
                 </c:pt>
               </c:numCache>
             </c:numRef>
@@ -3603,7 +3351,7 @@
                 <c:formatCode>General</c:formatCode>
                 <c:ptCount val="12"/>
                 <c:pt idx="0">
-                  <c:v>23.996220000000001</c:v>
+                  <c:v>13.231999999999999</c:v>
                 </c:pt>
               </c:numCache>
             </c:numRef>
@@ -4275,10 +4023,10 @@
                   <c:v>15.2342</c:v>
                 </c:pt>
                 <c:pt idx="1">
-                  <c:v>18.038229999999999</c:v>
+                  <c:v>22.969660000000001</c:v>
                 </c:pt>
                 <c:pt idx="2">
-                  <c:v>13.218439999999999</c:v>
+                  <c:v>25.269639999999999</c:v>
                 </c:pt>
               </c:numCache>
             </c:numRef>
@@ -4492,40 +4240,40 @@
                 <c:formatCode>General</c:formatCode>
                 <c:ptCount val="12"/>
                 <c:pt idx="0">
-                  <c:v>18.038229999999999</c:v>
+                  <c:v>22.969660000000001</c:v>
                 </c:pt>
                 <c:pt idx="1">
-                  <c:v>18.038229999999999</c:v>
+                  <c:v>22.969660000000001</c:v>
                 </c:pt>
                 <c:pt idx="2">
-                  <c:v>18.038229999999999</c:v>
+                  <c:v>22.969660000000001</c:v>
                 </c:pt>
                 <c:pt idx="3">
-                  <c:v>18.038229999999999</c:v>
+                  <c:v>22.969660000000001</c:v>
                 </c:pt>
                 <c:pt idx="4">
-                  <c:v>18.038229999999999</c:v>
+                  <c:v>22.969660000000001</c:v>
                 </c:pt>
                 <c:pt idx="5">
-                  <c:v>18.038229999999999</c:v>
+                  <c:v>22.969660000000001</c:v>
                 </c:pt>
                 <c:pt idx="6">
-                  <c:v>18.038229999999999</c:v>
+                  <c:v>22.969660000000001</c:v>
                 </c:pt>
                 <c:pt idx="7">
-                  <c:v>18.038229999999999</c:v>
+                  <c:v>22.969660000000001</c:v>
                 </c:pt>
                 <c:pt idx="8">
-                  <c:v>18.038229999999999</c:v>
+                  <c:v>22.969660000000001</c:v>
                 </c:pt>
                 <c:pt idx="9">
-                  <c:v>18.038229999999999</c:v>
+                  <c:v>22.969660000000001</c:v>
                 </c:pt>
                 <c:pt idx="10">
-                  <c:v>18.038229999999999</c:v>
+                  <c:v>22.969660000000001</c:v>
                 </c:pt>
                 <c:pt idx="11">
-                  <c:v>18.038229999999999</c:v>
+                  <c:v>22.969660000000001</c:v>
                 </c:pt>
               </c:numCache>
             </c:numRef>
@@ -4608,7 +4356,7 @@
                 <c:formatCode>General</c:formatCode>
                 <c:ptCount val="12"/>
                 <c:pt idx="0">
-                  <c:v>13.231999999999999</c:v>
+                  <c:v>23.996220000000001</c:v>
                 </c:pt>
               </c:numCache>
             </c:numRef>
@@ -15266,7 +15014,7 @@
           <a:p>
             <a:fld id="{90D0161B-07B2-4BAD-9EC2-43EA96471412}" type="datetimeFigureOut">
               <a:rPr lang="en-US" smtClean="0"/>
-              <a:t>5/30/2023</a:t>
+              <a:t>6/8/2023</a:t>
             </a:fld>
             <a:endParaRPr lang="en-US"/>
           </a:p>
@@ -15434,7 +15182,7 @@
           <a:p>
             <a:fld id="{90D0161B-07B2-4BAD-9EC2-43EA96471412}" type="datetimeFigureOut">
               <a:rPr lang="en-US" smtClean="0"/>
-              <a:t>5/30/2023</a:t>
+              <a:t>6/8/2023</a:t>
             </a:fld>
             <a:endParaRPr lang="en-US"/>
           </a:p>
@@ -15612,7 +15360,7 @@
           <a:p>
             <a:fld id="{90D0161B-07B2-4BAD-9EC2-43EA96471412}" type="datetimeFigureOut">
               <a:rPr lang="en-US" smtClean="0"/>
-              <a:t>5/30/2023</a:t>
+              <a:t>6/8/2023</a:t>
             </a:fld>
             <a:endParaRPr lang="en-US"/>
           </a:p>
@@ -15780,7 +15528,7 @@
           <a:p>
             <a:fld id="{90D0161B-07B2-4BAD-9EC2-43EA96471412}" type="datetimeFigureOut">
               <a:rPr lang="en-US" smtClean="0"/>
-              <a:t>5/30/2023</a:t>
+              <a:t>6/8/2023</a:t>
             </a:fld>
             <a:endParaRPr lang="en-US"/>
           </a:p>
@@ -16023,7 +15771,7 @@
           <a:p>
             <a:fld id="{90D0161B-07B2-4BAD-9EC2-43EA96471412}" type="datetimeFigureOut">
               <a:rPr lang="en-US" smtClean="0"/>
-              <a:t>5/30/2023</a:t>
+              <a:t>6/8/2023</a:t>
             </a:fld>
             <a:endParaRPr lang="en-US"/>
           </a:p>
@@ -16252,7 +16000,7 @@
           <a:p>
             <a:fld id="{90D0161B-07B2-4BAD-9EC2-43EA96471412}" type="datetimeFigureOut">
               <a:rPr lang="en-US" smtClean="0"/>
-              <a:t>5/30/2023</a:t>
+              <a:t>6/8/2023</a:t>
             </a:fld>
             <a:endParaRPr lang="en-US"/>
           </a:p>
@@ -16616,7 +16364,7 @@
           <a:p>
             <a:fld id="{90D0161B-07B2-4BAD-9EC2-43EA96471412}" type="datetimeFigureOut">
               <a:rPr lang="en-US" smtClean="0"/>
-              <a:t>5/30/2023</a:t>
+              <a:t>6/8/2023</a:t>
             </a:fld>
             <a:endParaRPr lang="en-US"/>
           </a:p>
@@ -16733,7 +16481,7 @@
           <a:p>
             <a:fld id="{90D0161B-07B2-4BAD-9EC2-43EA96471412}" type="datetimeFigureOut">
               <a:rPr lang="en-US" smtClean="0"/>
-              <a:t>5/30/2023</a:t>
+              <a:t>6/8/2023</a:t>
             </a:fld>
             <a:endParaRPr lang="en-US"/>
           </a:p>
@@ -16828,7 +16576,7 @@
           <a:p>
             <a:fld id="{90D0161B-07B2-4BAD-9EC2-43EA96471412}" type="datetimeFigureOut">
               <a:rPr lang="en-US" smtClean="0"/>
-              <a:t>5/30/2023</a:t>
+              <a:t>6/8/2023</a:t>
             </a:fld>
             <a:endParaRPr lang="en-US"/>
           </a:p>
@@ -17103,7 +16851,7 @@
           <a:p>
             <a:fld id="{90D0161B-07B2-4BAD-9EC2-43EA96471412}" type="datetimeFigureOut">
               <a:rPr lang="en-US" smtClean="0"/>
-              <a:t>5/30/2023</a:t>
+              <a:t>6/8/2023</a:t>
             </a:fld>
             <a:endParaRPr lang="en-US"/>
           </a:p>
@@ -17358,7 +17106,7 @@
           <a:p>
             <a:fld id="{90D0161B-07B2-4BAD-9EC2-43EA96471412}" type="datetimeFigureOut">
               <a:rPr lang="en-US" smtClean="0"/>
-              <a:t>5/30/2023</a:t>
+              <a:t>6/8/2023</a:t>
             </a:fld>
             <a:endParaRPr lang="en-US"/>
           </a:p>
@@ -17569,7 +17317,7 @@
           <a:p>
             <a:fld id="{90D0161B-07B2-4BAD-9EC2-43EA96471412}" type="datetimeFigureOut">
               <a:rPr lang="en-US" smtClean="0"/>
-              <a:t>5/30/2023</a:t>
+              <a:t>6/8/2023</a:t>
             </a:fld>
             <a:endParaRPr lang="en-US"/>
           </a:p>
@@ -17958,1476 +17706,6 @@
 </file>
 
 <file path=ppt/slides/slide1.xml><?xml version="1.0" encoding="utf-8"?>
-<p:sld xmlns:a="http://schemas.openxmlformats.org/drawingml/2006/main" xmlns:r="http://schemas.openxmlformats.org/officeDocument/2006/relationships" xmlns:p="http://schemas.openxmlformats.org/presentationml/2006/main">
-  <p:cSld>
-    <p:spTree>
-      <p:nvGrpSpPr>
-        <p:cNvPr id="1" name=""/>
-        <p:cNvGrpSpPr/>
-        <p:nvPr/>
-      </p:nvGrpSpPr>
-      <p:grpSpPr>
-        <a:xfrm>
-          <a:off x="0" y="0"/>
-          <a:ext cx="0" cy="0"/>
-          <a:chOff x="0" y="0"/>
-          <a:chExt cx="0" cy="0"/>
-        </a:xfrm>
-      </p:grpSpPr>
-      <p:sp>
-        <p:nvSpPr>
-          <p:cNvPr id="4" name="Rectangle 3">
-            <a:extLst>
-              <a:ext uri="{FF2B5EF4-FFF2-40B4-BE49-F238E27FC236}">
-                <a16:creationId xmlns:a16="http://schemas.microsoft.com/office/drawing/2014/main" id="{A3B9C42A-1796-C9DB-7A5D-56A3B1E54996}"/>
-              </a:ext>
-            </a:extLst>
-          </p:cNvPr>
-          <p:cNvSpPr/>
-          <p:nvPr/>
-        </p:nvSpPr>
-        <p:spPr>
-          <a:xfrm>
-            <a:off x="0" y="1"/>
-            <a:ext cx="6858000" cy="4002877"/>
-          </a:xfrm>
-          <a:prstGeom prst="rect">
-            <a:avLst/>
-          </a:prstGeom>
-          <a:solidFill>
-            <a:srgbClr val="EE7522"/>
-          </a:solidFill>
-          <a:ln>
-            <a:noFill/>
-          </a:ln>
-        </p:spPr>
-        <p:style>
-          <a:lnRef idx="2">
-            <a:schemeClr val="accent1">
-              <a:shade val="50000"/>
-            </a:schemeClr>
-          </a:lnRef>
-          <a:fillRef idx="1">
-            <a:schemeClr val="accent1"/>
-          </a:fillRef>
-          <a:effectRef idx="0">
-            <a:schemeClr val="accent1"/>
-          </a:effectRef>
-          <a:fontRef idx="minor">
-            <a:schemeClr val="lt1"/>
-          </a:fontRef>
-        </p:style>
-        <p:txBody>
-          <a:bodyPr rtlCol="0" anchor="ctr"/>
-          <a:lstStyle/>
-          <a:p>
-            <a:endParaRPr lang="en-US"/>
-          </a:p>
-        </p:txBody>
-      </p:sp>
-      <p:sp>
-        <p:nvSpPr>
-          <p:cNvPr id="6" name="TextBox 5">
-            <a:extLst>
-              <a:ext uri="{FF2B5EF4-FFF2-40B4-BE49-F238E27FC236}">
-                <a16:creationId xmlns:a16="http://schemas.microsoft.com/office/drawing/2014/main" id="{6C1B70E5-18E1-8D13-FEE1-8094C88A53B4}"/>
-              </a:ext>
-            </a:extLst>
-          </p:cNvPr>
-          <p:cNvSpPr txBox="1"/>
-          <p:nvPr/>
-        </p:nvSpPr>
-        <p:spPr>
-          <a:xfrm>
-            <a:off x="379882" y="302850"/>
-            <a:ext cx="5554134" cy="1223027"/>
-          </a:xfrm>
-          <a:prstGeom prst="rect">
-            <a:avLst/>
-          </a:prstGeom>
-          <a:noFill/>
-        </p:spPr>
-        <p:txBody>
-          <a:bodyPr wrap="square" lIns="91440" tIns="45720" rIns="91440" bIns="45720" anchor="t">
-            <a:spAutoFit/>
-          </a:bodyPr>
-          <a:lstStyle/>
-          <a:p>
-            <a:pPr>
-              <a:lnSpc>
-                <a:spcPct val="107000"/>
-              </a:lnSpc>
-            </a:pPr>
-            <a:r>
-              <a:rPr lang="en-AU" sz="2800" b="1" dirty="0">
-                <a:solidFill>
-                  <a:schemeClr val="bg1"/>
-                </a:solidFill>
-                <a:latin typeface="Poppins"/>
-                <a:ea typeface="Calibri" panose="020F0502020204030204" pitchFamily="34" charset="0"/>
-                <a:cs typeface="Poppins"/>
-              </a:rPr>
-              <a:t>Lab 003</a:t>
-            </a:r>
-            <a:endParaRPr lang="en-US" sz="1200" dirty="0">
-              <a:solidFill>
-                <a:schemeClr val="bg1"/>
-              </a:solidFill>
-              <a:latin typeface="Poppins" panose="00000500000000000000" pitchFamily="2" charset="0"/>
-              <a:ea typeface="Calibri" panose="020F0502020204030204" pitchFamily="34" charset="0"/>
-              <a:cs typeface="Poppins" panose="00000500000000000000" pitchFamily="2" charset="0"/>
-            </a:endParaRPr>
-          </a:p>
-          <a:p>
-            <a:pPr>
-              <a:lnSpc>
-                <a:spcPct val="107000"/>
-              </a:lnSpc>
-              <a:spcBef>
-                <a:spcPts val="1200"/>
-              </a:spcBef>
-            </a:pPr>
-            <a:r>
-              <a:rPr lang="en-US" sz="1400" b="1" dirty="0">
-                <a:latin typeface="Poppins"/>
-                <a:ea typeface="Calibri" panose="020F0502020204030204" pitchFamily="34" charset="0"/>
-                <a:cs typeface="Poppins"/>
-              </a:rPr>
-              <a:t>Weekly Energy Report </a:t>
-            </a:r>
-            <a:endParaRPr lang="en-US" sz="1050" dirty="0">
-              <a:latin typeface="Poppins" panose="00000500000000000000" pitchFamily="2" charset="0"/>
-              <a:ea typeface="Calibri" panose="020F0502020204030204" pitchFamily="34" charset="0"/>
-              <a:cs typeface="Poppins" panose="00000500000000000000" pitchFamily="2" charset="0"/>
-            </a:endParaRPr>
-          </a:p>
-          <a:p>
-            <a:pPr>
-              <a:lnSpc>
-                <a:spcPct val="107000"/>
-              </a:lnSpc>
-              <a:spcBef>
-                <a:spcPts val="600"/>
-              </a:spcBef>
-              <a:spcAft>
-                <a:spcPts val="800"/>
-              </a:spcAft>
-            </a:pPr>
-            <a:r>
-              <a:rPr lang="en-US" sz="1100" dirty="0">
-                <a:latin typeface="Poppins"/>
-                <a:ea typeface="Calibri" panose="020F0502020204030204" pitchFamily="34" charset="0"/>
-                <a:cs typeface="Poppins"/>
-              </a:rPr>
-              <a:t>May 22–May 28, 2023</a:t>
-            </a:r>
-          </a:p>
-        </p:txBody>
-      </p:sp>
-      <p:sp>
-        <p:nvSpPr>
-          <p:cNvPr id="9" name="TextBox 8">
-            <a:extLst>
-              <a:ext uri="{FF2B5EF4-FFF2-40B4-BE49-F238E27FC236}">
-                <a16:creationId xmlns:a16="http://schemas.microsoft.com/office/drawing/2014/main" id="{C1865848-C94B-FE74-0FE3-F7274A69B2DB}"/>
-              </a:ext>
-            </a:extLst>
-          </p:cNvPr>
-          <p:cNvSpPr txBox="1"/>
-          <p:nvPr/>
-        </p:nvSpPr>
-        <p:spPr>
-          <a:xfrm>
-            <a:off x="1507986" y="4306203"/>
-            <a:ext cx="3429000" cy="315536"/>
-          </a:xfrm>
-          <a:prstGeom prst="rect">
-            <a:avLst/>
-          </a:prstGeom>
-          <a:noFill/>
-        </p:spPr>
-        <p:txBody>
-          <a:bodyPr wrap="square">
-            <a:spAutoFit/>
-          </a:bodyPr>
-          <a:lstStyle/>
-          <a:p>
-            <a:pPr>
-              <a:lnSpc>
-                <a:spcPct val="107000"/>
-              </a:lnSpc>
-              <a:spcBef>
-                <a:spcPts val="1200"/>
-              </a:spcBef>
-              <a:spcAft>
-                <a:spcPts val="800"/>
-              </a:spcAft>
-            </a:pPr>
-            <a:r>
-              <a:rPr lang="en-US" sz="1400" b="1">
-                <a:latin typeface="Poppins" panose="00000500000000000000" pitchFamily="2" charset="0"/>
-                <a:ea typeface="Calibri" panose="020F0502020204030204" pitchFamily="34" charset="0"/>
-                <a:cs typeface="Poppins" panose="00000500000000000000" pitchFamily="2" charset="0"/>
-              </a:rPr>
-              <a:t>ENERGY USAGE THIS WEEK</a:t>
-            </a:r>
-            <a:endParaRPr lang="en-US" sz="1050">
-              <a:latin typeface="Poppins" panose="00000500000000000000" pitchFamily="2" charset="0"/>
-              <a:ea typeface="Calibri" panose="020F0502020204030204" pitchFamily="34" charset="0"/>
-              <a:cs typeface="Poppins" panose="00000500000000000000" pitchFamily="2" charset="0"/>
-            </a:endParaRPr>
-          </a:p>
-        </p:txBody>
-      </p:sp>
-      <p:graphicFrame>
-        <p:nvGraphicFramePr>
-          <p:cNvPr id="10" name="Chart 9">
-            <a:extLst>
-              <a:ext uri="{FF2B5EF4-FFF2-40B4-BE49-F238E27FC236}">
-                <a16:creationId xmlns:a16="http://schemas.microsoft.com/office/drawing/2014/main" id="{E8BD26A9-2B9A-2F49-D1CB-F87ECA8CBD1E}"/>
-              </a:ext>
-            </a:extLst>
-          </p:cNvPr>
-          <p:cNvGraphicFramePr/>
-          <p:nvPr>
-            <p:extLst>
-              <p:ext uri="{D42A27DB-BD31-4B8C-83A1-F6EECF244321}">
-                <p14:modId xmlns:p14="http://schemas.microsoft.com/office/powerpoint/2010/main" val="2392925438"/>
-              </p:ext>
-            </p:extLst>
-          </p:nvPr>
-        </p:nvGraphicFramePr>
-        <p:xfrm>
-          <a:off x="300571" y="4541662"/>
-          <a:ext cx="5638800" cy="1533525"/>
-        </p:xfrm>
-        <a:graphic>
-          <a:graphicData uri="http://schemas.openxmlformats.org/drawingml/2006/chart">
-            <c:chart xmlns:c="http://schemas.openxmlformats.org/drawingml/2006/chart" xmlns:r="http://schemas.openxmlformats.org/officeDocument/2006/relationships" r:id="rId2"/>
-          </a:graphicData>
-        </a:graphic>
-      </p:graphicFrame>
-      <p:sp>
-        <p:nvSpPr>
-          <p:cNvPr id="59" name="Rectangle 1">
-            <a:extLst>
-              <a:ext uri="{FF2B5EF4-FFF2-40B4-BE49-F238E27FC236}">
-                <a16:creationId xmlns:a16="http://schemas.microsoft.com/office/drawing/2014/main" id="{9F57D231-520E-8BD4-C9D9-777B1603C823}"/>
-              </a:ext>
-            </a:extLst>
-          </p:cNvPr>
-          <p:cNvSpPr>
-            <a:spLocks noChangeArrowheads="1"/>
-          </p:cNvSpPr>
-          <p:nvPr/>
-        </p:nvSpPr>
-        <p:spPr bwMode="auto">
-          <a:xfrm>
-            <a:off x="866576" y="6191570"/>
-            <a:ext cx="3585607" cy="307777"/>
-          </a:xfrm>
-          <a:prstGeom prst="rect">
-            <a:avLst/>
-          </a:prstGeom>
-          <a:noFill/>
-          <a:ln>
-            <a:noFill/>
-          </a:ln>
-          <a:effectLst/>
-          <a:extLst>
-            <a:ext uri="{909E8E84-426E-40DD-AFC4-6F175D3DCCD1}">
-              <a14:hiddenFill xmlns:a14="http://schemas.microsoft.com/office/drawing/2010/main">
-                <a:solidFill>
-                  <a:schemeClr val="accent1"/>
-                </a:solidFill>
-              </a14:hiddenFill>
-            </a:ext>
-            <a:ext uri="{91240B29-F687-4F45-9708-019B960494DF}">
-              <a14:hiddenLine xmlns:a14="http://schemas.microsoft.com/office/drawing/2010/main" w="9525">
-                <a:solidFill>
-                  <a:schemeClr val="tx1"/>
-                </a:solidFill>
-                <a:miter lim="800000"/>
-                <a:headEnd/>
-                <a:tailEnd/>
-              </a14:hiddenLine>
-            </a:ext>
-            <a:ext uri="{AF507438-7753-43E0-B8FC-AC1667EBCBE1}">
-              <a14:hiddenEffects xmlns:a14="http://schemas.microsoft.com/office/drawing/2010/main">
-                <a:effectLst>
-                  <a:outerShdw dist="35921" dir="2700000" algn="ctr" rotWithShape="0">
-                    <a:schemeClr val="bg2"/>
-                  </a:outerShdw>
-                </a:effectLst>
-              </a14:hiddenEffects>
-            </a:ext>
-          </a:extLst>
-        </p:spPr>
-        <p:txBody>
-          <a:bodyPr vert="horz" wrap="square" lIns="91440" tIns="45720" rIns="91440" bIns="45720" numCol="1" anchor="ctr" anchorCtr="0" compatLnSpc="1">
-            <a:prstTxWarp prst="textNoShape">
-              <a:avLst/>
-            </a:prstTxWarp>
-            <a:spAutoFit/>
-          </a:bodyPr>
-          <a:lstStyle/>
-          <a:p>
-            <a:pPr defTabSz="914466" eaLnBrk="0" fontAlgn="base" hangingPunct="0">
-              <a:spcBef>
-                <a:spcPct val="0"/>
-              </a:spcBef>
-              <a:spcAft>
-                <a:spcPct val="0"/>
-              </a:spcAft>
-            </a:pPr>
-            <a:r>
-              <a:rPr lang="en-US" altLang="en-US" sz="1400" b="1">
-                <a:latin typeface="Poppins" panose="00000500000000000000" pitchFamily="2" charset="0"/>
-                <a:ea typeface="Calibri" panose="020F0502020204030204" pitchFamily="34" charset="0"/>
-                <a:cs typeface="Poppins" panose="00000500000000000000" pitchFamily="2" charset="0"/>
-              </a:rPr>
-              <a:t>CURRENT VS. BASELINE ENERGY USAGE</a:t>
-            </a:r>
-          </a:p>
-        </p:txBody>
-      </p:sp>
-      <p:graphicFrame>
-        <p:nvGraphicFramePr>
-          <p:cNvPr id="67" name="Chart 66">
-            <a:extLst>
-              <a:ext uri="{FF2B5EF4-FFF2-40B4-BE49-F238E27FC236}">
-                <a16:creationId xmlns:a16="http://schemas.microsoft.com/office/drawing/2014/main" id="{84624D89-FEFD-1E0A-31A2-B6F89F579189}"/>
-              </a:ext>
-            </a:extLst>
-          </p:cNvPr>
-          <p:cNvGraphicFramePr/>
-          <p:nvPr>
-            <p:extLst>
-              <p:ext uri="{D42A27DB-BD31-4B8C-83A1-F6EECF244321}">
-                <p14:modId xmlns:p14="http://schemas.microsoft.com/office/powerpoint/2010/main" val="3842824952"/>
-              </p:ext>
-            </p:extLst>
-          </p:nvPr>
-        </p:nvGraphicFramePr>
-        <p:xfrm>
-          <a:off x="300570" y="6490881"/>
-          <a:ext cx="4585707" cy="2494906"/>
-        </p:xfrm>
-        <a:graphic>
-          <a:graphicData uri="http://schemas.openxmlformats.org/drawingml/2006/chart">
-            <c:chart xmlns:c="http://schemas.openxmlformats.org/drawingml/2006/chart" xmlns:r="http://schemas.openxmlformats.org/officeDocument/2006/relationships" r:id="rId3"/>
-          </a:graphicData>
-        </a:graphic>
-      </p:graphicFrame>
-      <p:sp>
-        <p:nvSpPr>
-          <p:cNvPr id="92" name="TextBox 91">
-            <a:extLst>
-              <a:ext uri="{FF2B5EF4-FFF2-40B4-BE49-F238E27FC236}">
-                <a16:creationId xmlns:a16="http://schemas.microsoft.com/office/drawing/2014/main" id="{698D1336-60BC-46F2-EB9F-E5179F00813E}"/>
-              </a:ext>
-            </a:extLst>
-          </p:cNvPr>
-          <p:cNvSpPr txBox="1"/>
-          <p:nvPr/>
-        </p:nvSpPr>
-        <p:spPr>
-          <a:xfrm>
-            <a:off x="379882" y="1709551"/>
-            <a:ext cx="4557104" cy="558230"/>
-          </a:xfrm>
-          <a:prstGeom prst="rect">
-            <a:avLst/>
-          </a:prstGeom>
-          <a:noFill/>
-        </p:spPr>
-        <p:txBody>
-          <a:bodyPr wrap="square" lIns="91440" tIns="45720" rIns="91440" bIns="45720" anchor="t">
-            <a:spAutoFit/>
-          </a:bodyPr>
-          <a:lstStyle/>
-          <a:p>
-            <a:pPr>
-              <a:lnSpc>
-                <a:spcPct val="107000"/>
-              </a:lnSpc>
-              <a:spcAft>
-                <a:spcPts val="600"/>
-              </a:spcAft>
-            </a:pPr>
-            <a:r>
-              <a:rPr lang="en-US" sz="1200" b="1">
-                <a:solidFill>
-                  <a:schemeClr val="bg1"/>
-                </a:solidFill>
-                <a:latin typeface="Poppins"/>
-                <a:ea typeface="Calibri" panose="020F0502020204030204" pitchFamily="34" charset="0"/>
-                <a:cs typeface="Poppins"/>
-              </a:rPr>
-              <a:t>Your increase in energy usage  this week equates to:*</a:t>
-            </a:r>
-          </a:p>
-          <a:p>
-            <a:pPr>
-              <a:lnSpc>
-                <a:spcPct val="107000"/>
-              </a:lnSpc>
-              <a:spcAft>
-                <a:spcPts val="600"/>
-              </a:spcAft>
-            </a:pPr>
-            <a:endParaRPr lang="en-US" sz="1200" b="1">
-              <a:solidFill>
-                <a:schemeClr val="bg1"/>
-              </a:solidFill>
-              <a:latin typeface="Poppins" panose="00000500000000000000" pitchFamily="2" charset="0"/>
-              <a:ea typeface="Calibri" panose="020F0502020204030204" pitchFamily="34" charset="0"/>
-              <a:cs typeface="Poppins" panose="00000500000000000000" pitchFamily="2" charset="0"/>
-            </a:endParaRPr>
-          </a:p>
-        </p:txBody>
-      </p:sp>
-      <p:graphicFrame>
-        <p:nvGraphicFramePr>
-          <p:cNvPr id="97" name="Table 97">
-            <a:extLst>
-              <a:ext uri="{FF2B5EF4-FFF2-40B4-BE49-F238E27FC236}">
-                <a16:creationId xmlns:a16="http://schemas.microsoft.com/office/drawing/2014/main" id="{3B422D03-B06B-7A4A-806E-64C5C47E6757}"/>
-              </a:ext>
-            </a:extLst>
-          </p:cNvPr>
-          <p:cNvGraphicFramePr>
-            <a:graphicFrameLocks noGrp="1"/>
-          </p:cNvGraphicFramePr>
-          <p:nvPr>
-            <p:extLst>
-              <p:ext uri="{D42A27DB-BD31-4B8C-83A1-F6EECF244321}">
-                <p14:modId xmlns:p14="http://schemas.microsoft.com/office/powerpoint/2010/main" val="3676640693"/>
-              </p:ext>
-            </p:extLst>
-          </p:nvPr>
-        </p:nvGraphicFramePr>
-        <p:xfrm>
-          <a:off x="300570" y="2145586"/>
-          <a:ext cx="5600700" cy="1536603"/>
-        </p:xfrm>
-        <a:graphic>
-          <a:graphicData uri="http://schemas.openxmlformats.org/drawingml/2006/table">
-            <a:tbl>
-              <a:tblPr firstRow="1" bandRow="1">
-                <a:tableStyleId>{2D5ABB26-0587-4C30-8999-92F81FD0307C}</a:tableStyleId>
-              </a:tblPr>
-              <a:tblGrid>
-                <a:gridCol w="1866900">
-                  <a:extLst>
-                    <a:ext uri="{9D8B030D-6E8A-4147-A177-3AD203B41FA5}">
-                      <a16:colId xmlns:a16="http://schemas.microsoft.com/office/drawing/2014/main" val="1925908659"/>
-                    </a:ext>
-                  </a:extLst>
-                </a:gridCol>
-                <a:gridCol w="1866900">
-                  <a:extLst>
-                    <a:ext uri="{9D8B030D-6E8A-4147-A177-3AD203B41FA5}">
-                      <a16:colId xmlns:a16="http://schemas.microsoft.com/office/drawing/2014/main" val="3393473403"/>
-                    </a:ext>
-                  </a:extLst>
-                </a:gridCol>
-                <a:gridCol w="1866900">
-                  <a:extLst>
-                    <a:ext uri="{9D8B030D-6E8A-4147-A177-3AD203B41FA5}">
-                      <a16:colId xmlns:a16="http://schemas.microsoft.com/office/drawing/2014/main" val="1337067495"/>
-                    </a:ext>
-                  </a:extLst>
-                </a:gridCol>
-              </a:tblGrid>
-              <a:tr h="789843">
-                <a:tc>
-                  <a:txBody>
-                    <a:bodyPr/>
-                    <a:lstStyle/>
-                    <a:p>
-                      <a:endParaRPr lang="en-US" sz="3200"/>
-                    </a:p>
-                  </a:txBody>
-                  <a:tcPr/>
-                </a:tc>
-                <a:tc>
-                  <a:txBody>
-                    <a:bodyPr/>
-                    <a:lstStyle/>
-                    <a:p>
-                      <a:endParaRPr lang="en-US" sz="3200"/>
-                    </a:p>
-                  </a:txBody>
-                  <a:tcPr/>
-                </a:tc>
-                <a:tc>
-                  <a:txBody>
-                    <a:bodyPr/>
-                    <a:lstStyle/>
-                    <a:p>
-                      <a:pPr lvl="0">
-                        <a:buNone/>
-                      </a:pPr>
-                      <a:endParaRPr lang="en-US" sz="3200"/>
-                    </a:p>
-                  </a:txBody>
-                  <a:tcPr/>
-                </a:tc>
-                <a:extLst>
-                  <a:ext uri="{0D108BD9-81ED-4DB2-BD59-A6C34878D82A}">
-                    <a16:rowId xmlns:a16="http://schemas.microsoft.com/office/drawing/2014/main" val="2671459511"/>
-                  </a:ext>
-                </a:extLst>
-              </a:tr>
-              <a:tr h="739140">
-                <a:tc>
-                  <a:txBody>
-                    <a:bodyPr/>
-                    <a:lstStyle/>
-                    <a:p>
-                      <a:pPr algn="ctr" rtl="0" fontAlgn="base"/>
-                      <a:r>
-                        <a:rPr lang="en-US" sz="2000" b="1" i="0" kern="1200" dirty="0">
-                          <a:solidFill>
-                            <a:schemeClr val="bg1"/>
-                          </a:solidFill>
-                          <a:effectLst/>
-                          <a:latin typeface="Poppins"/>
-                          <a:ea typeface="+mn-ea"/>
-                          <a:cs typeface="Poppins"/>
-                        </a:rPr>
-                        <a:t>5,896</a:t>
-                      </a:r>
-                      <a:r>
-                        <a:rPr lang="en-US" sz="1800" b="0" i="0" kern="1200" dirty="0">
-                          <a:solidFill>
-                            <a:schemeClr val="bg1"/>
-                          </a:solidFill>
-                          <a:effectLst/>
-                          <a:latin typeface="Poppins"/>
-                          <a:ea typeface="+mn-ea"/>
-                          <a:cs typeface="Poppins"/>
-                        </a:rPr>
-                        <a:t> </a:t>
-                      </a:r>
-                    </a:p>
-                    <a:p>
-                      <a:pPr algn="ctr" rtl="0" fontAlgn="base"/>
-                      <a:r>
-                        <a:rPr lang="en-US" sz="1100" b="0" i="0" kern="1200" dirty="0">
-                          <a:solidFill>
-                            <a:schemeClr val="bg1"/>
-                          </a:solidFill>
-                          <a:effectLst/>
-                          <a:latin typeface="Poppins" panose="00000500000000000000" pitchFamily="2" charset="0"/>
-                          <a:ea typeface="+mn-ea"/>
-                          <a:cs typeface="Poppins" panose="00000500000000000000" pitchFamily="2" charset="0"/>
-                        </a:rPr>
-                        <a:t>Miles Driven </a:t>
-                      </a:r>
-                      <a:endParaRPr lang="en-US" sz="1100" b="0" i="0" kern="1200" dirty="0">
-                        <a:solidFill>
-                          <a:schemeClr val="bg1"/>
-                        </a:solidFill>
-                        <a:effectLst/>
-                        <a:latin typeface="Poppins"/>
-                        <a:ea typeface="+mn-ea"/>
-                        <a:cs typeface="Poppins"/>
-                      </a:endParaRPr>
-                    </a:p>
-                  </a:txBody>
-                  <a:tcPr/>
-                </a:tc>
-                <a:tc>
-                  <a:txBody>
-                    <a:bodyPr/>
-                    <a:lstStyle/>
-                    <a:p>
-                      <a:pPr algn="ctr" rtl="0" fontAlgn="base"/>
-                      <a:r>
-                        <a:rPr lang="en-US" sz="2000" b="1" i="0" kern="1200" dirty="0">
-                          <a:solidFill>
-                            <a:schemeClr val="bg1"/>
-                          </a:solidFill>
-                          <a:effectLst/>
-                          <a:latin typeface="Poppins"/>
-                          <a:ea typeface="+mn-ea"/>
-                          <a:cs typeface="Poppins"/>
-                        </a:rPr>
-                        <a:t>279,776</a:t>
-                      </a:r>
-                      <a:endParaRPr lang="en-US" sz="2000" b="0" i="0" kern="1200" dirty="0">
-                        <a:solidFill>
-                          <a:schemeClr val="bg1"/>
-                        </a:solidFill>
-                        <a:effectLst/>
-                        <a:latin typeface="Poppins"/>
-                        <a:ea typeface="+mn-ea"/>
-                        <a:cs typeface="Poppins"/>
-                      </a:endParaRPr>
-                    </a:p>
-                    <a:p>
-                      <a:pPr algn="ctr" rtl="0" fontAlgn="base"/>
-                      <a:r>
-                        <a:rPr lang="en-US" sz="1100" b="0" i="0" kern="1200" dirty="0">
-                          <a:solidFill>
-                            <a:schemeClr val="bg1"/>
-                          </a:solidFill>
-                          <a:effectLst/>
-                          <a:latin typeface="Poppins" panose="00000500000000000000" pitchFamily="2" charset="0"/>
-                          <a:ea typeface="+mn-ea"/>
-                          <a:cs typeface="Poppins" panose="00000500000000000000" pitchFamily="2" charset="0"/>
-                        </a:rPr>
-                        <a:t>Smartphones Charged</a:t>
-                      </a:r>
-                      <a:endParaRPr lang="en-US" sz="1100" b="0" i="0" kern="1200" dirty="0">
-                        <a:solidFill>
-                          <a:schemeClr val="bg1"/>
-                        </a:solidFill>
-                        <a:effectLst/>
-                        <a:latin typeface="Poppins"/>
-                        <a:ea typeface="+mn-ea"/>
-                        <a:cs typeface="Poppins"/>
-                      </a:endParaRPr>
-                    </a:p>
-                    <a:p>
-                      <a:endParaRPr lang="en-US" sz="1200" dirty="0">
-                        <a:solidFill>
-                          <a:schemeClr val="bg1"/>
-                        </a:solidFill>
-                        <a:latin typeface="Poppins" panose="00000500000000000000" pitchFamily="2" charset="0"/>
-                        <a:cs typeface="Poppins" panose="00000500000000000000" pitchFamily="2" charset="0"/>
-                      </a:endParaRPr>
-                    </a:p>
-                  </a:txBody>
-                  <a:tcPr/>
-                </a:tc>
-                <a:tc>
-                  <a:txBody>
-                    <a:bodyPr/>
-                    <a:lstStyle/>
-                    <a:p>
-                      <a:pPr lvl="0" algn="ctr" rtl="0">
-                        <a:buNone/>
-                      </a:pPr>
-                      <a:r>
-                        <a:rPr lang="en-US" sz="2000" b="1" i="0" kern="1200" dirty="0">
-                          <a:solidFill>
-                            <a:schemeClr val="bg1"/>
-                          </a:solidFill>
-                          <a:effectLst/>
-                          <a:latin typeface="Poppins"/>
-                          <a:ea typeface="+mn-ea"/>
-                          <a:cs typeface="Poppins"/>
-                        </a:rPr>
-                        <a:t>0.29</a:t>
-                      </a:r>
-                      <a:endParaRPr lang="en-US" sz="2000" b="0" i="0" kern="1200" dirty="0">
-                        <a:solidFill>
-                          <a:schemeClr val="bg1"/>
-                        </a:solidFill>
-                        <a:effectLst/>
-                        <a:latin typeface="Poppins"/>
-                        <a:ea typeface="+mn-ea"/>
-                        <a:cs typeface="Poppins"/>
-                      </a:endParaRPr>
-                    </a:p>
-                    <a:p>
-                      <a:pPr lvl="0" algn="ctr" rtl="0">
-                        <a:buNone/>
-                      </a:pPr>
-                      <a:r>
-                        <a:rPr lang="en-US" sz="1000" b="0" i="0" kern="1200" dirty="0">
-                          <a:solidFill>
-                            <a:schemeClr val="bg1"/>
-                          </a:solidFill>
-                          <a:effectLst/>
-                          <a:latin typeface="Poppins"/>
-                          <a:ea typeface="+mn-ea"/>
-                          <a:cs typeface="Poppins"/>
-                        </a:rPr>
-                        <a:t>Homes’ Yearly Energy Usage</a:t>
-                      </a:r>
-                    </a:p>
-                  </a:txBody>
-                  <a:tcPr/>
-                </a:tc>
-                <a:extLst>
-                  <a:ext uri="{0D108BD9-81ED-4DB2-BD59-A6C34878D82A}">
-                    <a16:rowId xmlns:a16="http://schemas.microsoft.com/office/drawing/2014/main" val="3830652391"/>
-                  </a:ext>
-                </a:extLst>
-              </a:tr>
-            </a:tbl>
-          </a:graphicData>
-        </a:graphic>
-      </p:graphicFrame>
-      <p:pic>
-        <p:nvPicPr>
-          <p:cNvPr id="100" name="Graphic 99" descr="Car with solid fill">
-            <a:extLst>
-              <a:ext uri="{FF2B5EF4-FFF2-40B4-BE49-F238E27FC236}">
-                <a16:creationId xmlns:a16="http://schemas.microsoft.com/office/drawing/2014/main" id="{1AA345D6-4C6D-6667-44A8-26E742799A6B}"/>
-              </a:ext>
-            </a:extLst>
-          </p:cNvPr>
-          <p:cNvPicPr>
-            <a:picLocks noChangeAspect="1"/>
-          </p:cNvPicPr>
-          <p:nvPr/>
-        </p:nvPicPr>
-        <p:blipFill>
-          <a:blip r:embed="rId4">
-            <a:extLst>
-              <a:ext uri="{28A0092B-C50C-407E-A947-70E740481C1C}">
-                <a14:useLocalDpi xmlns:a14="http://schemas.microsoft.com/office/drawing/2010/main" val="0"/>
-              </a:ext>
-              <a:ext uri="{96DAC541-7B7A-43D3-8B79-37D633B846F1}">
-                <asvg:svgBlip xmlns:asvg="http://schemas.microsoft.com/office/drawing/2016/SVG/main" r:embed="rId5"/>
-              </a:ext>
-            </a:extLst>
-          </a:blip>
-          <a:stretch>
-            <a:fillRect/>
-          </a:stretch>
-        </p:blipFill>
-        <p:spPr>
-          <a:xfrm>
-            <a:off x="800101" y="2142378"/>
-            <a:ext cx="864000" cy="864000"/>
-          </a:xfrm>
-          <a:prstGeom prst="rect">
-            <a:avLst/>
-          </a:prstGeom>
-          <a:effectLst>
-            <a:outerShdw blurRad="50800" dist="38100" dir="5400000" algn="t" rotWithShape="0">
-              <a:prstClr val="black">
-                <a:alpha val="40000"/>
-              </a:prstClr>
-            </a:outerShdw>
-          </a:effectLst>
-        </p:spPr>
-      </p:pic>
-      <p:pic>
-        <p:nvPicPr>
-          <p:cNvPr id="102" name="Graphic 101" descr="Smart Phone with solid fill">
-            <a:extLst>
-              <a:ext uri="{FF2B5EF4-FFF2-40B4-BE49-F238E27FC236}">
-                <a16:creationId xmlns:a16="http://schemas.microsoft.com/office/drawing/2014/main" id="{A495E903-1581-4303-20C2-60F461AC9446}"/>
-              </a:ext>
-            </a:extLst>
-          </p:cNvPr>
-          <p:cNvPicPr>
-            <a:picLocks noChangeAspect="1"/>
-          </p:cNvPicPr>
-          <p:nvPr/>
-        </p:nvPicPr>
-        <p:blipFill>
-          <a:blip r:embed="rId6">
-            <a:extLst>
-              <a:ext uri="{28A0092B-C50C-407E-A947-70E740481C1C}">
-                <a14:useLocalDpi xmlns:a14="http://schemas.microsoft.com/office/drawing/2010/main" val="0"/>
-              </a:ext>
-              <a:ext uri="{96DAC541-7B7A-43D3-8B79-37D633B846F1}">
-                <asvg:svgBlip xmlns:asvg="http://schemas.microsoft.com/office/drawing/2016/SVG/main" r:embed="rId7"/>
-              </a:ext>
-            </a:extLst>
-          </a:blip>
-          <a:stretch>
-            <a:fillRect/>
-          </a:stretch>
-        </p:blipFill>
-        <p:spPr>
-          <a:xfrm>
-            <a:off x="2794920" y="2240755"/>
-            <a:ext cx="612000" cy="612000"/>
-          </a:xfrm>
-          <a:prstGeom prst="rect">
-            <a:avLst/>
-          </a:prstGeom>
-          <a:effectLst>
-            <a:outerShdw blurRad="50800" dist="38100" dir="5400000" algn="t" rotWithShape="0">
-              <a:prstClr val="black">
-                <a:alpha val="40000"/>
-              </a:prstClr>
-            </a:outerShdw>
-          </a:effectLst>
-        </p:spPr>
-      </p:pic>
-      <p:pic>
-        <p:nvPicPr>
-          <p:cNvPr id="104" name="Graphic 103" descr="House with solid fill">
-            <a:extLst>
-              <a:ext uri="{FF2B5EF4-FFF2-40B4-BE49-F238E27FC236}">
-                <a16:creationId xmlns:a16="http://schemas.microsoft.com/office/drawing/2014/main" id="{F3BB71B0-745C-F757-6288-D3C0E644CEB9}"/>
-              </a:ext>
-            </a:extLst>
-          </p:cNvPr>
-          <p:cNvPicPr>
-            <a:picLocks noChangeAspect="1"/>
-          </p:cNvPicPr>
-          <p:nvPr/>
-        </p:nvPicPr>
-        <p:blipFill>
-          <a:blip r:embed="rId8">
-            <a:extLst>
-              <a:ext uri="{28A0092B-C50C-407E-A947-70E740481C1C}">
-                <a14:useLocalDpi xmlns:a14="http://schemas.microsoft.com/office/drawing/2010/main" val="0"/>
-              </a:ext>
-              <a:ext uri="{96DAC541-7B7A-43D3-8B79-37D633B846F1}">
-                <asvg:svgBlip xmlns:asvg="http://schemas.microsoft.com/office/drawing/2016/SVG/main" r:embed="rId9"/>
-              </a:ext>
-            </a:extLst>
-          </a:blip>
-          <a:stretch>
-            <a:fillRect/>
-          </a:stretch>
-        </p:blipFill>
-        <p:spPr>
-          <a:xfrm>
-            <a:off x="4576986" y="2155969"/>
-            <a:ext cx="720000" cy="720000"/>
-          </a:xfrm>
-          <a:prstGeom prst="rect">
-            <a:avLst/>
-          </a:prstGeom>
-          <a:effectLst>
-            <a:outerShdw blurRad="50800" dist="38100" dir="5400000" algn="t" rotWithShape="0">
-              <a:prstClr val="black">
-                <a:alpha val="40000"/>
-              </a:prstClr>
-            </a:outerShdw>
-          </a:effectLst>
-        </p:spPr>
-      </p:pic>
-      <p:sp>
-        <p:nvSpPr>
-          <p:cNvPr id="106" name="TextBox 105">
-            <a:extLst>
-              <a:ext uri="{FF2B5EF4-FFF2-40B4-BE49-F238E27FC236}">
-                <a16:creationId xmlns:a16="http://schemas.microsoft.com/office/drawing/2014/main" id="{9FF94971-F4DB-125E-EED3-C387D0EC9DCA}"/>
-              </a:ext>
-            </a:extLst>
-          </p:cNvPr>
-          <p:cNvSpPr txBox="1"/>
-          <p:nvPr/>
-        </p:nvSpPr>
-        <p:spPr>
-          <a:xfrm>
-            <a:off x="523651" y="3663996"/>
-            <a:ext cx="3928532" cy="214289"/>
-          </a:xfrm>
-          <a:prstGeom prst="rect">
-            <a:avLst/>
-          </a:prstGeom>
-          <a:noFill/>
-        </p:spPr>
-        <p:txBody>
-          <a:bodyPr wrap="square" lIns="91440" tIns="45720" rIns="91440" bIns="45720" anchor="t">
-            <a:spAutoFit/>
-          </a:bodyPr>
-          <a:lstStyle/>
-          <a:p>
-            <a:pPr>
-              <a:lnSpc>
-                <a:spcPct val="107000"/>
-              </a:lnSpc>
-              <a:spcAft>
-                <a:spcPts val="600"/>
-              </a:spcAft>
-            </a:pPr>
-            <a:r>
-              <a:rPr lang="en-US" sz="800">
-                <a:solidFill>
-                  <a:schemeClr val="bg1"/>
-                </a:solidFill>
-                <a:latin typeface="Arial Nova"/>
-                <a:ea typeface="Calibri" panose="020F0502020204030204" pitchFamily="34" charset="0"/>
-                <a:cs typeface="Cordia New"/>
-              </a:rPr>
-              <a:t>*compared to average baseline energy usage prior to pilot commencement</a:t>
-            </a:r>
-            <a:endParaRPr lang="en-US" sz="800">
-              <a:solidFill>
-                <a:schemeClr val="bg1"/>
-              </a:solidFill>
-              <a:latin typeface="Arial Nova" panose="020B0504020202020204" pitchFamily="34" charset="0"/>
-              <a:ea typeface="Calibri" panose="020F0502020204030204" pitchFamily="34" charset="0"/>
-              <a:cs typeface="Cordia New" panose="020B0304020202020204" pitchFamily="34" charset="-34"/>
-            </a:endParaRPr>
-          </a:p>
-        </p:txBody>
-      </p:sp>
-      <p:graphicFrame>
-        <p:nvGraphicFramePr>
-          <p:cNvPr id="2" name="Table 73">
-            <a:extLst>
-              <a:ext uri="{FF2B5EF4-FFF2-40B4-BE49-F238E27FC236}">
-                <a16:creationId xmlns:a16="http://schemas.microsoft.com/office/drawing/2014/main" id="{F7C1A2DC-CBBE-DC41-CC52-D640AD2168A6}"/>
-              </a:ext>
-            </a:extLst>
-          </p:cNvPr>
-          <p:cNvGraphicFramePr>
-            <a:graphicFrameLocks noGrp="1"/>
-          </p:cNvGraphicFramePr>
-          <p:nvPr/>
-        </p:nvGraphicFramePr>
-        <p:xfrm>
-          <a:off x="4907313" y="346223"/>
-          <a:ext cx="1488695" cy="1083685"/>
-        </p:xfrm>
-        <a:graphic>
-          <a:graphicData uri="http://schemas.openxmlformats.org/drawingml/2006/table">
-            <a:tbl>
-              <a:tblPr firstRow="1" bandRow="1">
-                <a:tableStyleId>{2D5ABB26-0587-4C30-8999-92F81FD0307C}</a:tableStyleId>
-              </a:tblPr>
-              <a:tblGrid>
-                <a:gridCol w="1488695">
-                  <a:extLst>
-                    <a:ext uri="{9D8B030D-6E8A-4147-A177-3AD203B41FA5}">
-                      <a16:colId xmlns:a16="http://schemas.microsoft.com/office/drawing/2014/main" val="1047524567"/>
-                    </a:ext>
-                  </a:extLst>
-                </a:gridCol>
-              </a:tblGrid>
-              <a:tr h="507685">
-                <a:tc>
-                  <a:txBody>
-                    <a:bodyPr/>
-                    <a:lstStyle/>
-                    <a:p>
-                      <a:pPr algn="ctr"/>
-                      <a:r>
-                        <a:rPr lang="en-US" sz="1200" b="1">
-                          <a:solidFill>
-                            <a:schemeClr val="tx1"/>
-                          </a:solidFill>
-                          <a:latin typeface="Poppins" panose="00000500000000000000" pitchFamily="2" charset="0"/>
-                          <a:cs typeface="Poppins" panose="00000500000000000000" pitchFamily="2" charset="0"/>
-                        </a:rPr>
-                        <a:t>Fume Hood Alerts</a:t>
-                      </a:r>
-                    </a:p>
-                  </a:txBody>
-                  <a:tcPr anchor="ctr">
-                    <a:lnL w="12700" cap="flat" cmpd="sng" algn="ctr">
-                      <a:solidFill>
-                        <a:schemeClr val="tx1"/>
-                      </a:solidFill>
-                      <a:prstDash val="solid"/>
-                      <a:round/>
-                      <a:headEnd type="none" w="med" len="med"/>
-                      <a:tailEnd type="none" w="med" len="med"/>
-                    </a:lnL>
-                    <a:lnR w="12700" cap="flat" cmpd="sng" algn="ctr">
-                      <a:solidFill>
-                        <a:schemeClr val="tx1"/>
-                      </a:solidFill>
-                      <a:prstDash val="solid"/>
-                      <a:round/>
-                      <a:headEnd type="none" w="med" len="med"/>
-                      <a:tailEnd type="none" w="med" len="med"/>
-                    </a:lnR>
-                    <a:lnT w="12700" cap="flat" cmpd="sng" algn="ctr">
-                      <a:solidFill>
-                        <a:schemeClr val="tx1"/>
-                      </a:solidFill>
-                      <a:prstDash val="solid"/>
-                      <a:round/>
-                      <a:headEnd type="none" w="med" len="med"/>
-                      <a:tailEnd type="none" w="med" len="med"/>
-                    </a:lnT>
-                    <a:lnB w="12700" cap="flat" cmpd="sng" algn="ctr">
-                      <a:noFill/>
-                      <a:prstDash val="solid"/>
-                      <a:round/>
-                      <a:headEnd type="none" w="med" len="med"/>
-                      <a:tailEnd type="none" w="med" len="med"/>
-                    </a:lnB>
-                    <a:lnTlToBr w="12700" cmpd="sng">
-                      <a:noFill/>
-                      <a:prstDash val="solid"/>
-                    </a:lnTlToBr>
-                    <a:lnBlToTr w="12700" cmpd="sng">
-                      <a:noFill/>
-                      <a:prstDash val="solid"/>
-                    </a:lnBlToTr>
-                    <a:noFill/>
-                  </a:tcPr>
-                </a:tc>
-                <a:extLst>
-                  <a:ext uri="{0D108BD9-81ED-4DB2-BD59-A6C34878D82A}">
-                    <a16:rowId xmlns:a16="http://schemas.microsoft.com/office/drawing/2014/main" val="423460731"/>
-                  </a:ext>
-                </a:extLst>
-              </a:tr>
-              <a:tr h="576000">
-                <a:tc>
-                  <a:txBody>
-                    <a:bodyPr/>
-                    <a:lstStyle/>
-                    <a:p>
-                      <a:pPr algn="ctr"/>
-                      <a:r>
-                        <a:rPr lang="en-US" sz="2800" b="1">
-                          <a:solidFill>
-                            <a:schemeClr val="tx1"/>
-                          </a:solidFill>
-                          <a:latin typeface="Poppins" panose="00000500000000000000" pitchFamily="2" charset="0"/>
-                          <a:cs typeface="Poppins" panose="00000500000000000000" pitchFamily="2" charset="0"/>
-                        </a:rPr>
-                        <a:t>0</a:t>
-                      </a:r>
-                      <a:endParaRPr lang="en-US" sz="1800" b="1">
-                        <a:solidFill>
-                          <a:schemeClr val="tx1"/>
-                        </a:solidFill>
-                        <a:latin typeface="Poppins" panose="00000500000000000000" pitchFamily="2" charset="0"/>
-                        <a:cs typeface="Poppins" panose="00000500000000000000" pitchFamily="2" charset="0"/>
-                      </a:endParaRPr>
-                    </a:p>
-                  </a:txBody>
-                  <a:tcPr anchor="ctr">
-                    <a:lnL w="12700" cap="flat" cmpd="sng" algn="ctr">
-                      <a:solidFill>
-                        <a:schemeClr val="tx1"/>
-                      </a:solidFill>
-                      <a:prstDash val="solid"/>
-                      <a:round/>
-                      <a:headEnd type="none" w="med" len="med"/>
-                      <a:tailEnd type="none" w="med" len="med"/>
-                    </a:lnL>
-                    <a:lnR w="12700" cap="flat" cmpd="sng" algn="ctr">
-                      <a:solidFill>
-                        <a:schemeClr val="tx1"/>
-                      </a:solidFill>
-                      <a:prstDash val="solid"/>
-                      <a:round/>
-                      <a:headEnd type="none" w="med" len="med"/>
-                      <a:tailEnd type="none" w="med" len="med"/>
-                    </a:lnR>
-                    <a:lnT w="12700" cap="flat" cmpd="sng" algn="ctr">
-                      <a:noFill/>
-                      <a:prstDash val="solid"/>
-                      <a:round/>
-                      <a:headEnd type="none" w="med" len="med"/>
-                      <a:tailEnd type="none" w="med" len="med"/>
-                    </a:lnT>
-                    <a:lnB w="12700" cap="flat" cmpd="sng" algn="ctr">
-                      <a:solidFill>
-                        <a:schemeClr val="tx1"/>
-                      </a:solidFill>
-                      <a:prstDash val="solid"/>
-                      <a:round/>
-                      <a:headEnd type="none" w="med" len="med"/>
-                      <a:tailEnd type="none" w="med" len="med"/>
-                    </a:lnB>
-                    <a:lnTlToBr w="12700" cmpd="sng">
-                      <a:noFill/>
-                      <a:prstDash val="solid"/>
-                    </a:lnTlToBr>
-                    <a:lnBlToTr w="12700" cmpd="sng">
-                      <a:noFill/>
-                      <a:prstDash val="solid"/>
-                    </a:lnBlToTr>
-                    <a:noFill/>
-                  </a:tcPr>
-                </a:tc>
-                <a:extLst>
-                  <a:ext uri="{0D108BD9-81ED-4DB2-BD59-A6C34878D82A}">
-                    <a16:rowId xmlns:a16="http://schemas.microsoft.com/office/drawing/2014/main" val="4174918850"/>
-                  </a:ext>
-                </a:extLst>
-              </a:tr>
-            </a:tbl>
-          </a:graphicData>
-        </a:graphic>
-      </p:graphicFrame>
-      <p:grpSp>
-        <p:nvGrpSpPr>
-          <p:cNvPr id="7" name="Group 6">
-            <a:extLst>
-              <a:ext uri="{FF2B5EF4-FFF2-40B4-BE49-F238E27FC236}">
-                <a16:creationId xmlns:a16="http://schemas.microsoft.com/office/drawing/2014/main" id="{C99B6131-22B0-9694-C7FF-0D4D0BB5B79F}"/>
-              </a:ext>
-            </a:extLst>
-          </p:cNvPr>
-          <p:cNvGrpSpPr/>
-          <p:nvPr/>
-        </p:nvGrpSpPr>
-        <p:grpSpPr>
-          <a:xfrm>
-            <a:off x="5008491" y="6175001"/>
-            <a:ext cx="1442079" cy="1606709"/>
-            <a:chOff x="5198762" y="4325154"/>
-            <a:chExt cx="1442079" cy="1606709"/>
-          </a:xfrm>
-        </p:grpSpPr>
-        <p:sp>
-          <p:nvSpPr>
-            <p:cNvPr id="13" name="Oval 12">
-              <a:extLst>
-                <a:ext uri="{FF2B5EF4-FFF2-40B4-BE49-F238E27FC236}">
-                  <a16:creationId xmlns:a16="http://schemas.microsoft.com/office/drawing/2014/main" id="{1256647E-393C-56EB-2321-0034A495DE78}"/>
-                </a:ext>
-              </a:extLst>
-            </p:cNvPr>
-            <p:cNvSpPr/>
-            <p:nvPr/>
-          </p:nvSpPr>
-          <p:spPr>
-            <a:xfrm>
-              <a:off x="5198762" y="4325154"/>
-              <a:ext cx="1426222" cy="1404592"/>
-            </a:xfrm>
-            <a:prstGeom prst="ellipse">
-              <a:avLst/>
-            </a:prstGeom>
-            <a:solidFill>
-              <a:schemeClr val="bg1"/>
-            </a:solidFill>
-            <a:ln w="57150">
-              <a:solidFill>
-                <a:schemeClr val="bg2">
-                  <a:lumMod val="25000"/>
-                </a:schemeClr>
-              </a:solidFill>
-            </a:ln>
-          </p:spPr>
-          <p:style>
-            <a:lnRef idx="2">
-              <a:schemeClr val="accent1">
-                <a:shade val="50000"/>
-              </a:schemeClr>
-            </a:lnRef>
-            <a:fillRef idx="1">
-              <a:schemeClr val="accent1"/>
-            </a:fillRef>
-            <a:effectRef idx="0">
-              <a:schemeClr val="accent1"/>
-            </a:effectRef>
-            <a:fontRef idx="minor">
-              <a:schemeClr val="lt1"/>
-            </a:fontRef>
-          </p:style>
-          <p:txBody>
-            <a:bodyPr rtlCol="0" anchor="ctr"/>
-            <a:lstStyle/>
-            <a:p>
-              <a:pPr algn="ctr"/>
-              <a:endParaRPr lang="en-US"/>
-            </a:p>
-          </p:txBody>
-        </p:sp>
-        <p:pic>
-          <p:nvPicPr>
-            <p:cNvPr id="3" name="Picture 2" descr="A picture containing text&#10;&#10;Description automatically generated">
-              <a:extLst>
-                <a:ext uri="{FF2B5EF4-FFF2-40B4-BE49-F238E27FC236}">
-                  <a16:creationId xmlns:a16="http://schemas.microsoft.com/office/drawing/2014/main" id="{77CFA521-37BD-758F-8170-90CA72BE4ED3}"/>
-                </a:ext>
-              </a:extLst>
-            </p:cNvPr>
-            <p:cNvPicPr>
-              <a:picLocks noChangeAspect="1"/>
-            </p:cNvPicPr>
-            <p:nvPr/>
-          </p:nvPicPr>
-          <p:blipFill rotWithShape="1">
-            <a:blip r:embed="rId10">
-              <a:extLst>
-                <a:ext uri="{28A0092B-C50C-407E-A947-70E740481C1C}">
-                  <a14:useLocalDpi xmlns:a14="http://schemas.microsoft.com/office/drawing/2010/main" val="0"/>
-                </a:ext>
-              </a:extLst>
-            </a:blip>
-            <a:srcRect r="28796"/>
-            <a:stretch/>
-          </p:blipFill>
-          <p:spPr>
-            <a:xfrm>
-              <a:off x="5667151" y="5210510"/>
-              <a:ext cx="770255" cy="721353"/>
-            </a:xfrm>
-            <a:prstGeom prst="rect">
-              <a:avLst/>
-            </a:prstGeom>
-          </p:spPr>
-        </p:pic>
-        <p:sp>
-          <p:nvSpPr>
-            <p:cNvPr id="5" name="Rectangle 1">
-              <a:extLst>
-                <a:ext uri="{FF2B5EF4-FFF2-40B4-BE49-F238E27FC236}">
-                  <a16:creationId xmlns:a16="http://schemas.microsoft.com/office/drawing/2014/main" id="{72D08DD8-0106-2D0F-3E2F-CE8AA9BE6144}"/>
-                </a:ext>
-              </a:extLst>
-            </p:cNvPr>
-            <p:cNvSpPr>
-              <a:spLocks noChangeArrowheads="1"/>
-            </p:cNvSpPr>
-            <p:nvPr/>
-          </p:nvSpPr>
-          <p:spPr bwMode="auto">
-            <a:xfrm>
-              <a:off x="5251382" y="4743083"/>
-              <a:ext cx="1389459" cy="261610"/>
-            </a:xfrm>
-            <a:prstGeom prst="rect">
-              <a:avLst/>
-            </a:prstGeom>
-            <a:noFill/>
-            <a:ln>
-              <a:noFill/>
-            </a:ln>
-            <a:effectLst/>
-            <a:extLst>
-              <a:ext uri="{909E8E84-426E-40DD-AFC4-6F175D3DCCD1}">
-                <a14:hiddenFill xmlns:a14="http://schemas.microsoft.com/office/drawing/2010/main">
-                  <a:solidFill>
-                    <a:schemeClr val="accent1"/>
-                  </a:solidFill>
-                </a14:hiddenFill>
-              </a:ext>
-              <a:ext uri="{91240B29-F687-4F45-9708-019B960494DF}">
-                <a14:hiddenLine xmlns:a14="http://schemas.microsoft.com/office/drawing/2010/main" w="9525">
-                  <a:solidFill>
-                    <a:schemeClr val="tx1"/>
-                  </a:solidFill>
-                  <a:miter lim="800000"/>
-                  <a:headEnd/>
-                  <a:tailEnd/>
-                </a14:hiddenLine>
-              </a:ext>
-              <a:ext uri="{AF507438-7753-43E0-B8FC-AC1667EBCBE1}">
-                <a14:hiddenEffects xmlns:a14="http://schemas.microsoft.com/office/drawing/2010/main">
-                  <a:effectLst>
-                    <a:outerShdw dist="35921" dir="2700000" algn="ctr" rotWithShape="0">
-                      <a:schemeClr val="bg2"/>
-                    </a:outerShdw>
-                  </a:effectLst>
-                </a14:hiddenEffects>
-              </a:ext>
-            </a:extLst>
-          </p:spPr>
-          <p:txBody>
-            <a:bodyPr vert="horz" wrap="square" lIns="91440" tIns="45720" rIns="91440" bIns="45720" numCol="1" anchor="ctr" anchorCtr="0" compatLnSpc="1">
-              <a:prstTxWarp prst="textNoShape">
-                <a:avLst/>
-              </a:prstTxWarp>
-              <a:spAutoFit/>
-            </a:bodyPr>
-            <a:lstStyle/>
-            <a:p>
-              <a:pPr algn="ctr" defTabSz="914466" eaLnBrk="0" fontAlgn="base" hangingPunct="0">
-                <a:spcBef>
-                  <a:spcPct val="0"/>
-                </a:spcBef>
-                <a:spcAft>
-                  <a:spcPct val="0"/>
-                </a:spcAft>
-              </a:pPr>
-              <a:r>
-                <a:rPr lang="en-US" altLang="en-US" sz="1100" b="1">
-                  <a:latin typeface="Poppins" panose="00000500000000000000" pitchFamily="2" charset="0"/>
-                  <a:ea typeface="Calibri" panose="020F0502020204030204" pitchFamily="34" charset="0"/>
-                  <a:cs typeface="Poppins" panose="00000500000000000000" pitchFamily="2" charset="0"/>
-                </a:rPr>
-                <a:t>Lab of the Week</a:t>
-              </a:r>
-            </a:p>
-          </p:txBody>
-        </p:sp>
-        <p:sp>
-          <p:nvSpPr>
-            <p:cNvPr id="8" name="TextBox 7">
-              <a:extLst>
-                <a:ext uri="{FF2B5EF4-FFF2-40B4-BE49-F238E27FC236}">
-                  <a16:creationId xmlns:a16="http://schemas.microsoft.com/office/drawing/2014/main" id="{6A460694-237C-0E89-E3F3-ABE68A7BC6DA}"/>
-                </a:ext>
-              </a:extLst>
-            </p:cNvPr>
-            <p:cNvSpPr txBox="1"/>
-            <p:nvPr/>
-          </p:nvSpPr>
-          <p:spPr>
-            <a:xfrm>
-              <a:off x="5498309" y="4994155"/>
-              <a:ext cx="898405" cy="315536"/>
-            </a:xfrm>
-            <a:prstGeom prst="rect">
-              <a:avLst/>
-            </a:prstGeom>
-            <a:noFill/>
-          </p:spPr>
-          <p:txBody>
-            <a:bodyPr wrap="square">
-              <a:spAutoFit/>
-            </a:bodyPr>
-            <a:lstStyle/>
-            <a:p>
-              <a:pPr>
-                <a:lnSpc>
-                  <a:spcPct val="107000"/>
-                </a:lnSpc>
-              </a:pPr>
-              <a:r>
-                <a:rPr lang="en-AU" sz="1400" b="1">
-                  <a:solidFill>
-                    <a:srgbClr val="EE7522"/>
-                  </a:solidFill>
-                  <a:latin typeface="Poppins" panose="00000500000000000000" pitchFamily="2" charset="0"/>
-                  <a:ea typeface="Calibri" panose="020F0502020204030204" pitchFamily="34" charset="0"/>
-                  <a:cs typeface="Poppins" panose="00000500000000000000" pitchFamily="2" charset="0"/>
-                </a:rPr>
-                <a:t>Lab </a:t>
-              </a:r>
-              <a:r>
-                <a:rPr lang="en-US" sz="1400" b="1">
-                  <a:solidFill>
-                    <a:srgbClr val="EE7522"/>
-                  </a:solidFill>
-                  <a:latin typeface="Poppins" panose="00000500000000000000" pitchFamily="2" charset="0"/>
-                  <a:ea typeface="Calibri" panose="020F0502020204030204" pitchFamily="34" charset="0"/>
-                  <a:cs typeface="Poppins" panose="00000500000000000000" pitchFamily="2" charset="0"/>
-                </a:rPr>
-                <a:t>007</a:t>
-              </a:r>
-            </a:p>
-          </p:txBody>
-        </p:sp>
-        <p:pic>
-          <p:nvPicPr>
-            <p:cNvPr id="12" name="Picture 11" descr="A picture containing text&#10;&#10;Description automatically generated">
-              <a:extLst>
-                <a:ext uri="{FF2B5EF4-FFF2-40B4-BE49-F238E27FC236}">
-                  <a16:creationId xmlns:a16="http://schemas.microsoft.com/office/drawing/2014/main" id="{BFE4021A-275D-385B-0658-4E69C6250BE8}"/>
-                </a:ext>
-              </a:extLst>
-            </p:cNvPr>
-            <p:cNvPicPr>
-              <a:picLocks noChangeAspect="1"/>
-            </p:cNvPicPr>
-            <p:nvPr/>
-          </p:nvPicPr>
-          <p:blipFill rotWithShape="1">
-            <a:blip r:embed="rId10">
-              <a:extLst>
-                <a:ext uri="{28A0092B-C50C-407E-A947-70E740481C1C}">
-                  <a14:useLocalDpi xmlns:a14="http://schemas.microsoft.com/office/drawing/2010/main" val="0"/>
-                </a:ext>
-              </a:extLst>
-            </a:blip>
-            <a:srcRect r="28796"/>
-            <a:stretch/>
-          </p:blipFill>
-          <p:spPr>
-            <a:xfrm flipH="1">
-              <a:off x="5416968" y="5201210"/>
-              <a:ext cx="770255" cy="721353"/>
-            </a:xfrm>
-            <a:prstGeom prst="rect">
-              <a:avLst/>
-            </a:prstGeom>
-          </p:spPr>
-        </p:pic>
-      </p:grpSp>
-      <p:sp>
-        <p:nvSpPr>
-          <p:cNvPr id="11" name="TextBox 10">
-            <a:extLst>
-              <a:ext uri="{FF2B5EF4-FFF2-40B4-BE49-F238E27FC236}">
-                <a16:creationId xmlns:a16="http://schemas.microsoft.com/office/drawing/2014/main" id="{2AD2ECAF-2EF2-1936-3F3C-E5D7D3FBC376}"/>
-              </a:ext>
-            </a:extLst>
-          </p:cNvPr>
-          <p:cNvSpPr txBox="1"/>
-          <p:nvPr/>
-        </p:nvSpPr>
-        <p:spPr>
-          <a:xfrm>
-            <a:off x="5073856" y="7830665"/>
-            <a:ext cx="1426221" cy="900246"/>
-          </a:xfrm>
-          <a:prstGeom prst="rect">
-            <a:avLst/>
-          </a:prstGeom>
-          <a:noFill/>
-        </p:spPr>
-        <p:txBody>
-          <a:bodyPr wrap="square" rtlCol="0">
-            <a:spAutoFit/>
-          </a:bodyPr>
-          <a:lstStyle/>
-          <a:p>
-            <a:pPr algn="ctr"/>
-            <a:r>
-              <a:rPr lang="en-AU" sz="1050" i="1">
-                <a:latin typeface="arial nova" panose="020B0504020202020204" pitchFamily="34" charset="0"/>
-              </a:rPr>
-              <a:t>Lab of the week highlights the lab that demonstrated the largest energy  reduction this week</a:t>
-            </a:r>
-          </a:p>
-        </p:txBody>
-      </p:sp>
-      <p:pic>
-        <p:nvPicPr>
-          <p:cNvPr id="15" name="Graphic 15" descr="Upward trend with solid fill">
-            <a:extLst>
-              <a:ext uri="{FF2B5EF4-FFF2-40B4-BE49-F238E27FC236}">
-                <a16:creationId xmlns:a16="http://schemas.microsoft.com/office/drawing/2014/main" id="{E5669626-8F5B-6813-5192-C1E9A11174D1}"/>
-              </a:ext>
-            </a:extLst>
-          </p:cNvPr>
-          <p:cNvPicPr>
-            <a:picLocks noChangeAspect="1"/>
-          </p:cNvPicPr>
-          <p:nvPr/>
-        </p:nvPicPr>
-        <p:blipFill rotWithShape="1">
-          <a:blip r:embed="rId11">
-            <a:extLst>
-              <a:ext uri="{96DAC541-7B7A-43D3-8B79-37D633B846F1}">
-                <asvg:svgBlip xmlns:asvg="http://schemas.microsoft.com/office/drawing/2016/SVG/main" r:embed="rId12"/>
-              </a:ext>
-            </a:extLst>
-          </a:blip>
-          <a:srcRect l="22361" b="23041"/>
-          <a:stretch/>
-        </p:blipFill>
-        <p:spPr>
-          <a:xfrm>
-            <a:off x="5658064" y="1871072"/>
-            <a:ext cx="1246176" cy="1235265"/>
-          </a:xfrm>
-          <a:prstGeom prst="rect">
-            <a:avLst/>
-          </a:prstGeom>
-          <a:effectLst>
-            <a:outerShdw blurRad="50800" dist="38100" dir="5400000" algn="t" rotWithShape="0">
-              <a:prstClr val="black">
-                <a:alpha val="40000"/>
-              </a:prstClr>
-            </a:outerShdw>
-          </a:effectLst>
-        </p:spPr>
-      </p:pic>
-    </p:spTree>
-    <p:extLst>
-      <p:ext uri="{BB962C8B-B14F-4D97-AF65-F5344CB8AC3E}">
-        <p14:creationId xmlns:p14="http://schemas.microsoft.com/office/powerpoint/2010/main" val="3355628127"/>
-      </p:ext>
-    </p:extLst>
-  </p:cSld>
-  <p:clrMapOvr>
-    <a:masterClrMapping/>
-  </p:clrMapOvr>
-</p:sld>
-</file>
-
-<file path=ppt/slides/slide2.xml><?xml version="1.0" encoding="utf-8"?>
 <p:sld xmlns:a="http://schemas.openxmlformats.org/drawingml/2006/main" xmlns:r="http://schemas.openxmlformats.org/officeDocument/2006/relationships" xmlns:p="http://schemas.openxmlformats.org/presentationml/2006/main">
   <p:cSld>
     <p:spTree>
@@ -19917,7 +18195,7 @@
           <p:nvPr>
             <p:extLst>
               <p:ext uri="{D42A27DB-BD31-4B8C-83A1-F6EECF244321}">
-                <p14:modId xmlns:p14="http://schemas.microsoft.com/office/powerpoint/2010/main" val="126994214"/>
+                <p14:modId xmlns:p14="http://schemas.microsoft.com/office/powerpoint/2010/main" val="3325012909"/>
               </p:ext>
             </p:extLst>
           </p:nvPr>
@@ -19999,26 +18277,14 @@
                     <a:lstStyle/>
                     <a:p>
                       <a:pPr algn="ctr" rtl="0" fontAlgn="base"/>
-                      <a:r>
-                        <a:rPr lang="en-US" sz="2000" b="1" i="0" kern="1200" dirty="0">
-                          <a:solidFill>
-                            <a:schemeClr val="bg1"/>
-                          </a:solidFill>
-                          <a:effectLst/>
-                          <a:latin typeface="Poppins" panose="00000500000000000000" pitchFamily="2" charset="0"/>
-                          <a:ea typeface="+mn-ea"/>
-                          <a:cs typeface="Poppins" panose="00000500000000000000" pitchFamily="2" charset="0"/>
-                        </a:rPr>
-                        <a:t>12,356</a:t>
-                      </a:r>
-                      <a:endParaRPr lang="en-US" sz="1800" b="0" i="0" kern="1200" dirty="0">
+                      <a:endParaRPr lang="en-US" sz="2000" b="1" i="0" kern="1200" dirty="0">
                         <a:solidFill>
                           <a:schemeClr val="bg1"/>
                         </a:solidFill>
                         <a:effectLst/>
-                        <a:latin typeface="Poppins" panose="00000500000000000000" pitchFamily="2" charset="0"/>
+                        <a:latin typeface="Poppins"/>
                         <a:ea typeface="+mn-ea"/>
-                        <a:cs typeface="Poppins" panose="00000500000000000000" pitchFamily="2" charset="0"/>
+                        <a:cs typeface="Poppins"/>
                       </a:endParaRPr>
                     </a:p>
                     <a:p>
@@ -20045,30 +18311,15 @@
                     <a:lstStyle/>
                     <a:p>
                       <a:pPr algn="ctr" rtl="0" fontAlgn="base"/>
-                      <a:r>
-                        <a:rPr lang="en-US" sz="2000" b="1" i="0" kern="1200" dirty="0">
-                          <a:solidFill>
-                            <a:schemeClr val="bg1"/>
-                          </a:solidFill>
-                          <a:effectLst/>
-                          <a:latin typeface="Poppins" panose="00000500000000000000" pitchFamily="2" charset="0"/>
-                          <a:ea typeface="+mn-ea"/>
-                          <a:cs typeface="Poppins" panose="00000500000000000000" pitchFamily="2" charset="0"/>
-                        </a:rPr>
-                        <a:t>586,292</a:t>
-                      </a:r>
-                      <a:r>
-                        <a:rPr lang="en-US" sz="2000" b="0" i="0" kern="1200" dirty="0">
-                          <a:solidFill>
-                            <a:schemeClr val="bg1"/>
-                          </a:solidFill>
-                          <a:effectLst/>
-                          <a:latin typeface="Poppins" panose="00000500000000000000" pitchFamily="2" charset="0"/>
-                          <a:ea typeface="+mn-ea"/>
-                          <a:cs typeface="Poppins" panose="00000500000000000000" pitchFamily="2" charset="0"/>
-                        </a:rPr>
-                        <a:t> </a:t>
-                      </a:r>
+                      <a:endParaRPr lang="en-US" sz="2000" b="0" i="0" kern="1200">
+                        <a:solidFill>
+                          <a:schemeClr val="bg1"/>
+                        </a:solidFill>
+                        <a:effectLst/>
+                        <a:latin typeface="Poppins"/>
+                        <a:ea typeface="+mn-ea"/>
+                        <a:cs typeface="Poppins"/>
+                      </a:endParaRPr>
                     </a:p>
                     <a:p>
                       <a:pPr algn="ctr" rtl="0" fontAlgn="base"/>
@@ -20103,26 +18354,14 @@
                     <a:lstStyle/>
                     <a:p>
                       <a:pPr algn="ctr" rtl="0" fontAlgn="base"/>
-                      <a:r>
-                        <a:rPr lang="en-US" sz="2000" b="1" i="0" kern="1200" dirty="0">
-                          <a:solidFill>
-                            <a:schemeClr val="bg1"/>
-                          </a:solidFill>
-                          <a:effectLst/>
-                          <a:latin typeface="Poppins" panose="00000500000000000000" pitchFamily="2" charset="0"/>
-                          <a:ea typeface="+mn-ea"/>
-                          <a:cs typeface="Poppins" panose="00000500000000000000" pitchFamily="2" charset="0"/>
-                        </a:rPr>
-                        <a:t>0.607</a:t>
-                      </a:r>
-                      <a:endParaRPr lang="en-US" sz="2000" b="0" i="0" kern="1200" dirty="0">
+                      <a:endParaRPr lang="en-US" sz="2000" b="1" i="0" kern="1200" dirty="0">
                         <a:solidFill>
                           <a:schemeClr val="bg1"/>
                         </a:solidFill>
                         <a:effectLst/>
-                        <a:latin typeface="Poppins" panose="00000500000000000000" pitchFamily="2" charset="0"/>
+                        <a:latin typeface="Poppins"/>
                         <a:ea typeface="+mn-ea"/>
-                        <a:cs typeface="Poppins" panose="00000500000000000000" pitchFamily="2" charset="0"/>
+                        <a:cs typeface="Poppins"/>
                       </a:endParaRPr>
                     </a:p>
                     <a:p>
@@ -20233,7 +18472,13 @@
           <p:cNvGraphicFramePr>
             <a:graphicFrameLocks noGrp="1"/>
           </p:cNvGraphicFramePr>
-          <p:nvPr/>
+          <p:nvPr>
+            <p:extLst>
+              <p:ext uri="{D42A27DB-BD31-4B8C-83A1-F6EECF244321}">
+                <p14:modId xmlns:p14="http://schemas.microsoft.com/office/powerpoint/2010/main" val="1564945431"/>
+              </p:ext>
+            </p:extLst>
+          </p:nvPr>
         </p:nvGraphicFramePr>
         <p:xfrm>
           <a:off x="4907313" y="346223"/>
@@ -20262,12 +18507,12 @@
                     <a:p>
                       <a:pPr algn="ctr"/>
                       <a:r>
-                        <a:rPr lang="en-US" sz="1200" b="1">
+                        <a:rPr lang="en-US" sz="1200" b="1" dirty="0">
                           <a:solidFill>
                             <a:schemeClr val="tx1"/>
                           </a:solidFill>
-                          <a:latin typeface="Poppins" panose="00000500000000000000" pitchFamily="2" charset="0"/>
-                          <a:cs typeface="Poppins" panose="00000500000000000000" pitchFamily="2" charset="0"/>
+                          <a:latin typeface="Poppins"/>
+                          <a:cs typeface="Poppins"/>
                         </a:rPr>
                         <a:t>Fume Hood Alerts</a:t>
                       </a:r>
@@ -20332,22 +18577,12 @@
                     <a:lstStyle/>
                     <a:p>
                       <a:pPr algn="ctr"/>
-                      <a:r>
-                        <a:rPr lang="en-US" sz="2800" b="1">
-                          <a:solidFill>
-                            <a:schemeClr val="tx1"/>
-                          </a:solidFill>
-                          <a:latin typeface="Poppins" panose="00000500000000000000" pitchFamily="2" charset="0"/>
-                          <a:cs typeface="Poppins" panose="00000500000000000000" pitchFamily="2" charset="0"/>
-                        </a:rPr>
-                        <a:t>0</a:t>
-                      </a:r>
-                      <a:endParaRPr lang="en-US" sz="1800" b="1">
+                      <a:endParaRPr lang="en-US" sz="2800" b="1" dirty="0">
                         <a:solidFill>
                           <a:schemeClr val="tx1"/>
                         </a:solidFill>
-                        <a:latin typeface="Poppins" panose="00000500000000000000" pitchFamily="2" charset="0"/>
-                        <a:cs typeface="Poppins" panose="00000500000000000000" pitchFamily="2" charset="0"/>
+                        <a:latin typeface="Poppins"/>
+                        <a:cs typeface="Poppins"/>
                       </a:endParaRPr>
                     </a:p>
                   </a:txBody>
@@ -20625,7 +18860,7 @@
             <a:noFill/>
           </p:spPr>
           <p:txBody>
-            <a:bodyPr wrap="square">
+            <a:bodyPr wrap="square" lIns="91440" tIns="45720" rIns="91440" bIns="45720" anchor="t">
               <a:spAutoFit/>
             </a:bodyPr>
             <a:lstStyle/>
@@ -20635,28 +18870,14 @@
                   <a:spcPct val="107000"/>
                 </a:lnSpc>
               </a:pPr>
-              <a:r>
-                <a:rPr lang="en-AU" sz="1400" b="1">
-                  <a:solidFill>
-                    <a:srgbClr val="EE7522"/>
-                  </a:solidFill>
-                  <a:latin typeface="Poppins" panose="00000500000000000000" pitchFamily="2" charset="0"/>
-                  <a:ea typeface="Calibri" panose="020F0502020204030204" pitchFamily="34" charset="0"/>
-                  <a:cs typeface="Poppins" panose="00000500000000000000" pitchFamily="2" charset="0"/>
-                </a:rPr>
-                <a:t>Lab </a:t>
-              </a:r>
-              <a:r>
-                <a:rPr lang="en-US" sz="1400" b="1">
-                  <a:solidFill>
-                    <a:srgbClr val="EE7522"/>
-                  </a:solidFill>
-                  <a:latin typeface="Poppins" panose="00000500000000000000" pitchFamily="2" charset="0"/>
-                  <a:ea typeface="Calibri" panose="020F0502020204030204" pitchFamily="34" charset="0"/>
-                  <a:cs typeface="Poppins" panose="00000500000000000000" pitchFamily="2" charset="0"/>
-                </a:rPr>
-                <a:t>007</a:t>
-              </a:r>
+              <a:endParaRPr lang="en-US" sz="1400" b="1" dirty="0">
+                <a:solidFill>
+                  <a:srgbClr val="EE7522"/>
+                </a:solidFill>
+                <a:latin typeface="Poppins" panose="00000500000000000000" pitchFamily="2" charset="0"/>
+                <a:ea typeface="Calibri" panose="020F0502020204030204" pitchFamily="34" charset="0"/>
+                <a:cs typeface="Poppins" panose="00000500000000000000" pitchFamily="2" charset="0"/>
+              </a:endParaRPr>
             </a:p>
           </p:txBody>
         </p:sp>
@@ -20876,6 +19097,1476 @@
     <p:extLst>
       <p:ext uri="{BB962C8B-B14F-4D97-AF65-F5344CB8AC3E}">
         <p14:creationId xmlns:p14="http://schemas.microsoft.com/office/powerpoint/2010/main" val="3064548188"/>
+      </p:ext>
+    </p:extLst>
+  </p:cSld>
+  <p:clrMapOvr>
+    <a:masterClrMapping/>
+  </p:clrMapOvr>
+</p:sld>
+</file>
+
+<file path=ppt/slides/slide2.xml><?xml version="1.0" encoding="utf-8"?>
+<p:sld xmlns:a="http://schemas.openxmlformats.org/drawingml/2006/main" xmlns:r="http://schemas.openxmlformats.org/officeDocument/2006/relationships" xmlns:p="http://schemas.openxmlformats.org/presentationml/2006/main">
+  <p:cSld>
+    <p:spTree>
+      <p:nvGrpSpPr>
+        <p:cNvPr id="1" name=""/>
+        <p:cNvGrpSpPr/>
+        <p:nvPr/>
+      </p:nvGrpSpPr>
+      <p:grpSpPr>
+        <a:xfrm>
+          <a:off x="0" y="0"/>
+          <a:ext cx="0" cy="0"/>
+          <a:chOff x="0" y="0"/>
+          <a:chExt cx="0" cy="0"/>
+        </a:xfrm>
+      </p:grpSpPr>
+      <p:sp>
+        <p:nvSpPr>
+          <p:cNvPr id="4" name="Rectangle 3">
+            <a:extLst>
+              <a:ext uri="{FF2B5EF4-FFF2-40B4-BE49-F238E27FC236}">
+                <a16:creationId xmlns:a16="http://schemas.microsoft.com/office/drawing/2014/main" id="{A3B9C42A-1796-C9DB-7A5D-56A3B1E54996}"/>
+              </a:ext>
+            </a:extLst>
+          </p:cNvPr>
+          <p:cNvSpPr/>
+          <p:nvPr/>
+        </p:nvSpPr>
+        <p:spPr>
+          <a:xfrm>
+            <a:off x="0" y="1"/>
+            <a:ext cx="6858000" cy="4002877"/>
+          </a:xfrm>
+          <a:prstGeom prst="rect">
+            <a:avLst/>
+          </a:prstGeom>
+          <a:solidFill>
+            <a:srgbClr val="EE7522"/>
+          </a:solidFill>
+          <a:ln>
+            <a:noFill/>
+          </a:ln>
+        </p:spPr>
+        <p:style>
+          <a:lnRef idx="2">
+            <a:schemeClr val="accent1">
+              <a:shade val="50000"/>
+            </a:schemeClr>
+          </a:lnRef>
+          <a:fillRef idx="1">
+            <a:schemeClr val="accent1"/>
+          </a:fillRef>
+          <a:effectRef idx="0">
+            <a:schemeClr val="accent1"/>
+          </a:effectRef>
+          <a:fontRef idx="minor">
+            <a:schemeClr val="lt1"/>
+          </a:fontRef>
+        </p:style>
+        <p:txBody>
+          <a:bodyPr rtlCol="0" anchor="ctr"/>
+          <a:lstStyle/>
+          <a:p>
+            <a:endParaRPr lang="en-US"/>
+          </a:p>
+        </p:txBody>
+      </p:sp>
+      <p:sp>
+        <p:nvSpPr>
+          <p:cNvPr id="6" name="TextBox 5">
+            <a:extLst>
+              <a:ext uri="{FF2B5EF4-FFF2-40B4-BE49-F238E27FC236}">
+                <a16:creationId xmlns:a16="http://schemas.microsoft.com/office/drawing/2014/main" id="{6C1B70E5-18E1-8D13-FEE1-8094C88A53B4}"/>
+              </a:ext>
+            </a:extLst>
+          </p:cNvPr>
+          <p:cNvSpPr txBox="1"/>
+          <p:nvPr/>
+        </p:nvSpPr>
+        <p:spPr>
+          <a:xfrm>
+            <a:off x="379882" y="302850"/>
+            <a:ext cx="5554134" cy="1223027"/>
+          </a:xfrm>
+          <a:prstGeom prst="rect">
+            <a:avLst/>
+          </a:prstGeom>
+          <a:noFill/>
+        </p:spPr>
+        <p:txBody>
+          <a:bodyPr wrap="square" lIns="91440" tIns="45720" rIns="91440" bIns="45720" anchor="t">
+            <a:spAutoFit/>
+          </a:bodyPr>
+          <a:lstStyle/>
+          <a:p>
+            <a:pPr>
+              <a:lnSpc>
+                <a:spcPct val="107000"/>
+              </a:lnSpc>
+            </a:pPr>
+            <a:r>
+              <a:rPr lang="en-AU" sz="2800" b="1" dirty="0">
+                <a:solidFill>
+                  <a:schemeClr val="bg1"/>
+                </a:solidFill>
+                <a:latin typeface="Poppins"/>
+                <a:ea typeface="Calibri" panose="020F0502020204030204" pitchFamily="34" charset="0"/>
+                <a:cs typeface="Poppins"/>
+              </a:rPr>
+              <a:t>Lab 003</a:t>
+            </a:r>
+            <a:endParaRPr lang="en-US" sz="1200" dirty="0">
+              <a:solidFill>
+                <a:schemeClr val="bg1"/>
+              </a:solidFill>
+              <a:latin typeface="Poppins" panose="00000500000000000000" pitchFamily="2" charset="0"/>
+              <a:ea typeface="Calibri" panose="020F0502020204030204" pitchFamily="34" charset="0"/>
+              <a:cs typeface="Poppins" panose="00000500000000000000" pitchFamily="2" charset="0"/>
+            </a:endParaRPr>
+          </a:p>
+          <a:p>
+            <a:pPr>
+              <a:lnSpc>
+                <a:spcPct val="107000"/>
+              </a:lnSpc>
+              <a:spcBef>
+                <a:spcPts val="1200"/>
+              </a:spcBef>
+            </a:pPr>
+            <a:r>
+              <a:rPr lang="en-US" sz="1400" b="1" dirty="0">
+                <a:latin typeface="Poppins"/>
+                <a:ea typeface="Calibri" panose="020F0502020204030204" pitchFamily="34" charset="0"/>
+                <a:cs typeface="Poppins"/>
+              </a:rPr>
+              <a:t>Weekly Energy Report </a:t>
+            </a:r>
+            <a:endParaRPr lang="en-US" sz="1050" dirty="0">
+              <a:latin typeface="Poppins" panose="00000500000000000000" pitchFamily="2" charset="0"/>
+              <a:ea typeface="Calibri" panose="020F0502020204030204" pitchFamily="34" charset="0"/>
+              <a:cs typeface="Poppins" panose="00000500000000000000" pitchFamily="2" charset="0"/>
+            </a:endParaRPr>
+          </a:p>
+          <a:p>
+            <a:pPr>
+              <a:lnSpc>
+                <a:spcPct val="107000"/>
+              </a:lnSpc>
+              <a:spcBef>
+                <a:spcPts val="600"/>
+              </a:spcBef>
+              <a:spcAft>
+                <a:spcPts val="800"/>
+              </a:spcAft>
+            </a:pPr>
+            <a:r>
+              <a:rPr lang="en-US" sz="1100" dirty="0">
+                <a:latin typeface="Poppins"/>
+                <a:ea typeface="Calibri" panose="020F0502020204030204" pitchFamily="34" charset="0"/>
+                <a:cs typeface="Poppins"/>
+              </a:rPr>
+              <a:t>May 22–May 28, 2023</a:t>
+            </a:r>
+          </a:p>
+        </p:txBody>
+      </p:sp>
+      <p:sp>
+        <p:nvSpPr>
+          <p:cNvPr id="9" name="TextBox 8">
+            <a:extLst>
+              <a:ext uri="{FF2B5EF4-FFF2-40B4-BE49-F238E27FC236}">
+                <a16:creationId xmlns:a16="http://schemas.microsoft.com/office/drawing/2014/main" id="{C1865848-C94B-FE74-0FE3-F7274A69B2DB}"/>
+              </a:ext>
+            </a:extLst>
+          </p:cNvPr>
+          <p:cNvSpPr txBox="1"/>
+          <p:nvPr/>
+        </p:nvSpPr>
+        <p:spPr>
+          <a:xfrm>
+            <a:off x="1507986" y="4306203"/>
+            <a:ext cx="3429000" cy="315536"/>
+          </a:xfrm>
+          <a:prstGeom prst="rect">
+            <a:avLst/>
+          </a:prstGeom>
+          <a:noFill/>
+        </p:spPr>
+        <p:txBody>
+          <a:bodyPr wrap="square">
+            <a:spAutoFit/>
+          </a:bodyPr>
+          <a:lstStyle/>
+          <a:p>
+            <a:pPr>
+              <a:lnSpc>
+                <a:spcPct val="107000"/>
+              </a:lnSpc>
+              <a:spcBef>
+                <a:spcPts val="1200"/>
+              </a:spcBef>
+              <a:spcAft>
+                <a:spcPts val="800"/>
+              </a:spcAft>
+            </a:pPr>
+            <a:r>
+              <a:rPr lang="en-US" sz="1400" b="1">
+                <a:latin typeface="Poppins" panose="00000500000000000000" pitchFamily="2" charset="0"/>
+                <a:ea typeface="Calibri" panose="020F0502020204030204" pitchFamily="34" charset="0"/>
+                <a:cs typeface="Poppins" panose="00000500000000000000" pitchFamily="2" charset="0"/>
+              </a:rPr>
+              <a:t>ENERGY USAGE THIS WEEK</a:t>
+            </a:r>
+            <a:endParaRPr lang="en-US" sz="1050">
+              <a:latin typeface="Poppins" panose="00000500000000000000" pitchFamily="2" charset="0"/>
+              <a:ea typeface="Calibri" panose="020F0502020204030204" pitchFamily="34" charset="0"/>
+              <a:cs typeface="Poppins" panose="00000500000000000000" pitchFamily="2" charset="0"/>
+            </a:endParaRPr>
+          </a:p>
+        </p:txBody>
+      </p:sp>
+      <p:graphicFrame>
+        <p:nvGraphicFramePr>
+          <p:cNvPr id="10" name="Chart 9">
+            <a:extLst>
+              <a:ext uri="{FF2B5EF4-FFF2-40B4-BE49-F238E27FC236}">
+                <a16:creationId xmlns:a16="http://schemas.microsoft.com/office/drawing/2014/main" id="{E8BD26A9-2B9A-2F49-D1CB-F87ECA8CBD1E}"/>
+              </a:ext>
+            </a:extLst>
+          </p:cNvPr>
+          <p:cNvGraphicFramePr/>
+          <p:nvPr>
+            <p:extLst>
+              <p:ext uri="{D42A27DB-BD31-4B8C-83A1-F6EECF244321}">
+                <p14:modId xmlns:p14="http://schemas.microsoft.com/office/powerpoint/2010/main" val="2392925438"/>
+              </p:ext>
+            </p:extLst>
+          </p:nvPr>
+        </p:nvGraphicFramePr>
+        <p:xfrm>
+          <a:off x="300571" y="4541662"/>
+          <a:ext cx="5638800" cy="1533525"/>
+        </p:xfrm>
+        <a:graphic>
+          <a:graphicData uri="http://schemas.openxmlformats.org/drawingml/2006/chart">
+            <c:chart xmlns:c="http://schemas.openxmlformats.org/drawingml/2006/chart" xmlns:r="http://schemas.openxmlformats.org/officeDocument/2006/relationships" r:id="rId2"/>
+          </a:graphicData>
+        </a:graphic>
+      </p:graphicFrame>
+      <p:sp>
+        <p:nvSpPr>
+          <p:cNvPr id="59" name="Rectangle 1">
+            <a:extLst>
+              <a:ext uri="{FF2B5EF4-FFF2-40B4-BE49-F238E27FC236}">
+                <a16:creationId xmlns:a16="http://schemas.microsoft.com/office/drawing/2014/main" id="{9F57D231-520E-8BD4-C9D9-777B1603C823}"/>
+              </a:ext>
+            </a:extLst>
+          </p:cNvPr>
+          <p:cNvSpPr>
+            <a:spLocks noChangeArrowheads="1"/>
+          </p:cNvSpPr>
+          <p:nvPr/>
+        </p:nvSpPr>
+        <p:spPr bwMode="auto">
+          <a:xfrm>
+            <a:off x="866576" y="6191570"/>
+            <a:ext cx="3585607" cy="307777"/>
+          </a:xfrm>
+          <a:prstGeom prst="rect">
+            <a:avLst/>
+          </a:prstGeom>
+          <a:noFill/>
+          <a:ln>
+            <a:noFill/>
+          </a:ln>
+          <a:effectLst/>
+          <a:extLst>
+            <a:ext uri="{909E8E84-426E-40DD-AFC4-6F175D3DCCD1}">
+              <a14:hiddenFill xmlns:a14="http://schemas.microsoft.com/office/drawing/2010/main">
+                <a:solidFill>
+                  <a:schemeClr val="accent1"/>
+                </a:solidFill>
+              </a14:hiddenFill>
+            </a:ext>
+            <a:ext uri="{91240B29-F687-4F45-9708-019B960494DF}">
+              <a14:hiddenLine xmlns:a14="http://schemas.microsoft.com/office/drawing/2010/main" w="9525">
+                <a:solidFill>
+                  <a:schemeClr val="tx1"/>
+                </a:solidFill>
+                <a:miter lim="800000"/>
+                <a:headEnd/>
+                <a:tailEnd/>
+              </a14:hiddenLine>
+            </a:ext>
+            <a:ext uri="{AF507438-7753-43E0-B8FC-AC1667EBCBE1}">
+              <a14:hiddenEffects xmlns:a14="http://schemas.microsoft.com/office/drawing/2010/main">
+                <a:effectLst>
+                  <a:outerShdw dist="35921" dir="2700000" algn="ctr" rotWithShape="0">
+                    <a:schemeClr val="bg2"/>
+                  </a:outerShdw>
+                </a:effectLst>
+              </a14:hiddenEffects>
+            </a:ext>
+          </a:extLst>
+        </p:spPr>
+        <p:txBody>
+          <a:bodyPr vert="horz" wrap="square" lIns="91440" tIns="45720" rIns="91440" bIns="45720" numCol="1" anchor="ctr" anchorCtr="0" compatLnSpc="1">
+            <a:prstTxWarp prst="textNoShape">
+              <a:avLst/>
+            </a:prstTxWarp>
+            <a:spAutoFit/>
+          </a:bodyPr>
+          <a:lstStyle/>
+          <a:p>
+            <a:pPr defTabSz="914466" eaLnBrk="0" fontAlgn="base" hangingPunct="0">
+              <a:spcBef>
+                <a:spcPct val="0"/>
+              </a:spcBef>
+              <a:spcAft>
+                <a:spcPct val="0"/>
+              </a:spcAft>
+            </a:pPr>
+            <a:r>
+              <a:rPr lang="en-US" altLang="en-US" sz="1400" b="1">
+                <a:latin typeface="Poppins" panose="00000500000000000000" pitchFamily="2" charset="0"/>
+                <a:ea typeface="Calibri" panose="020F0502020204030204" pitchFamily="34" charset="0"/>
+                <a:cs typeface="Poppins" panose="00000500000000000000" pitchFamily="2" charset="0"/>
+              </a:rPr>
+              <a:t>CURRENT VS. BASELINE ENERGY USAGE</a:t>
+            </a:r>
+          </a:p>
+        </p:txBody>
+      </p:sp>
+      <p:graphicFrame>
+        <p:nvGraphicFramePr>
+          <p:cNvPr id="67" name="Chart 66">
+            <a:extLst>
+              <a:ext uri="{FF2B5EF4-FFF2-40B4-BE49-F238E27FC236}">
+                <a16:creationId xmlns:a16="http://schemas.microsoft.com/office/drawing/2014/main" id="{84624D89-FEFD-1E0A-31A2-B6F89F579189}"/>
+              </a:ext>
+            </a:extLst>
+          </p:cNvPr>
+          <p:cNvGraphicFramePr/>
+          <p:nvPr>
+            <p:extLst>
+              <p:ext uri="{D42A27DB-BD31-4B8C-83A1-F6EECF244321}">
+                <p14:modId xmlns:p14="http://schemas.microsoft.com/office/powerpoint/2010/main" val="3842824952"/>
+              </p:ext>
+            </p:extLst>
+          </p:nvPr>
+        </p:nvGraphicFramePr>
+        <p:xfrm>
+          <a:off x="300570" y="6490881"/>
+          <a:ext cx="4585707" cy="2494906"/>
+        </p:xfrm>
+        <a:graphic>
+          <a:graphicData uri="http://schemas.openxmlformats.org/drawingml/2006/chart">
+            <c:chart xmlns:c="http://schemas.openxmlformats.org/drawingml/2006/chart" xmlns:r="http://schemas.openxmlformats.org/officeDocument/2006/relationships" r:id="rId3"/>
+          </a:graphicData>
+        </a:graphic>
+      </p:graphicFrame>
+      <p:sp>
+        <p:nvSpPr>
+          <p:cNvPr id="92" name="TextBox 91">
+            <a:extLst>
+              <a:ext uri="{FF2B5EF4-FFF2-40B4-BE49-F238E27FC236}">
+                <a16:creationId xmlns:a16="http://schemas.microsoft.com/office/drawing/2014/main" id="{698D1336-60BC-46F2-EB9F-E5179F00813E}"/>
+              </a:ext>
+            </a:extLst>
+          </p:cNvPr>
+          <p:cNvSpPr txBox="1"/>
+          <p:nvPr/>
+        </p:nvSpPr>
+        <p:spPr>
+          <a:xfrm>
+            <a:off x="379882" y="1709551"/>
+            <a:ext cx="4557104" cy="558230"/>
+          </a:xfrm>
+          <a:prstGeom prst="rect">
+            <a:avLst/>
+          </a:prstGeom>
+          <a:noFill/>
+        </p:spPr>
+        <p:txBody>
+          <a:bodyPr wrap="square" lIns="91440" tIns="45720" rIns="91440" bIns="45720" anchor="t">
+            <a:spAutoFit/>
+          </a:bodyPr>
+          <a:lstStyle/>
+          <a:p>
+            <a:pPr>
+              <a:lnSpc>
+                <a:spcPct val="107000"/>
+              </a:lnSpc>
+              <a:spcAft>
+                <a:spcPts val="600"/>
+              </a:spcAft>
+            </a:pPr>
+            <a:r>
+              <a:rPr lang="en-US" sz="1200" b="1">
+                <a:solidFill>
+                  <a:schemeClr val="bg1"/>
+                </a:solidFill>
+                <a:latin typeface="Poppins"/>
+                <a:ea typeface="Calibri" panose="020F0502020204030204" pitchFamily="34" charset="0"/>
+                <a:cs typeface="Poppins"/>
+              </a:rPr>
+              <a:t>Your increase in energy usage  this week equates to:*</a:t>
+            </a:r>
+          </a:p>
+          <a:p>
+            <a:pPr>
+              <a:lnSpc>
+                <a:spcPct val="107000"/>
+              </a:lnSpc>
+              <a:spcAft>
+                <a:spcPts val="600"/>
+              </a:spcAft>
+            </a:pPr>
+            <a:endParaRPr lang="en-US" sz="1200" b="1">
+              <a:solidFill>
+                <a:schemeClr val="bg1"/>
+              </a:solidFill>
+              <a:latin typeface="Poppins" panose="00000500000000000000" pitchFamily="2" charset="0"/>
+              <a:ea typeface="Calibri" panose="020F0502020204030204" pitchFamily="34" charset="0"/>
+              <a:cs typeface="Poppins" panose="00000500000000000000" pitchFamily="2" charset="0"/>
+            </a:endParaRPr>
+          </a:p>
+        </p:txBody>
+      </p:sp>
+      <p:graphicFrame>
+        <p:nvGraphicFramePr>
+          <p:cNvPr id="97" name="Table 97">
+            <a:extLst>
+              <a:ext uri="{FF2B5EF4-FFF2-40B4-BE49-F238E27FC236}">
+                <a16:creationId xmlns:a16="http://schemas.microsoft.com/office/drawing/2014/main" id="{3B422D03-B06B-7A4A-806E-64C5C47E6757}"/>
+              </a:ext>
+            </a:extLst>
+          </p:cNvPr>
+          <p:cNvGraphicFramePr>
+            <a:graphicFrameLocks noGrp="1"/>
+          </p:cNvGraphicFramePr>
+          <p:nvPr>
+            <p:extLst>
+              <p:ext uri="{D42A27DB-BD31-4B8C-83A1-F6EECF244321}">
+                <p14:modId xmlns:p14="http://schemas.microsoft.com/office/powerpoint/2010/main" val="2553232517"/>
+              </p:ext>
+            </p:extLst>
+          </p:nvPr>
+        </p:nvGraphicFramePr>
+        <p:xfrm>
+          <a:off x="300570" y="2145586"/>
+          <a:ext cx="5600700" cy="1536603"/>
+        </p:xfrm>
+        <a:graphic>
+          <a:graphicData uri="http://schemas.openxmlformats.org/drawingml/2006/table">
+            <a:tbl>
+              <a:tblPr firstRow="1" bandRow="1">
+                <a:tableStyleId>{2D5ABB26-0587-4C30-8999-92F81FD0307C}</a:tableStyleId>
+              </a:tblPr>
+              <a:tblGrid>
+                <a:gridCol w="1866900">
+                  <a:extLst>
+                    <a:ext uri="{9D8B030D-6E8A-4147-A177-3AD203B41FA5}">
+                      <a16:colId xmlns:a16="http://schemas.microsoft.com/office/drawing/2014/main" val="1925908659"/>
+                    </a:ext>
+                  </a:extLst>
+                </a:gridCol>
+                <a:gridCol w="1866900">
+                  <a:extLst>
+                    <a:ext uri="{9D8B030D-6E8A-4147-A177-3AD203B41FA5}">
+                      <a16:colId xmlns:a16="http://schemas.microsoft.com/office/drawing/2014/main" val="3393473403"/>
+                    </a:ext>
+                  </a:extLst>
+                </a:gridCol>
+                <a:gridCol w="1866900">
+                  <a:extLst>
+                    <a:ext uri="{9D8B030D-6E8A-4147-A177-3AD203B41FA5}">
+                      <a16:colId xmlns:a16="http://schemas.microsoft.com/office/drawing/2014/main" val="1337067495"/>
+                    </a:ext>
+                  </a:extLst>
+                </a:gridCol>
+              </a:tblGrid>
+              <a:tr h="789843">
+                <a:tc>
+                  <a:txBody>
+                    <a:bodyPr/>
+                    <a:lstStyle/>
+                    <a:p>
+                      <a:endParaRPr lang="en-US" sz="3200"/>
+                    </a:p>
+                  </a:txBody>
+                  <a:tcPr/>
+                </a:tc>
+                <a:tc>
+                  <a:txBody>
+                    <a:bodyPr/>
+                    <a:lstStyle/>
+                    <a:p>
+                      <a:endParaRPr lang="en-US" sz="3200"/>
+                    </a:p>
+                  </a:txBody>
+                  <a:tcPr/>
+                </a:tc>
+                <a:tc>
+                  <a:txBody>
+                    <a:bodyPr/>
+                    <a:lstStyle/>
+                    <a:p>
+                      <a:pPr lvl="0">
+                        <a:buNone/>
+                      </a:pPr>
+                      <a:endParaRPr lang="en-US" sz="3200"/>
+                    </a:p>
+                  </a:txBody>
+                  <a:tcPr/>
+                </a:tc>
+                <a:extLst>
+                  <a:ext uri="{0D108BD9-81ED-4DB2-BD59-A6C34878D82A}">
+                    <a16:rowId xmlns:a16="http://schemas.microsoft.com/office/drawing/2014/main" val="2671459511"/>
+                  </a:ext>
+                </a:extLst>
+              </a:tr>
+              <a:tr h="739140">
+                <a:tc>
+                  <a:txBody>
+                    <a:bodyPr/>
+                    <a:lstStyle/>
+                    <a:p>
+                      <a:pPr algn="ctr" rtl="0" fontAlgn="base"/>
+                      <a:r>
+                        <a:rPr lang="en-US" sz="2000" b="1" i="0" kern="1200" dirty="0">
+                          <a:solidFill>
+                            <a:schemeClr val="bg1"/>
+                          </a:solidFill>
+                          <a:effectLst/>
+                          <a:latin typeface="Poppins"/>
+                          <a:ea typeface="+mn-ea"/>
+                          <a:cs typeface="Poppins"/>
+                        </a:rPr>
+                        <a:t>5,896</a:t>
+                      </a:r>
+                      <a:r>
+                        <a:rPr lang="en-US" sz="1800" b="0" i="0" kern="1200" dirty="0">
+                          <a:solidFill>
+                            <a:schemeClr val="bg1"/>
+                          </a:solidFill>
+                          <a:effectLst/>
+                          <a:latin typeface="Poppins"/>
+                          <a:ea typeface="+mn-ea"/>
+                          <a:cs typeface="Poppins"/>
+                        </a:rPr>
+                        <a:t> </a:t>
+                      </a:r>
+                    </a:p>
+                    <a:p>
+                      <a:pPr algn="ctr" rtl="0" fontAlgn="base"/>
+                      <a:r>
+                        <a:rPr lang="en-US" sz="1100" b="0" i="0" kern="1200" dirty="0">
+                          <a:solidFill>
+                            <a:schemeClr val="bg1"/>
+                          </a:solidFill>
+                          <a:effectLst/>
+                          <a:latin typeface="Poppins" panose="00000500000000000000" pitchFamily="2" charset="0"/>
+                          <a:ea typeface="+mn-ea"/>
+                          <a:cs typeface="Poppins" panose="00000500000000000000" pitchFamily="2" charset="0"/>
+                        </a:rPr>
+                        <a:t>Miles Driven </a:t>
+                      </a:r>
+                      <a:endParaRPr lang="en-US" sz="1100" b="0" i="0" kern="1200" dirty="0">
+                        <a:solidFill>
+                          <a:schemeClr val="bg1"/>
+                        </a:solidFill>
+                        <a:effectLst/>
+                        <a:latin typeface="Poppins"/>
+                        <a:ea typeface="+mn-ea"/>
+                        <a:cs typeface="Poppins"/>
+                      </a:endParaRPr>
+                    </a:p>
+                  </a:txBody>
+                  <a:tcPr/>
+                </a:tc>
+                <a:tc>
+                  <a:txBody>
+                    <a:bodyPr/>
+                    <a:lstStyle/>
+                    <a:p>
+                      <a:pPr algn="ctr" rtl="0" fontAlgn="base"/>
+                      <a:r>
+                        <a:rPr lang="en-US" sz="2000" b="1" i="0" kern="1200" dirty="0">
+                          <a:solidFill>
+                            <a:schemeClr val="bg1"/>
+                          </a:solidFill>
+                          <a:effectLst/>
+                          <a:latin typeface="Poppins"/>
+                          <a:ea typeface="+mn-ea"/>
+                          <a:cs typeface="Poppins"/>
+                        </a:rPr>
+                        <a:t>279,776</a:t>
+                      </a:r>
+                      <a:endParaRPr lang="en-US" sz="2000" b="0" i="0" kern="1200" dirty="0">
+                        <a:solidFill>
+                          <a:schemeClr val="bg1"/>
+                        </a:solidFill>
+                        <a:effectLst/>
+                        <a:latin typeface="Poppins"/>
+                        <a:ea typeface="+mn-ea"/>
+                        <a:cs typeface="Poppins"/>
+                      </a:endParaRPr>
+                    </a:p>
+                    <a:p>
+                      <a:pPr algn="ctr" rtl="0" fontAlgn="base"/>
+                      <a:r>
+                        <a:rPr lang="en-US" sz="1100" b="0" i="0" kern="1200" dirty="0">
+                          <a:solidFill>
+                            <a:schemeClr val="bg1"/>
+                          </a:solidFill>
+                          <a:effectLst/>
+                          <a:latin typeface="Poppins" panose="00000500000000000000" pitchFamily="2" charset="0"/>
+                          <a:ea typeface="+mn-ea"/>
+                          <a:cs typeface="Poppins" panose="00000500000000000000" pitchFamily="2" charset="0"/>
+                        </a:rPr>
+                        <a:t>Smartphones Charged</a:t>
+                      </a:r>
+                      <a:endParaRPr lang="en-US" sz="1100" b="0" i="0" kern="1200" dirty="0">
+                        <a:solidFill>
+                          <a:schemeClr val="bg1"/>
+                        </a:solidFill>
+                        <a:effectLst/>
+                        <a:latin typeface="Poppins"/>
+                        <a:ea typeface="+mn-ea"/>
+                        <a:cs typeface="Poppins"/>
+                      </a:endParaRPr>
+                    </a:p>
+                    <a:p>
+                      <a:endParaRPr lang="en-US" sz="1200" dirty="0">
+                        <a:solidFill>
+                          <a:schemeClr val="bg1"/>
+                        </a:solidFill>
+                        <a:latin typeface="Poppins" panose="00000500000000000000" pitchFamily="2" charset="0"/>
+                        <a:cs typeface="Poppins" panose="00000500000000000000" pitchFamily="2" charset="0"/>
+                      </a:endParaRPr>
+                    </a:p>
+                  </a:txBody>
+                  <a:tcPr/>
+                </a:tc>
+                <a:tc>
+                  <a:txBody>
+                    <a:bodyPr/>
+                    <a:lstStyle/>
+                    <a:p>
+                      <a:pPr lvl="0" algn="ctr" rtl="0">
+                        <a:buNone/>
+                      </a:pPr>
+                      <a:r>
+                        <a:rPr lang="en-US" sz="2000" b="1" i="0" kern="1200" dirty="0">
+                          <a:solidFill>
+                            <a:schemeClr val="bg1"/>
+                          </a:solidFill>
+                          <a:effectLst/>
+                          <a:latin typeface="Poppins"/>
+                          <a:ea typeface="+mn-ea"/>
+                          <a:cs typeface="Poppins"/>
+                        </a:rPr>
+                        <a:t>0.29</a:t>
+                      </a:r>
+                      <a:endParaRPr lang="en-US" sz="2000" b="0" i="0" kern="1200" dirty="0">
+                        <a:solidFill>
+                          <a:schemeClr val="bg1"/>
+                        </a:solidFill>
+                        <a:effectLst/>
+                        <a:latin typeface="Poppins"/>
+                        <a:ea typeface="+mn-ea"/>
+                        <a:cs typeface="Poppins"/>
+                      </a:endParaRPr>
+                    </a:p>
+                    <a:p>
+                      <a:pPr lvl="0" algn="ctr" rtl="0">
+                        <a:buNone/>
+                      </a:pPr>
+                      <a:r>
+                        <a:rPr lang="en-US" sz="1000" b="0" i="0" kern="1200" dirty="0">
+                          <a:solidFill>
+                            <a:schemeClr val="bg1"/>
+                          </a:solidFill>
+                          <a:effectLst/>
+                          <a:latin typeface="Poppins"/>
+                          <a:ea typeface="+mn-ea"/>
+                          <a:cs typeface="Poppins"/>
+                        </a:rPr>
+                        <a:t>Homes’ Yearly Energy Usage</a:t>
+                      </a:r>
+                    </a:p>
+                  </a:txBody>
+                  <a:tcPr/>
+                </a:tc>
+                <a:extLst>
+                  <a:ext uri="{0D108BD9-81ED-4DB2-BD59-A6C34878D82A}">
+                    <a16:rowId xmlns:a16="http://schemas.microsoft.com/office/drawing/2014/main" val="3830652391"/>
+                  </a:ext>
+                </a:extLst>
+              </a:tr>
+            </a:tbl>
+          </a:graphicData>
+        </a:graphic>
+      </p:graphicFrame>
+      <p:pic>
+        <p:nvPicPr>
+          <p:cNvPr id="100" name="Graphic 99" descr="Car with solid fill">
+            <a:extLst>
+              <a:ext uri="{FF2B5EF4-FFF2-40B4-BE49-F238E27FC236}">
+                <a16:creationId xmlns:a16="http://schemas.microsoft.com/office/drawing/2014/main" id="{1AA345D6-4C6D-6667-44A8-26E742799A6B}"/>
+              </a:ext>
+            </a:extLst>
+          </p:cNvPr>
+          <p:cNvPicPr>
+            <a:picLocks noChangeAspect="1"/>
+          </p:cNvPicPr>
+          <p:nvPr/>
+        </p:nvPicPr>
+        <p:blipFill>
+          <a:blip r:embed="rId4">
+            <a:extLst>
+              <a:ext uri="{28A0092B-C50C-407E-A947-70E740481C1C}">
+                <a14:useLocalDpi xmlns:a14="http://schemas.microsoft.com/office/drawing/2010/main" val="0"/>
+              </a:ext>
+              <a:ext uri="{96DAC541-7B7A-43D3-8B79-37D633B846F1}">
+                <asvg:svgBlip xmlns:asvg="http://schemas.microsoft.com/office/drawing/2016/SVG/main" r:embed="rId5"/>
+              </a:ext>
+            </a:extLst>
+          </a:blip>
+          <a:stretch>
+            <a:fillRect/>
+          </a:stretch>
+        </p:blipFill>
+        <p:spPr>
+          <a:xfrm>
+            <a:off x="800101" y="2142378"/>
+            <a:ext cx="864000" cy="864000"/>
+          </a:xfrm>
+          <a:prstGeom prst="rect">
+            <a:avLst/>
+          </a:prstGeom>
+          <a:effectLst>
+            <a:outerShdw blurRad="50800" dist="38100" dir="5400000" algn="t" rotWithShape="0">
+              <a:prstClr val="black">
+                <a:alpha val="40000"/>
+              </a:prstClr>
+            </a:outerShdw>
+          </a:effectLst>
+        </p:spPr>
+      </p:pic>
+      <p:pic>
+        <p:nvPicPr>
+          <p:cNvPr id="102" name="Graphic 101" descr="Smart Phone with solid fill">
+            <a:extLst>
+              <a:ext uri="{FF2B5EF4-FFF2-40B4-BE49-F238E27FC236}">
+                <a16:creationId xmlns:a16="http://schemas.microsoft.com/office/drawing/2014/main" id="{A495E903-1581-4303-20C2-60F461AC9446}"/>
+              </a:ext>
+            </a:extLst>
+          </p:cNvPr>
+          <p:cNvPicPr>
+            <a:picLocks noChangeAspect="1"/>
+          </p:cNvPicPr>
+          <p:nvPr/>
+        </p:nvPicPr>
+        <p:blipFill>
+          <a:blip r:embed="rId6">
+            <a:extLst>
+              <a:ext uri="{28A0092B-C50C-407E-A947-70E740481C1C}">
+                <a14:useLocalDpi xmlns:a14="http://schemas.microsoft.com/office/drawing/2010/main" val="0"/>
+              </a:ext>
+              <a:ext uri="{96DAC541-7B7A-43D3-8B79-37D633B846F1}">
+                <asvg:svgBlip xmlns:asvg="http://schemas.microsoft.com/office/drawing/2016/SVG/main" r:embed="rId7"/>
+              </a:ext>
+            </a:extLst>
+          </a:blip>
+          <a:stretch>
+            <a:fillRect/>
+          </a:stretch>
+        </p:blipFill>
+        <p:spPr>
+          <a:xfrm>
+            <a:off x="2794920" y="2240755"/>
+            <a:ext cx="612000" cy="612000"/>
+          </a:xfrm>
+          <a:prstGeom prst="rect">
+            <a:avLst/>
+          </a:prstGeom>
+          <a:effectLst>
+            <a:outerShdw blurRad="50800" dist="38100" dir="5400000" algn="t" rotWithShape="0">
+              <a:prstClr val="black">
+                <a:alpha val="40000"/>
+              </a:prstClr>
+            </a:outerShdw>
+          </a:effectLst>
+        </p:spPr>
+      </p:pic>
+      <p:pic>
+        <p:nvPicPr>
+          <p:cNvPr id="104" name="Graphic 103" descr="House with solid fill">
+            <a:extLst>
+              <a:ext uri="{FF2B5EF4-FFF2-40B4-BE49-F238E27FC236}">
+                <a16:creationId xmlns:a16="http://schemas.microsoft.com/office/drawing/2014/main" id="{F3BB71B0-745C-F757-6288-D3C0E644CEB9}"/>
+              </a:ext>
+            </a:extLst>
+          </p:cNvPr>
+          <p:cNvPicPr>
+            <a:picLocks noChangeAspect="1"/>
+          </p:cNvPicPr>
+          <p:nvPr/>
+        </p:nvPicPr>
+        <p:blipFill>
+          <a:blip r:embed="rId8">
+            <a:extLst>
+              <a:ext uri="{28A0092B-C50C-407E-A947-70E740481C1C}">
+                <a14:useLocalDpi xmlns:a14="http://schemas.microsoft.com/office/drawing/2010/main" val="0"/>
+              </a:ext>
+              <a:ext uri="{96DAC541-7B7A-43D3-8B79-37D633B846F1}">
+                <asvg:svgBlip xmlns:asvg="http://schemas.microsoft.com/office/drawing/2016/SVG/main" r:embed="rId9"/>
+              </a:ext>
+            </a:extLst>
+          </a:blip>
+          <a:stretch>
+            <a:fillRect/>
+          </a:stretch>
+        </p:blipFill>
+        <p:spPr>
+          <a:xfrm>
+            <a:off x="4576986" y="2155969"/>
+            <a:ext cx="720000" cy="720000"/>
+          </a:xfrm>
+          <a:prstGeom prst="rect">
+            <a:avLst/>
+          </a:prstGeom>
+          <a:effectLst>
+            <a:outerShdw blurRad="50800" dist="38100" dir="5400000" algn="t" rotWithShape="0">
+              <a:prstClr val="black">
+                <a:alpha val="40000"/>
+              </a:prstClr>
+            </a:outerShdw>
+          </a:effectLst>
+        </p:spPr>
+      </p:pic>
+      <p:sp>
+        <p:nvSpPr>
+          <p:cNvPr id="106" name="TextBox 105">
+            <a:extLst>
+              <a:ext uri="{FF2B5EF4-FFF2-40B4-BE49-F238E27FC236}">
+                <a16:creationId xmlns:a16="http://schemas.microsoft.com/office/drawing/2014/main" id="{9FF94971-F4DB-125E-EED3-C387D0EC9DCA}"/>
+              </a:ext>
+            </a:extLst>
+          </p:cNvPr>
+          <p:cNvSpPr txBox="1"/>
+          <p:nvPr/>
+        </p:nvSpPr>
+        <p:spPr>
+          <a:xfrm>
+            <a:off x="523651" y="3663996"/>
+            <a:ext cx="3928532" cy="214289"/>
+          </a:xfrm>
+          <a:prstGeom prst="rect">
+            <a:avLst/>
+          </a:prstGeom>
+          <a:noFill/>
+        </p:spPr>
+        <p:txBody>
+          <a:bodyPr wrap="square" lIns="91440" tIns="45720" rIns="91440" bIns="45720" anchor="t">
+            <a:spAutoFit/>
+          </a:bodyPr>
+          <a:lstStyle/>
+          <a:p>
+            <a:pPr>
+              <a:lnSpc>
+                <a:spcPct val="107000"/>
+              </a:lnSpc>
+              <a:spcAft>
+                <a:spcPts val="600"/>
+              </a:spcAft>
+            </a:pPr>
+            <a:r>
+              <a:rPr lang="en-US" sz="800">
+                <a:solidFill>
+                  <a:schemeClr val="bg1"/>
+                </a:solidFill>
+                <a:latin typeface="Arial Nova"/>
+                <a:ea typeface="Calibri" panose="020F0502020204030204" pitchFamily="34" charset="0"/>
+                <a:cs typeface="Cordia New"/>
+              </a:rPr>
+              <a:t>*compared to average baseline energy usage prior to pilot commencement</a:t>
+            </a:r>
+            <a:endParaRPr lang="en-US" sz="800">
+              <a:solidFill>
+                <a:schemeClr val="bg1"/>
+              </a:solidFill>
+              <a:latin typeface="Arial Nova" panose="020B0504020202020204" pitchFamily="34" charset="0"/>
+              <a:ea typeface="Calibri" panose="020F0502020204030204" pitchFamily="34" charset="0"/>
+              <a:cs typeface="Cordia New" panose="020B0304020202020204" pitchFamily="34" charset="-34"/>
+            </a:endParaRPr>
+          </a:p>
+        </p:txBody>
+      </p:sp>
+      <p:graphicFrame>
+        <p:nvGraphicFramePr>
+          <p:cNvPr id="2" name="Table 73">
+            <a:extLst>
+              <a:ext uri="{FF2B5EF4-FFF2-40B4-BE49-F238E27FC236}">
+                <a16:creationId xmlns:a16="http://schemas.microsoft.com/office/drawing/2014/main" id="{F7C1A2DC-CBBE-DC41-CC52-D640AD2168A6}"/>
+              </a:ext>
+            </a:extLst>
+          </p:cNvPr>
+          <p:cNvGraphicFramePr>
+            <a:graphicFrameLocks noGrp="1"/>
+          </p:cNvGraphicFramePr>
+          <p:nvPr>
+            <p:extLst>
+              <p:ext uri="{D42A27DB-BD31-4B8C-83A1-F6EECF244321}">
+                <p14:modId xmlns:p14="http://schemas.microsoft.com/office/powerpoint/2010/main" val="1564320083"/>
+              </p:ext>
+            </p:extLst>
+          </p:nvPr>
+        </p:nvGraphicFramePr>
+        <p:xfrm>
+          <a:off x="4907313" y="346223"/>
+          <a:ext cx="1488695" cy="1083685"/>
+        </p:xfrm>
+        <a:graphic>
+          <a:graphicData uri="http://schemas.openxmlformats.org/drawingml/2006/table">
+            <a:tbl>
+              <a:tblPr firstRow="1" bandRow="1">
+                <a:tableStyleId>{2D5ABB26-0587-4C30-8999-92F81FD0307C}</a:tableStyleId>
+              </a:tblPr>
+              <a:tblGrid>
+                <a:gridCol w="1488695">
+                  <a:extLst>
+                    <a:ext uri="{9D8B030D-6E8A-4147-A177-3AD203B41FA5}">
+                      <a16:colId xmlns:a16="http://schemas.microsoft.com/office/drawing/2014/main" val="1047524567"/>
+                    </a:ext>
+                  </a:extLst>
+                </a:gridCol>
+              </a:tblGrid>
+              <a:tr h="507685">
+                <a:tc>
+                  <a:txBody>
+                    <a:bodyPr/>
+                    <a:lstStyle/>
+                    <a:p>
+                      <a:pPr algn="ctr"/>
+                      <a:r>
+                        <a:rPr lang="en-US" sz="1200" b="1" dirty="0">
+                          <a:solidFill>
+                            <a:schemeClr val="tx1"/>
+                          </a:solidFill>
+                          <a:latin typeface="Poppins"/>
+                          <a:cs typeface="Poppins"/>
+                        </a:rPr>
+                        <a:t>Fume Hood Alerts</a:t>
+                      </a:r>
+                    </a:p>
+                  </a:txBody>
+                  <a:tcPr anchor="ctr">
+                    <a:lnL w="12700" cap="flat" cmpd="sng" algn="ctr">
+                      <a:solidFill>
+                        <a:schemeClr val="tx1"/>
+                      </a:solidFill>
+                      <a:prstDash val="solid"/>
+                      <a:round/>
+                      <a:headEnd type="none" w="med" len="med"/>
+                      <a:tailEnd type="none" w="med" len="med"/>
+                    </a:lnL>
+                    <a:lnR w="12700" cap="flat" cmpd="sng" algn="ctr">
+                      <a:solidFill>
+                        <a:schemeClr val="tx1"/>
+                      </a:solidFill>
+                      <a:prstDash val="solid"/>
+                      <a:round/>
+                      <a:headEnd type="none" w="med" len="med"/>
+                      <a:tailEnd type="none" w="med" len="med"/>
+                    </a:lnR>
+                    <a:lnT w="12700" cap="flat" cmpd="sng" algn="ctr">
+                      <a:solidFill>
+                        <a:schemeClr val="tx1"/>
+                      </a:solidFill>
+                      <a:prstDash val="solid"/>
+                      <a:round/>
+                      <a:headEnd type="none" w="med" len="med"/>
+                      <a:tailEnd type="none" w="med" len="med"/>
+                    </a:lnT>
+                    <a:lnB w="12700" cap="flat" cmpd="sng" algn="ctr">
+                      <a:noFill/>
+                      <a:prstDash val="solid"/>
+                      <a:round/>
+                      <a:headEnd type="none" w="med" len="med"/>
+                      <a:tailEnd type="none" w="med" len="med"/>
+                    </a:lnB>
+                    <a:lnTlToBr w="12700" cmpd="sng">
+                      <a:noFill/>
+                      <a:prstDash val="solid"/>
+                    </a:lnTlToBr>
+                    <a:lnBlToTr w="12700" cmpd="sng">
+                      <a:noFill/>
+                      <a:prstDash val="solid"/>
+                    </a:lnBlToTr>
+                    <a:noFill/>
+                  </a:tcPr>
+                </a:tc>
+                <a:extLst>
+                  <a:ext uri="{0D108BD9-81ED-4DB2-BD59-A6C34878D82A}">
+                    <a16:rowId xmlns:a16="http://schemas.microsoft.com/office/drawing/2014/main" val="423460731"/>
+                  </a:ext>
+                </a:extLst>
+              </a:tr>
+              <a:tr h="576000">
+                <a:tc>
+                  <a:txBody>
+                    <a:bodyPr/>
+                    <a:lstStyle/>
+                    <a:p>
+                      <a:pPr lvl="0" algn="ctr">
+                        <a:buNone/>
+                      </a:pPr>
+                      <a:r>
+                        <a:rPr lang="en-US" sz="2800" b="1" i="0" u="none" strike="noStrike" noProof="0" dirty="0">
+                          <a:solidFill>
+                            <a:schemeClr val="tx1"/>
+                          </a:solidFill>
+                        </a:rPr>
+                        <a:t>0</a:t>
+                      </a:r>
+                      <a:endParaRPr lang="en-US" dirty="0"/>
+                    </a:p>
+                  </a:txBody>
+                  <a:tcPr anchor="ctr">
+                    <a:lnL w="12700" cap="flat" cmpd="sng" algn="ctr">
+                      <a:solidFill>
+                        <a:schemeClr val="tx1"/>
+                      </a:solidFill>
+                      <a:prstDash val="solid"/>
+                      <a:round/>
+                      <a:headEnd type="none" w="med" len="med"/>
+                      <a:tailEnd type="none" w="med" len="med"/>
+                    </a:lnL>
+                    <a:lnR w="12700" cap="flat" cmpd="sng" algn="ctr">
+                      <a:solidFill>
+                        <a:schemeClr val="tx1"/>
+                      </a:solidFill>
+                      <a:prstDash val="solid"/>
+                      <a:round/>
+                      <a:headEnd type="none" w="med" len="med"/>
+                      <a:tailEnd type="none" w="med" len="med"/>
+                    </a:lnR>
+                    <a:lnT w="12700" cap="flat" cmpd="sng" algn="ctr">
+                      <a:noFill/>
+                      <a:prstDash val="solid"/>
+                      <a:round/>
+                      <a:headEnd type="none" w="med" len="med"/>
+                      <a:tailEnd type="none" w="med" len="med"/>
+                    </a:lnT>
+                    <a:lnB w="12700" cap="flat" cmpd="sng" algn="ctr">
+                      <a:solidFill>
+                        <a:schemeClr val="tx1"/>
+                      </a:solidFill>
+                      <a:prstDash val="solid"/>
+                      <a:round/>
+                      <a:headEnd type="none" w="med" len="med"/>
+                      <a:tailEnd type="none" w="med" len="med"/>
+                    </a:lnB>
+                    <a:lnTlToBr w="12700" cmpd="sng">
+                      <a:noFill/>
+                      <a:prstDash val="solid"/>
+                    </a:lnTlToBr>
+                    <a:lnBlToTr w="12700" cmpd="sng">
+                      <a:noFill/>
+                      <a:prstDash val="solid"/>
+                    </a:lnBlToTr>
+                    <a:noFill/>
+                  </a:tcPr>
+                </a:tc>
+                <a:extLst>
+                  <a:ext uri="{0D108BD9-81ED-4DB2-BD59-A6C34878D82A}">
+                    <a16:rowId xmlns:a16="http://schemas.microsoft.com/office/drawing/2014/main" val="4174918850"/>
+                  </a:ext>
+                </a:extLst>
+              </a:tr>
+            </a:tbl>
+          </a:graphicData>
+        </a:graphic>
+      </p:graphicFrame>
+      <p:grpSp>
+        <p:nvGrpSpPr>
+          <p:cNvPr id="7" name="Group 6">
+            <a:extLst>
+              <a:ext uri="{FF2B5EF4-FFF2-40B4-BE49-F238E27FC236}">
+                <a16:creationId xmlns:a16="http://schemas.microsoft.com/office/drawing/2014/main" id="{C99B6131-22B0-9694-C7FF-0D4D0BB5B79F}"/>
+              </a:ext>
+            </a:extLst>
+          </p:cNvPr>
+          <p:cNvGrpSpPr/>
+          <p:nvPr/>
+        </p:nvGrpSpPr>
+        <p:grpSpPr>
+          <a:xfrm>
+            <a:off x="5008491" y="6175001"/>
+            <a:ext cx="1442079" cy="1606709"/>
+            <a:chOff x="5198762" y="4325154"/>
+            <a:chExt cx="1442079" cy="1606709"/>
+          </a:xfrm>
+        </p:grpSpPr>
+        <p:sp>
+          <p:nvSpPr>
+            <p:cNvPr id="13" name="Oval 12">
+              <a:extLst>
+                <a:ext uri="{FF2B5EF4-FFF2-40B4-BE49-F238E27FC236}">
+                  <a16:creationId xmlns:a16="http://schemas.microsoft.com/office/drawing/2014/main" id="{1256647E-393C-56EB-2321-0034A495DE78}"/>
+                </a:ext>
+              </a:extLst>
+            </p:cNvPr>
+            <p:cNvSpPr/>
+            <p:nvPr/>
+          </p:nvSpPr>
+          <p:spPr>
+            <a:xfrm>
+              <a:off x="5198762" y="4325154"/>
+              <a:ext cx="1426222" cy="1404592"/>
+            </a:xfrm>
+            <a:prstGeom prst="ellipse">
+              <a:avLst/>
+            </a:prstGeom>
+            <a:solidFill>
+              <a:schemeClr val="bg1"/>
+            </a:solidFill>
+            <a:ln w="57150">
+              <a:solidFill>
+                <a:schemeClr val="bg2">
+                  <a:lumMod val="25000"/>
+                </a:schemeClr>
+              </a:solidFill>
+            </a:ln>
+          </p:spPr>
+          <p:style>
+            <a:lnRef idx="2">
+              <a:schemeClr val="accent1">
+                <a:shade val="50000"/>
+              </a:schemeClr>
+            </a:lnRef>
+            <a:fillRef idx="1">
+              <a:schemeClr val="accent1"/>
+            </a:fillRef>
+            <a:effectRef idx="0">
+              <a:schemeClr val="accent1"/>
+            </a:effectRef>
+            <a:fontRef idx="minor">
+              <a:schemeClr val="lt1"/>
+            </a:fontRef>
+          </p:style>
+          <p:txBody>
+            <a:bodyPr rtlCol="0" anchor="ctr"/>
+            <a:lstStyle/>
+            <a:p>
+              <a:pPr algn="ctr"/>
+              <a:endParaRPr lang="en-US"/>
+            </a:p>
+          </p:txBody>
+        </p:sp>
+        <p:pic>
+          <p:nvPicPr>
+            <p:cNvPr id="3" name="Picture 2" descr="A picture containing text&#10;&#10;Description automatically generated">
+              <a:extLst>
+                <a:ext uri="{FF2B5EF4-FFF2-40B4-BE49-F238E27FC236}">
+                  <a16:creationId xmlns:a16="http://schemas.microsoft.com/office/drawing/2014/main" id="{77CFA521-37BD-758F-8170-90CA72BE4ED3}"/>
+                </a:ext>
+              </a:extLst>
+            </p:cNvPr>
+            <p:cNvPicPr>
+              <a:picLocks noChangeAspect="1"/>
+            </p:cNvPicPr>
+            <p:nvPr/>
+          </p:nvPicPr>
+          <p:blipFill rotWithShape="1">
+            <a:blip r:embed="rId10">
+              <a:extLst>
+                <a:ext uri="{28A0092B-C50C-407E-A947-70E740481C1C}">
+                  <a14:useLocalDpi xmlns:a14="http://schemas.microsoft.com/office/drawing/2010/main" val="0"/>
+                </a:ext>
+              </a:extLst>
+            </a:blip>
+            <a:srcRect r="28796"/>
+            <a:stretch/>
+          </p:blipFill>
+          <p:spPr>
+            <a:xfrm>
+              <a:off x="5667151" y="5210510"/>
+              <a:ext cx="770255" cy="721353"/>
+            </a:xfrm>
+            <a:prstGeom prst="rect">
+              <a:avLst/>
+            </a:prstGeom>
+          </p:spPr>
+        </p:pic>
+        <p:sp>
+          <p:nvSpPr>
+            <p:cNvPr id="5" name="Rectangle 1">
+              <a:extLst>
+                <a:ext uri="{FF2B5EF4-FFF2-40B4-BE49-F238E27FC236}">
+                  <a16:creationId xmlns:a16="http://schemas.microsoft.com/office/drawing/2014/main" id="{72D08DD8-0106-2D0F-3E2F-CE8AA9BE6144}"/>
+                </a:ext>
+              </a:extLst>
+            </p:cNvPr>
+            <p:cNvSpPr>
+              <a:spLocks noChangeArrowheads="1"/>
+            </p:cNvSpPr>
+            <p:nvPr/>
+          </p:nvSpPr>
+          <p:spPr bwMode="auto">
+            <a:xfrm>
+              <a:off x="5251382" y="4743083"/>
+              <a:ext cx="1389459" cy="261610"/>
+            </a:xfrm>
+            <a:prstGeom prst="rect">
+              <a:avLst/>
+            </a:prstGeom>
+            <a:noFill/>
+            <a:ln>
+              <a:noFill/>
+            </a:ln>
+            <a:effectLst/>
+            <a:extLst>
+              <a:ext uri="{909E8E84-426E-40DD-AFC4-6F175D3DCCD1}">
+                <a14:hiddenFill xmlns:a14="http://schemas.microsoft.com/office/drawing/2010/main">
+                  <a:solidFill>
+                    <a:schemeClr val="accent1"/>
+                  </a:solidFill>
+                </a14:hiddenFill>
+              </a:ext>
+              <a:ext uri="{91240B29-F687-4F45-9708-019B960494DF}">
+                <a14:hiddenLine xmlns:a14="http://schemas.microsoft.com/office/drawing/2010/main" w="9525">
+                  <a:solidFill>
+                    <a:schemeClr val="tx1"/>
+                  </a:solidFill>
+                  <a:miter lim="800000"/>
+                  <a:headEnd/>
+                  <a:tailEnd/>
+                </a14:hiddenLine>
+              </a:ext>
+              <a:ext uri="{AF507438-7753-43E0-B8FC-AC1667EBCBE1}">
+                <a14:hiddenEffects xmlns:a14="http://schemas.microsoft.com/office/drawing/2010/main">
+                  <a:effectLst>
+                    <a:outerShdw dist="35921" dir="2700000" algn="ctr" rotWithShape="0">
+                      <a:schemeClr val="bg2"/>
+                    </a:outerShdw>
+                  </a:effectLst>
+                </a14:hiddenEffects>
+              </a:ext>
+            </a:extLst>
+          </p:spPr>
+          <p:txBody>
+            <a:bodyPr vert="horz" wrap="square" lIns="91440" tIns="45720" rIns="91440" bIns="45720" numCol="1" anchor="ctr" anchorCtr="0" compatLnSpc="1">
+              <a:prstTxWarp prst="textNoShape">
+                <a:avLst/>
+              </a:prstTxWarp>
+              <a:spAutoFit/>
+            </a:bodyPr>
+            <a:lstStyle/>
+            <a:p>
+              <a:pPr algn="ctr" defTabSz="914466" eaLnBrk="0" fontAlgn="base" hangingPunct="0">
+                <a:spcBef>
+                  <a:spcPct val="0"/>
+                </a:spcBef>
+                <a:spcAft>
+                  <a:spcPct val="0"/>
+                </a:spcAft>
+              </a:pPr>
+              <a:r>
+                <a:rPr lang="en-US" altLang="en-US" sz="1100" b="1">
+                  <a:latin typeface="Poppins" panose="00000500000000000000" pitchFamily="2" charset="0"/>
+                  <a:ea typeface="Calibri" panose="020F0502020204030204" pitchFamily="34" charset="0"/>
+                  <a:cs typeface="Poppins" panose="00000500000000000000" pitchFamily="2" charset="0"/>
+                </a:rPr>
+                <a:t>Lab of the Week</a:t>
+              </a:r>
+            </a:p>
+          </p:txBody>
+        </p:sp>
+        <p:sp>
+          <p:nvSpPr>
+            <p:cNvPr id="8" name="TextBox 7">
+              <a:extLst>
+                <a:ext uri="{FF2B5EF4-FFF2-40B4-BE49-F238E27FC236}">
+                  <a16:creationId xmlns:a16="http://schemas.microsoft.com/office/drawing/2014/main" id="{6A460694-237C-0E89-E3F3-ABE68A7BC6DA}"/>
+                </a:ext>
+              </a:extLst>
+            </p:cNvPr>
+            <p:cNvSpPr txBox="1"/>
+            <p:nvPr/>
+          </p:nvSpPr>
+          <p:spPr>
+            <a:xfrm>
+              <a:off x="5498309" y="4994155"/>
+              <a:ext cx="898405" cy="315536"/>
+            </a:xfrm>
+            <a:prstGeom prst="rect">
+              <a:avLst/>
+            </a:prstGeom>
+            <a:noFill/>
+          </p:spPr>
+          <p:txBody>
+            <a:bodyPr wrap="square">
+              <a:spAutoFit/>
+            </a:bodyPr>
+            <a:lstStyle/>
+            <a:p>
+              <a:pPr>
+                <a:lnSpc>
+                  <a:spcPct val="107000"/>
+                </a:lnSpc>
+              </a:pPr>
+              <a:r>
+                <a:rPr lang="en-AU" sz="1400" b="1">
+                  <a:solidFill>
+                    <a:srgbClr val="EE7522"/>
+                  </a:solidFill>
+                  <a:latin typeface="Poppins" panose="00000500000000000000" pitchFamily="2" charset="0"/>
+                  <a:ea typeface="Calibri" panose="020F0502020204030204" pitchFamily="34" charset="0"/>
+                  <a:cs typeface="Poppins" panose="00000500000000000000" pitchFamily="2" charset="0"/>
+                </a:rPr>
+                <a:t>Lab </a:t>
+              </a:r>
+              <a:r>
+                <a:rPr lang="en-US" sz="1400" b="1">
+                  <a:solidFill>
+                    <a:srgbClr val="EE7522"/>
+                  </a:solidFill>
+                  <a:latin typeface="Poppins" panose="00000500000000000000" pitchFamily="2" charset="0"/>
+                  <a:ea typeface="Calibri" panose="020F0502020204030204" pitchFamily="34" charset="0"/>
+                  <a:cs typeface="Poppins" panose="00000500000000000000" pitchFamily="2" charset="0"/>
+                </a:rPr>
+                <a:t>007</a:t>
+              </a:r>
+            </a:p>
+          </p:txBody>
+        </p:sp>
+        <p:pic>
+          <p:nvPicPr>
+            <p:cNvPr id="12" name="Picture 11" descr="A picture containing text&#10;&#10;Description automatically generated">
+              <a:extLst>
+                <a:ext uri="{FF2B5EF4-FFF2-40B4-BE49-F238E27FC236}">
+                  <a16:creationId xmlns:a16="http://schemas.microsoft.com/office/drawing/2014/main" id="{BFE4021A-275D-385B-0658-4E69C6250BE8}"/>
+                </a:ext>
+              </a:extLst>
+            </p:cNvPr>
+            <p:cNvPicPr>
+              <a:picLocks noChangeAspect="1"/>
+            </p:cNvPicPr>
+            <p:nvPr/>
+          </p:nvPicPr>
+          <p:blipFill rotWithShape="1">
+            <a:blip r:embed="rId10">
+              <a:extLst>
+                <a:ext uri="{28A0092B-C50C-407E-A947-70E740481C1C}">
+                  <a14:useLocalDpi xmlns:a14="http://schemas.microsoft.com/office/drawing/2010/main" val="0"/>
+                </a:ext>
+              </a:extLst>
+            </a:blip>
+            <a:srcRect r="28796"/>
+            <a:stretch/>
+          </p:blipFill>
+          <p:spPr>
+            <a:xfrm flipH="1">
+              <a:off x="5416968" y="5201210"/>
+              <a:ext cx="770255" cy="721353"/>
+            </a:xfrm>
+            <a:prstGeom prst="rect">
+              <a:avLst/>
+            </a:prstGeom>
+          </p:spPr>
+        </p:pic>
+      </p:grpSp>
+      <p:sp>
+        <p:nvSpPr>
+          <p:cNvPr id="11" name="TextBox 10">
+            <a:extLst>
+              <a:ext uri="{FF2B5EF4-FFF2-40B4-BE49-F238E27FC236}">
+                <a16:creationId xmlns:a16="http://schemas.microsoft.com/office/drawing/2014/main" id="{2AD2ECAF-2EF2-1936-3F3C-E5D7D3FBC376}"/>
+              </a:ext>
+            </a:extLst>
+          </p:cNvPr>
+          <p:cNvSpPr txBox="1"/>
+          <p:nvPr/>
+        </p:nvSpPr>
+        <p:spPr>
+          <a:xfrm>
+            <a:off x="5073856" y="7830665"/>
+            <a:ext cx="1426221" cy="900246"/>
+          </a:xfrm>
+          <a:prstGeom prst="rect">
+            <a:avLst/>
+          </a:prstGeom>
+          <a:noFill/>
+        </p:spPr>
+        <p:txBody>
+          <a:bodyPr wrap="square" rtlCol="0">
+            <a:spAutoFit/>
+          </a:bodyPr>
+          <a:lstStyle/>
+          <a:p>
+            <a:pPr algn="ctr"/>
+            <a:r>
+              <a:rPr lang="en-AU" sz="1050" i="1">
+                <a:latin typeface="arial nova" panose="020B0504020202020204" pitchFamily="34" charset="0"/>
+              </a:rPr>
+              <a:t>Lab of the week highlights the lab that demonstrated the largest energy  reduction this week</a:t>
+            </a:r>
+          </a:p>
+        </p:txBody>
+      </p:sp>
+      <p:pic>
+        <p:nvPicPr>
+          <p:cNvPr id="15" name="Graphic 15" descr="Upward trend with solid fill">
+            <a:extLst>
+              <a:ext uri="{FF2B5EF4-FFF2-40B4-BE49-F238E27FC236}">
+                <a16:creationId xmlns:a16="http://schemas.microsoft.com/office/drawing/2014/main" id="{E5669626-8F5B-6813-5192-C1E9A11174D1}"/>
+              </a:ext>
+            </a:extLst>
+          </p:cNvPr>
+          <p:cNvPicPr>
+            <a:picLocks noChangeAspect="1"/>
+          </p:cNvPicPr>
+          <p:nvPr/>
+        </p:nvPicPr>
+        <p:blipFill rotWithShape="1">
+          <a:blip r:embed="rId11">
+            <a:extLst>
+              <a:ext uri="{96DAC541-7B7A-43D3-8B79-37D633B846F1}">
+                <asvg:svgBlip xmlns:asvg="http://schemas.microsoft.com/office/drawing/2016/SVG/main" r:embed="rId12"/>
+              </a:ext>
+            </a:extLst>
+          </a:blip>
+          <a:srcRect l="22361" b="23041"/>
+          <a:stretch/>
+        </p:blipFill>
+        <p:spPr>
+          <a:xfrm>
+            <a:off x="5658064" y="1871072"/>
+            <a:ext cx="1246176" cy="1235265"/>
+          </a:xfrm>
+          <a:prstGeom prst="rect">
+            <a:avLst/>
+          </a:prstGeom>
+          <a:effectLst>
+            <a:outerShdw blurRad="50800" dist="38100" dir="5400000" algn="t" rotWithShape="0">
+              <a:prstClr val="black">
+                <a:alpha val="40000"/>
+              </a:prstClr>
+            </a:outerShdw>
+          </a:effectLst>
+        </p:spPr>
+      </p:pic>
+    </p:spTree>
+    <p:extLst>
+      <p:ext uri="{BB962C8B-B14F-4D97-AF65-F5344CB8AC3E}">
+        <p14:creationId xmlns:p14="http://schemas.microsoft.com/office/powerpoint/2010/main" val="3355628127"/>
       </p:ext>
     </p:extLst>
   </p:cSld>

--- a/input.pptx
+++ b/input.pptx
@@ -128,7 +128,8 @@
 <p1510:revInfo xmlns:a="http://schemas.openxmlformats.org/drawingml/2006/main" xmlns:r="http://schemas.openxmlformats.org/officeDocument/2006/relationships" xmlns:p1510="http://schemas.microsoft.com/office/powerpoint/2015/10/main">
   <p1510:revLst>
     <p1510:client id="{0A57279F-C0EB-D114-A8D9-1D2B634C7DBD}" v="4" dt="2023-06-08T15:44:12.620"/>
-    <p1510:client id="{6F55E5A3-D1BE-3FCD-4C7F-C093CFE6356D}" v="18" dt="2023-06-08T18:02:05.630"/>
+    <p1510:client id="{6F55E5A3-D1BE-3FCD-4C7F-C093CFE6356D}" v="22" dt="2023-06-08T18:39:59.920"/>
+    <p1510:client id="{8C173A39-4049-3DC2-874F-F1ECACB67623}" v="3" dt="2023-06-09T19:06:22.409"/>
     <p1510:client id="{ABDC3488-14ED-214D-A28F-96C28BE47A63}" v="9" dt="2023-05-30T16:28:05.450"/>
     <p1510:client id="{C7E3C77B-130E-AE06-3EB6-00B00E36A7AF}" v="10" dt="2023-06-08T17:53:02.437"/>
     <p1510:client id="{D597963B-673A-44EC-84F4-763CA13095C0}" v="4" dt="2023-05-30T16:46:30.640"/>
@@ -518,10 +519,10 @@
                   <c:v>15.2342</c:v>
                 </c:pt>
                 <c:pt idx="1">
-                  <c:v>18.038229999999999</c:v>
+                  <c:v>22.969660000000001</c:v>
                 </c:pt>
                 <c:pt idx="2">
-                  <c:v>13.218439999999999</c:v>
+                  <c:v>25.269639999999999</c:v>
                 </c:pt>
               </c:numCache>
             </c:numRef>
@@ -655,1011 +656,6 @@
 </file>
 
 <file path=ppt/charts/chart10.xml><?xml version="1.0" encoding="utf-8"?>
-<c:chartSpace xmlns:c="http://schemas.openxmlformats.org/drawingml/2006/chart" xmlns:a="http://schemas.openxmlformats.org/drawingml/2006/main" xmlns:r="http://schemas.openxmlformats.org/officeDocument/2006/relationships" xmlns:c16r2="http://schemas.microsoft.com/office/drawing/2015/06/chart">
-  <c:date1904 val="0"/>
-  <c:lang val="en-US"/>
-  <c:roundedCorners val="0"/>
-  <mc:AlternateContent xmlns:mc="http://schemas.openxmlformats.org/markup-compatibility/2006">
-    <mc:Choice xmlns:c14="http://schemas.microsoft.com/office/drawing/2007/8/2/chart" Requires="c14">
-      <c14:style val="102"/>
-    </mc:Choice>
-    <mc:Fallback>
-      <c:style val="2"/>
-    </mc:Fallback>
-  </mc:AlternateContent>
-  <c:chart>
-    <c:autoTitleDeleted val="1"/>
-    <c:plotArea>
-      <c:layout/>
-      <c:lineChart>
-        <c:grouping val="standard"/>
-        <c:varyColors val="0"/>
-        <c:ser>
-          <c:idx val="0"/>
-          <c:order val="0"/>
-          <c:tx>
-            <c:strRef>
-              <c:f>Sheet1!$B$1</c:f>
-              <c:strCache>
-                <c:ptCount val="1"/>
-                <c:pt idx="0">
-                  <c:v>Baseline</c:v>
-                </c:pt>
-              </c:strCache>
-            </c:strRef>
-          </c:tx>
-          <c:spPr>
-            <a:ln w="28575" cap="rnd">
-              <a:solidFill>
-                <a:schemeClr val="bg2">
-                  <a:lumMod val="50000"/>
-                </a:schemeClr>
-              </a:solidFill>
-              <a:round/>
-            </a:ln>
-            <a:effectLst/>
-          </c:spPr>
-          <c:marker>
-            <c:symbol val="none"/>
-          </c:marker>
-          <c:cat>
-            <c:strRef>
-              <c:f>Sheet1!$A$2:$A$13</c:f>
-              <c:strCache>
-                <c:ptCount val="11"/>
-                <c:pt idx="0">
-                  <c:v>May</c:v>
-                </c:pt>
-                <c:pt idx="2">
-                  <c:v>July</c:v>
-                </c:pt>
-                <c:pt idx="4">
-                  <c:v>Sept</c:v>
-                </c:pt>
-                <c:pt idx="6">
-                  <c:v>Nov</c:v>
-                </c:pt>
-                <c:pt idx="8">
-                  <c:v>Jan</c:v>
-                </c:pt>
-                <c:pt idx="10">
-                  <c:v>Mar</c:v>
-                </c:pt>
-              </c:strCache>
-            </c:strRef>
-          </c:cat>
-          <c:val>
-            <c:numRef>
-              <c:f>Sheet1!$B$2:$B$13</c:f>
-              <c:numCache>
-                <c:formatCode>General</c:formatCode>
-                <c:ptCount val="12"/>
-                <c:pt idx="0">
-                  <c:v>47.789209999999997</c:v>
-                </c:pt>
-                <c:pt idx="1">
-                  <c:v>47.789209999999997</c:v>
-                </c:pt>
-                <c:pt idx="2">
-                  <c:v>47.789209999999997</c:v>
-                </c:pt>
-                <c:pt idx="3">
-                  <c:v>47.789209999999997</c:v>
-                </c:pt>
-                <c:pt idx="4">
-                  <c:v>47.789209999999997</c:v>
-                </c:pt>
-                <c:pt idx="5">
-                  <c:v>47.789209999999997</c:v>
-                </c:pt>
-                <c:pt idx="6">
-                  <c:v>47.789209999999997</c:v>
-                </c:pt>
-                <c:pt idx="7">
-                  <c:v>47.789209999999997</c:v>
-                </c:pt>
-                <c:pt idx="8">
-                  <c:v>47.789209999999997</c:v>
-                </c:pt>
-                <c:pt idx="9">
-                  <c:v>47.789209999999997</c:v>
-                </c:pt>
-                <c:pt idx="10">
-                  <c:v>47.789209999999997</c:v>
-                </c:pt>
-                <c:pt idx="11">
-                  <c:v>47.789209999999997</c:v>
-                </c:pt>
-              </c:numCache>
-            </c:numRef>
-          </c:val>
-          <c:smooth val="0"/>
-          <c:extLst>
-            <c:ext xmlns:c16="http://schemas.microsoft.com/office/drawing/2014/chart" uri="{C3380CC4-5D6E-409C-BE32-E72D297353CC}">
-              <c16:uniqueId val="{00000000-095E-4375-8614-24472FD946A6}"/>
-            </c:ext>
-          </c:extLst>
-        </c:ser>
-        <c:ser>
-          <c:idx val="1"/>
-          <c:order val="1"/>
-          <c:tx>
-            <c:strRef>
-              <c:f>Sheet1!$C$1</c:f>
-              <c:strCache>
-                <c:ptCount val="1"/>
-                <c:pt idx="0">
-                  <c:v>Current</c:v>
-                </c:pt>
-              </c:strCache>
-            </c:strRef>
-          </c:tx>
-          <c:spPr>
-            <a:ln w="28575" cap="rnd">
-              <a:solidFill>
-                <a:schemeClr val="accent2"/>
-              </a:solidFill>
-              <a:round/>
-            </a:ln>
-            <a:effectLst/>
-          </c:spPr>
-          <c:marker>
-            <c:symbol val="circle"/>
-            <c:size val="5"/>
-            <c:spPr>
-              <a:solidFill>
-                <a:schemeClr val="accent2"/>
-              </a:solidFill>
-              <a:ln w="9525">
-                <a:solidFill>
-                  <a:schemeClr val="accent2"/>
-                </a:solidFill>
-              </a:ln>
-              <a:effectLst/>
-            </c:spPr>
-          </c:marker>
-          <c:cat>
-            <c:strRef>
-              <c:f>Sheet1!$A$2:$A$13</c:f>
-              <c:strCache>
-                <c:ptCount val="11"/>
-                <c:pt idx="0">
-                  <c:v>May</c:v>
-                </c:pt>
-                <c:pt idx="2">
-                  <c:v>July</c:v>
-                </c:pt>
-                <c:pt idx="4">
-                  <c:v>Sept</c:v>
-                </c:pt>
-                <c:pt idx="6">
-                  <c:v>Nov</c:v>
-                </c:pt>
-                <c:pt idx="8">
-                  <c:v>Jan</c:v>
-                </c:pt>
-                <c:pt idx="10">
-                  <c:v>Mar</c:v>
-                </c:pt>
-              </c:strCache>
-            </c:strRef>
-          </c:cat>
-          <c:val>
-            <c:numRef>
-              <c:f>Sheet1!$C$2:$C$13</c:f>
-              <c:numCache>
-                <c:formatCode>General</c:formatCode>
-                <c:ptCount val="12"/>
-                <c:pt idx="0">
-                  <c:v>44.111499999999999</c:v>
-                </c:pt>
-              </c:numCache>
-            </c:numRef>
-          </c:val>
-          <c:smooth val="0"/>
-          <c:extLst>
-            <c:ext xmlns:c16="http://schemas.microsoft.com/office/drawing/2014/chart" uri="{C3380CC4-5D6E-409C-BE32-E72D297353CC}">
-              <c16:uniqueId val="{00000001-095E-4375-8614-24472FD946A6}"/>
-            </c:ext>
-          </c:extLst>
-        </c:ser>
-        <c:dLbls>
-          <c:showLegendKey val="0"/>
-          <c:showVal val="0"/>
-          <c:showCatName val="0"/>
-          <c:showSerName val="0"/>
-          <c:showPercent val="0"/>
-          <c:showBubbleSize val="0"/>
-        </c:dLbls>
-        <c:smooth val="0"/>
-        <c:axId val="648253535"/>
-        <c:axId val="1198511727"/>
-      </c:lineChart>
-      <c:catAx>
-        <c:axId val="648253535"/>
-        <c:scaling>
-          <c:orientation val="minMax"/>
-        </c:scaling>
-        <c:delete val="0"/>
-        <c:axPos val="b"/>
-        <c:numFmt formatCode="General" sourceLinked="0"/>
-        <c:majorTickMark val="none"/>
-        <c:minorTickMark val="none"/>
-        <c:tickLblPos val="nextTo"/>
-        <c:spPr>
-          <a:noFill/>
-          <a:ln w="9525" cap="flat" cmpd="sng" algn="ctr">
-            <a:solidFill>
-              <a:schemeClr val="tx1">
-                <a:lumMod val="15000"/>
-                <a:lumOff val="85000"/>
-              </a:schemeClr>
-            </a:solidFill>
-            <a:round/>
-          </a:ln>
-          <a:effectLst/>
-        </c:spPr>
-        <c:txPr>
-          <a:bodyPr rot="-60000000" spcFirstLastPara="1" vertOverflow="ellipsis" vert="horz" wrap="square" anchor="ctr" anchorCtr="1"/>
-          <a:lstStyle/>
-          <a:p>
-            <a:pPr>
-              <a:defRPr sz="1000" b="0" i="0" u="none" strike="noStrike" kern="1200" baseline="0">
-                <a:solidFill>
-                  <a:schemeClr val="tx1">
-                    <a:lumMod val="65000"/>
-                    <a:lumOff val="35000"/>
-                  </a:schemeClr>
-                </a:solidFill>
-                <a:latin typeface="Arial Nova" panose="020B0504020202020204" pitchFamily="34" charset="0"/>
-                <a:ea typeface="+mn-ea"/>
-                <a:cs typeface="+mn-cs"/>
-              </a:defRPr>
-            </a:pPr>
-            <a:endParaRPr lang="en-US"/>
-          </a:p>
-        </c:txPr>
-        <c:crossAx val="1198511727"/>
-        <c:crosses val="autoZero"/>
-        <c:auto val="0"/>
-        <c:lblAlgn val="ctr"/>
-        <c:lblOffset val="100"/>
-        <c:noMultiLvlLbl val="0"/>
-      </c:catAx>
-      <c:valAx>
-        <c:axId val="1198511727"/>
-        <c:scaling>
-          <c:orientation val="minMax"/>
-          <c:max val="60"/>
-          <c:min val="30"/>
-        </c:scaling>
-        <c:delete val="0"/>
-        <c:axPos val="l"/>
-        <c:majorGridlines>
-          <c:spPr>
-            <a:ln w="9525" cap="flat" cmpd="sng" algn="ctr">
-              <a:solidFill>
-                <a:schemeClr val="tx1">
-                  <a:lumMod val="15000"/>
-                  <a:lumOff val="85000"/>
-                </a:schemeClr>
-              </a:solidFill>
-              <a:round/>
-            </a:ln>
-            <a:effectLst/>
-          </c:spPr>
-        </c:majorGridlines>
-        <c:title>
-          <c:tx>
-            <c:rich>
-              <a:bodyPr rot="-5400000" spcFirstLastPara="1" vertOverflow="ellipsis" vert="horz" wrap="square" anchor="ctr" anchorCtr="1"/>
-              <a:lstStyle/>
-              <a:p>
-                <a:pPr>
-                  <a:defRPr sz="1200" b="0" i="0" u="none" strike="noStrike" kern="1200" baseline="0">
-                    <a:solidFill>
-                      <a:schemeClr val="tx1">
-                        <a:lumMod val="65000"/>
-                        <a:lumOff val="35000"/>
-                      </a:schemeClr>
-                    </a:solidFill>
-                    <a:latin typeface="Arial Nova" panose="020B0504020202020204" pitchFamily="34" charset="0"/>
-                    <a:ea typeface="+mn-ea"/>
-                    <a:cs typeface="+mn-cs"/>
-                  </a:defRPr>
-                </a:pPr>
-                <a:r>
-                  <a:rPr lang="en-US" sz="1200" err="1">
-                    <a:latin typeface="Arial Nova" panose="020B0504020202020204" pitchFamily="34" charset="0"/>
-                  </a:rPr>
-                  <a:t>MTons</a:t>
-                </a:r>
-                <a:r>
-                  <a:rPr lang="en-US" sz="1200" baseline="0">
-                    <a:latin typeface="Arial Nova" panose="020B0504020202020204" pitchFamily="34" charset="0"/>
-                  </a:rPr>
-                  <a:t> CO2</a:t>
-                </a:r>
-                <a:endParaRPr lang="en-US" sz="1200">
-                  <a:latin typeface="Arial Nova" panose="020B0504020202020204" pitchFamily="34" charset="0"/>
-                </a:endParaRPr>
-              </a:p>
-            </c:rich>
-          </c:tx>
-          <c:layout>
-            <c:manualLayout>
-              <c:xMode val="edge"/>
-              <c:yMode val="edge"/>
-              <c:x val="2.017937932254487E-2"/>
-              <c:y val="0.11927651705783478"/>
-            </c:manualLayout>
-          </c:layout>
-          <c:overlay val="0"/>
-          <c:spPr>
-            <a:noFill/>
-            <a:ln>
-              <a:noFill/>
-            </a:ln>
-            <a:effectLst/>
-          </c:spPr>
-          <c:txPr>
-            <a:bodyPr rot="-5400000" spcFirstLastPara="1" vertOverflow="ellipsis" vert="horz" wrap="square" anchor="ctr" anchorCtr="1"/>
-            <a:lstStyle/>
-            <a:p>
-              <a:pPr>
-                <a:defRPr sz="1200" b="0" i="0" u="none" strike="noStrike" kern="1200" baseline="0">
-                  <a:solidFill>
-                    <a:schemeClr val="tx1">
-                      <a:lumMod val="65000"/>
-                      <a:lumOff val="35000"/>
-                    </a:schemeClr>
-                  </a:solidFill>
-                  <a:latin typeface="Arial Nova" panose="020B0504020202020204" pitchFamily="34" charset="0"/>
-                  <a:ea typeface="+mn-ea"/>
-                  <a:cs typeface="+mn-cs"/>
-                </a:defRPr>
-              </a:pPr>
-              <a:endParaRPr lang="en-US"/>
-            </a:p>
-          </c:txPr>
-        </c:title>
-        <c:numFmt formatCode="General" sourceLinked="1"/>
-        <c:majorTickMark val="out"/>
-        <c:minorTickMark val="none"/>
-        <c:tickLblPos val="nextTo"/>
-        <c:spPr>
-          <a:noFill/>
-          <a:ln>
-            <a:noFill/>
-          </a:ln>
-          <a:effectLst/>
-        </c:spPr>
-        <c:txPr>
-          <a:bodyPr rot="-60000000" spcFirstLastPara="1" vertOverflow="ellipsis" vert="horz" wrap="square" anchor="ctr" anchorCtr="1"/>
-          <a:lstStyle/>
-          <a:p>
-            <a:pPr>
-              <a:defRPr sz="1000" b="0" i="0" u="none" strike="noStrike" kern="1200" baseline="0">
-                <a:solidFill>
-                  <a:schemeClr val="tx1">
-                    <a:lumMod val="65000"/>
-                    <a:lumOff val="35000"/>
-                  </a:schemeClr>
-                </a:solidFill>
-                <a:latin typeface="Arial Nova" panose="020B0504020202020204" pitchFamily="34" charset="0"/>
-                <a:ea typeface="+mn-ea"/>
-                <a:cs typeface="+mn-cs"/>
-              </a:defRPr>
-            </a:pPr>
-            <a:endParaRPr lang="en-US"/>
-          </a:p>
-        </c:txPr>
-        <c:crossAx val="648253535"/>
-        <c:crosses val="autoZero"/>
-        <c:crossBetween val="between"/>
-      </c:valAx>
-      <c:spPr>
-        <a:noFill/>
-        <a:ln>
-          <a:noFill/>
-        </a:ln>
-        <a:effectLst/>
-      </c:spPr>
-    </c:plotArea>
-    <c:legend>
-      <c:legendPos val="b"/>
-      <c:layout>
-        <c:manualLayout>
-          <c:xMode val="edge"/>
-          <c:yMode val="edge"/>
-          <c:x val="0.34902644237845987"/>
-          <c:y val="0.85234513845411408"/>
-          <c:w val="0.35741706063241435"/>
-          <c:h val="0.10975982197777304"/>
-        </c:manualLayout>
-      </c:layout>
-      <c:overlay val="0"/>
-      <c:spPr>
-        <a:noFill/>
-        <a:ln>
-          <a:noFill/>
-        </a:ln>
-        <a:effectLst/>
-      </c:spPr>
-      <c:txPr>
-        <a:bodyPr rot="0" spcFirstLastPara="1" vertOverflow="ellipsis" vert="horz" wrap="square" anchor="ctr" anchorCtr="1"/>
-        <a:lstStyle/>
-        <a:p>
-          <a:pPr>
-            <a:defRPr sz="1000" b="0" i="0" u="none" strike="noStrike" kern="1200" baseline="0">
-              <a:solidFill>
-                <a:schemeClr val="tx1">
-                  <a:lumMod val="65000"/>
-                  <a:lumOff val="35000"/>
-                </a:schemeClr>
-              </a:solidFill>
-              <a:latin typeface="Arial Nova" panose="020B0504020202020204" pitchFamily="34" charset="0"/>
-              <a:ea typeface="+mn-ea"/>
-              <a:cs typeface="+mn-cs"/>
-            </a:defRPr>
-          </a:pPr>
-          <a:endParaRPr lang="en-US"/>
-        </a:p>
-      </c:txPr>
-    </c:legend>
-    <c:plotVisOnly val="1"/>
-    <c:dispBlanksAs val="gap"/>
-    <c:extLst>
-      <c:ext xmlns:c16r3="http://schemas.microsoft.com/office/drawing/2017/03/chart" uri="{56B9EC1D-385E-4148-901F-78D8002777C0}">
-        <c16r3:dataDisplayOptions16>
-          <c16r3:dispNaAsBlank val="1"/>
-        </c16r3:dataDisplayOptions16>
-      </c:ext>
-    </c:extLst>
-    <c:showDLblsOverMax val="0"/>
-  </c:chart>
-  <c:spPr>
-    <a:noFill/>
-    <a:ln>
-      <a:noFill/>
-    </a:ln>
-    <a:effectLst/>
-  </c:spPr>
-  <c:txPr>
-    <a:bodyPr/>
-    <a:lstStyle/>
-    <a:p>
-      <a:pPr>
-        <a:defRPr/>
-      </a:pPr>
-      <a:endParaRPr lang="en-US"/>
-    </a:p>
-  </c:txPr>
-  <c:externalData r:id="rId3">
-    <c:autoUpdate val="0"/>
-  </c:externalData>
-</c:chartSpace>
-</file>
-
-<file path=ppt/charts/chart11.xml><?xml version="1.0" encoding="utf-8"?>
-<c:chartSpace xmlns:c="http://schemas.openxmlformats.org/drawingml/2006/chart" xmlns:a="http://schemas.openxmlformats.org/drawingml/2006/main" xmlns:r="http://schemas.openxmlformats.org/officeDocument/2006/relationships" xmlns:c16r2="http://schemas.microsoft.com/office/drawing/2015/06/chart">
-  <c:date1904 val="0"/>
-  <c:lang val="en-US"/>
-  <c:roundedCorners val="0"/>
-  <mc:AlternateContent xmlns:mc="http://schemas.openxmlformats.org/markup-compatibility/2006">
-    <mc:Choice xmlns:c14="http://schemas.microsoft.com/office/drawing/2007/8/2/chart" Requires="c14">
-      <c14:style val="102"/>
-    </mc:Choice>
-    <mc:Fallback>
-      <c:style val="2"/>
-    </mc:Fallback>
-  </mc:AlternateContent>
-  <c:chart>
-    <c:autoTitleDeleted val="1"/>
-    <c:plotArea>
-      <c:layout>
-        <c:manualLayout>
-          <c:layoutTarget val="inner"/>
-          <c:xMode val="edge"/>
-          <c:yMode val="edge"/>
-          <c:x val="0.2291506765537803"/>
-          <c:y val="9.1097308488612833E-2"/>
-          <c:w val="0.74237035904492521"/>
-          <c:h val="0.81780538302277428"/>
-        </c:manualLayout>
-      </c:layout>
-      <c:barChart>
-        <c:barDir val="bar"/>
-        <c:grouping val="clustered"/>
-        <c:varyColors val="0"/>
-        <c:ser>
-          <c:idx val="0"/>
-          <c:order val="0"/>
-          <c:tx>
-            <c:strRef>
-              <c:f>Sheet1!$B$1</c:f>
-              <c:strCache>
-                <c:ptCount val="1"/>
-                <c:pt idx="0">
-                  <c:v>Cost</c:v>
-                </c:pt>
-              </c:strCache>
-            </c:strRef>
-          </c:tx>
-          <c:spPr>
-            <a:solidFill>
-              <a:schemeClr val="accent1"/>
-            </a:solidFill>
-            <a:ln>
-              <a:noFill/>
-            </a:ln>
-            <a:effectLst/>
-          </c:spPr>
-          <c:invertIfNegative val="0"/>
-          <c:dPt>
-            <c:idx val="0"/>
-            <c:invertIfNegative val="0"/>
-            <c:bubble3D val="0"/>
-            <c:spPr>
-              <a:solidFill>
-                <a:schemeClr val="accent4"/>
-              </a:solidFill>
-              <a:ln>
-                <a:noFill/>
-              </a:ln>
-              <a:effectLst/>
-            </c:spPr>
-            <c:extLst>
-              <c:ext xmlns:c16="http://schemas.microsoft.com/office/drawing/2014/chart" uri="{C3380CC4-5D6E-409C-BE32-E72D297353CC}">
-                <c16:uniqueId val="{00000002-AEA9-41AB-9672-B9258AEA032E}"/>
-              </c:ext>
-            </c:extLst>
-          </c:dPt>
-          <c:dPt>
-            <c:idx val="1"/>
-            <c:invertIfNegative val="0"/>
-            <c:bubble3D val="0"/>
-            <c:spPr>
-              <a:solidFill>
-                <a:schemeClr val="tx1">
-                  <a:lumMod val="50000"/>
-                  <a:lumOff val="50000"/>
-                </a:schemeClr>
-              </a:solidFill>
-              <a:ln>
-                <a:noFill/>
-              </a:ln>
-              <a:effectLst/>
-            </c:spPr>
-            <c:extLst>
-              <c:ext xmlns:c16="http://schemas.microsoft.com/office/drawing/2014/chart" uri="{C3380CC4-5D6E-409C-BE32-E72D297353CC}">
-                <c16:uniqueId val="{00000001-AEA9-41AB-9672-B9258AEA032E}"/>
-              </c:ext>
-            </c:extLst>
-          </c:dPt>
-          <c:dPt>
-            <c:idx val="2"/>
-            <c:invertIfNegative val="0"/>
-            <c:bubble3D val="0"/>
-            <c:spPr>
-              <a:solidFill>
-                <a:srgbClr val="FF9393"/>
-              </a:solidFill>
-              <a:ln>
-                <a:noFill/>
-              </a:ln>
-              <a:effectLst/>
-            </c:spPr>
-            <c:extLst>
-              <c:ext xmlns:c16="http://schemas.microsoft.com/office/drawing/2014/chart" uri="{C3380CC4-5D6E-409C-BE32-E72D297353CC}">
-                <c16:uniqueId val="{00000005-B0A8-4A33-80AD-4081F2720E4C}"/>
-              </c:ext>
-            </c:extLst>
-          </c:dPt>
-          <c:dLbls>
-            <c:dLbl>
-              <c:idx val="0"/>
-              <c:layout>
-                <c:manualLayout>
-                  <c:x val="1.5765765765765764E-2"/>
-                  <c:y val="-8.2815734989649548E-3"/>
-                </c:manualLayout>
-              </c:layout>
-              <c:tx>
-                <c:rich>
-                  <a:bodyPr/>
-                  <a:lstStyle/>
-                  <a:p>
-                    <a:fld id="{290D5475-58B4-4305-B739-D62DDE71B212}" type="VALUE">
-                      <a:rPr lang="en-US" smtClean="0"/>
-                      <a:pPr/>
-                      <a:t>[VALUE]</a:t>
-                    </a:fld>
-                    <a:r>
-                      <a:rPr lang="en-US"/>
-                      <a:t> MTCO2</a:t>
-                    </a:r>
-                  </a:p>
-                </c:rich>
-              </c:tx>
-              <c:dLblPos val="outEnd"/>
-              <c:showLegendKey val="0"/>
-              <c:showVal val="1"/>
-              <c:showCatName val="0"/>
-              <c:showSerName val="0"/>
-              <c:showPercent val="0"/>
-              <c:showBubbleSize val="0"/>
-              <c:extLst>
-                <c:ext xmlns:c15="http://schemas.microsoft.com/office/drawing/2012/chart" uri="{CE6537A1-D6FC-4f65-9D91-7224C49458BB}">
-                  <c15:dlblFieldTable/>
-                  <c15:showDataLabelsRange val="0"/>
-                </c:ext>
-                <c:ext xmlns:c16="http://schemas.microsoft.com/office/drawing/2014/chart" uri="{C3380CC4-5D6E-409C-BE32-E72D297353CC}">
-                  <c16:uniqueId val="{00000002-AEA9-41AB-9672-B9258AEA032E}"/>
-                </c:ext>
-              </c:extLst>
-            </c:dLbl>
-            <c:dLbl>
-              <c:idx val="1"/>
-              <c:layout>
-                <c:manualLayout>
-                  <c:x val="-9.0870397957012131E-3"/>
-                  <c:y val="4.1407867494823256E-3"/>
-                </c:manualLayout>
-              </c:layout>
-              <c:tx>
-                <c:rich>
-                  <a:bodyPr rot="0" spcFirstLastPara="1" vertOverflow="ellipsis" vert="horz" wrap="square" lIns="38100" tIns="19050" rIns="38100" bIns="19050" anchor="ctr" anchorCtr="1">
-                    <a:noAutofit/>
-                  </a:bodyPr>
-                  <a:lstStyle/>
-                  <a:p>
-                    <a:pPr>
-                      <a:defRPr sz="1100" b="0" i="0" u="none" strike="noStrike" kern="1200" baseline="0">
-                        <a:solidFill>
-                          <a:schemeClr val="tx1">
-                            <a:lumMod val="75000"/>
-                            <a:lumOff val="25000"/>
-                          </a:schemeClr>
-                        </a:solidFill>
-                        <a:latin typeface="Arial Nova" panose="020B0504020202020204" pitchFamily="34" charset="0"/>
-                        <a:ea typeface="+mn-ea"/>
-                        <a:cs typeface="+mn-cs"/>
-                      </a:defRPr>
-                    </a:pPr>
-                    <a:fld id="{BD6B0EF3-D4BB-4BE0-91AE-3BA5FFF95726}" type="VALUE">
-                      <a:rPr lang="en-US" sz="1100" smtClean="0">
-                        <a:latin typeface="Arial Nova" panose="020B0504020202020204" pitchFamily="34" charset="0"/>
-                      </a:rPr>
-                      <a:pPr>
-                        <a:defRPr sz="1100">
-                          <a:latin typeface="Arial Nova" panose="020B0504020202020204" pitchFamily="34" charset="0"/>
-                        </a:defRPr>
-                      </a:pPr>
-                      <a:t>[VALUE]</a:t>
-                    </a:fld>
-                    <a:r>
-                      <a:rPr lang="en-US" sz="1100">
-                        <a:latin typeface="Arial Nova" panose="020B0504020202020204" pitchFamily="34" charset="0"/>
-                      </a:rPr>
-                      <a:t> </a:t>
-                    </a:r>
-                    <a:r>
-                      <a:rPr lang="en-US" sz="1100" b="0" i="0" u="none" strike="noStrike" kern="1200" baseline="0">
-                        <a:solidFill>
-                          <a:sysClr val="windowText" lastClr="000000">
-                            <a:lumMod val="75000"/>
-                            <a:lumOff val="25000"/>
-                          </a:sysClr>
-                        </a:solidFill>
-                        <a:latin typeface="Arial Nova" panose="020B0504020202020204" pitchFamily="34" charset="0"/>
-                      </a:rPr>
-                      <a:t>MTCO2</a:t>
-                    </a:r>
-                  </a:p>
-                </c:rich>
-              </c:tx>
-              <c:spPr>
-                <a:noFill/>
-                <a:ln>
-                  <a:noFill/>
-                </a:ln>
-                <a:effectLst/>
-              </c:spPr>
-              <c:txPr>
-                <a:bodyPr rot="0" spcFirstLastPara="1" vertOverflow="ellipsis" vert="horz" wrap="square" lIns="38100" tIns="19050" rIns="38100" bIns="19050" anchor="ctr" anchorCtr="1">
-                  <a:noAutofit/>
-                </a:bodyPr>
-                <a:lstStyle/>
-                <a:p>
-                  <a:pPr>
-                    <a:defRPr sz="1100" b="0" i="0" u="none" strike="noStrike" kern="1200" baseline="0">
-                      <a:solidFill>
-                        <a:schemeClr val="tx1">
-                          <a:lumMod val="75000"/>
-                          <a:lumOff val="25000"/>
-                        </a:schemeClr>
-                      </a:solidFill>
-                      <a:latin typeface="Arial Nova" panose="020B0504020202020204" pitchFamily="34" charset="0"/>
-                      <a:ea typeface="+mn-ea"/>
-                      <a:cs typeface="+mn-cs"/>
-                    </a:defRPr>
-                  </a:pPr>
-                  <a:endParaRPr lang="en-US"/>
-                </a:p>
-              </c:txPr>
-              <c:dLblPos val="outEnd"/>
-              <c:showLegendKey val="0"/>
-              <c:showVal val="1"/>
-              <c:showCatName val="0"/>
-              <c:showSerName val="0"/>
-              <c:showPercent val="0"/>
-              <c:showBubbleSize val="0"/>
-              <c:extLst>
-                <c:ext xmlns:c15="http://schemas.microsoft.com/office/drawing/2012/chart" uri="{CE6537A1-D6FC-4f65-9D91-7224C49458BB}">
-                  <c15:layout>
-                    <c:manualLayout>
-                      <c:w val="0.20820759736114067"/>
-                      <c:h val="0.12409970492818832"/>
-                    </c:manualLayout>
-                  </c15:layout>
-                  <c15:dlblFieldTable/>
-                  <c15:showDataLabelsRange val="0"/>
-                </c:ext>
-                <c:ext xmlns:c16="http://schemas.microsoft.com/office/drawing/2014/chart" uri="{C3380CC4-5D6E-409C-BE32-E72D297353CC}">
-                  <c16:uniqueId val="{00000001-AEA9-41AB-9672-B9258AEA032E}"/>
-                </c:ext>
-              </c:extLst>
-            </c:dLbl>
-            <c:dLbl>
-              <c:idx val="2"/>
-              <c:layout>
-                <c:manualLayout>
-                  <c:x val="7.6599631127189354E-3"/>
-                  <c:y val="-8.281573498964823E-3"/>
-                </c:manualLayout>
-              </c:layout>
-              <c:tx>
-                <c:rich>
-                  <a:bodyPr/>
-                  <a:lstStyle/>
-                  <a:p>
-                    <a:fld id="{B88E3C15-2AA2-4F03-BCA4-D8B9840512B5}" type="VALUE">
-                      <a:rPr lang="en-US" smtClean="0"/>
-                      <a:pPr/>
-                      <a:t>[VALUE]</a:t>
-                    </a:fld>
-                    <a:r>
-                      <a:rPr lang="en-US"/>
-                      <a:t> MTCO2</a:t>
-                    </a:r>
-                  </a:p>
-                </c:rich>
-              </c:tx>
-              <c:dLblPos val="outEnd"/>
-              <c:showLegendKey val="0"/>
-              <c:showVal val="1"/>
-              <c:showCatName val="0"/>
-              <c:showSerName val="0"/>
-              <c:showPercent val="0"/>
-              <c:showBubbleSize val="0"/>
-              <c:extLst>
-                <c:ext xmlns:c15="http://schemas.microsoft.com/office/drawing/2012/chart" uri="{CE6537A1-D6FC-4f65-9D91-7224C49458BB}">
-                  <c15:dlblFieldTable/>
-                  <c15:showDataLabelsRange val="0"/>
-                </c:ext>
-                <c:ext xmlns:c16="http://schemas.microsoft.com/office/drawing/2014/chart" uri="{C3380CC4-5D6E-409C-BE32-E72D297353CC}">
-                  <c16:uniqueId val="{00000005-B0A8-4A33-80AD-4081F2720E4C}"/>
-                </c:ext>
-              </c:extLst>
-            </c:dLbl>
-            <c:spPr>
-              <a:noFill/>
-              <a:ln>
-                <a:noFill/>
-              </a:ln>
-              <a:effectLst/>
-            </c:spPr>
-            <c:txPr>
-              <a:bodyPr rot="0" spcFirstLastPara="1" vertOverflow="ellipsis" vert="horz" wrap="square" lIns="38100" tIns="19050" rIns="38100" bIns="19050" anchor="ctr" anchorCtr="1">
-                <a:spAutoFit/>
-              </a:bodyPr>
-              <a:lstStyle/>
-              <a:p>
-                <a:pPr>
-                  <a:defRPr sz="1100" b="0" i="0" u="none" strike="noStrike" kern="1200" baseline="0">
-                    <a:solidFill>
-                      <a:schemeClr val="tx1">
-                        <a:lumMod val="75000"/>
-                        <a:lumOff val="25000"/>
-                      </a:schemeClr>
-                    </a:solidFill>
-                    <a:latin typeface="Arial Nova" panose="020B0504020202020204" pitchFamily="34" charset="0"/>
-                    <a:ea typeface="+mn-ea"/>
-                    <a:cs typeface="+mn-cs"/>
-                  </a:defRPr>
-                </a:pPr>
-                <a:endParaRPr lang="en-US"/>
-              </a:p>
-            </c:txPr>
-            <c:dLblPos val="outEnd"/>
-            <c:showLegendKey val="0"/>
-            <c:showVal val="1"/>
-            <c:showCatName val="0"/>
-            <c:showSerName val="0"/>
-            <c:showPercent val="0"/>
-            <c:showBubbleSize val="0"/>
-            <c:showLeaderLines val="0"/>
-            <c:extLst>
-              <c:ext xmlns:c15="http://schemas.microsoft.com/office/drawing/2012/chart" uri="{CE6537A1-D6FC-4f65-9D91-7224C49458BB}">
-                <c15:showLeaderLines val="0"/>
-              </c:ext>
-            </c:extLst>
-          </c:dLbls>
-          <c:cat>
-            <c:strRef>
-              <c:f>Sheet1!$A$2:$A$4</c:f>
-              <c:strCache>
-                <c:ptCount val="3"/>
-                <c:pt idx="0">
-                  <c:v>Icahn Average</c:v>
-                </c:pt>
-                <c:pt idx="1">
-                  <c:v>Baseline Average</c:v>
-                </c:pt>
-                <c:pt idx="2">
-                  <c:v>Your Lab</c:v>
-                </c:pt>
-              </c:strCache>
-            </c:strRef>
-          </c:cat>
-          <c:val>
-            <c:numRef>
-              <c:f>Sheet1!$B$2:$B$4</c:f>
-              <c:numCache>
-                <c:formatCode>0.00</c:formatCode>
-                <c:ptCount val="3"/>
-                <c:pt idx="0" formatCode="General">
-                  <c:v>15.2342</c:v>
-                </c:pt>
-                <c:pt idx="1">
-                  <c:v>6.478675</c:v>
-                </c:pt>
-                <c:pt idx="2">
-                  <c:v>4.7117639999999996</c:v>
-                </c:pt>
-              </c:numCache>
-            </c:numRef>
-          </c:val>
-          <c:extLst>
-            <c:ext xmlns:c16="http://schemas.microsoft.com/office/drawing/2014/chart" uri="{C3380CC4-5D6E-409C-BE32-E72D297353CC}">
-              <c16:uniqueId val="{00000004-AEA9-41AB-9672-B9258AEA032E}"/>
-            </c:ext>
-          </c:extLst>
-        </c:ser>
-        <c:dLbls>
-          <c:dLblPos val="outEnd"/>
-          <c:showLegendKey val="0"/>
-          <c:showVal val="1"/>
-          <c:showCatName val="0"/>
-          <c:showSerName val="0"/>
-          <c:showPercent val="0"/>
-          <c:showBubbleSize val="0"/>
-        </c:dLbls>
-        <c:gapWidth val="51"/>
-        <c:axId val="1283701487"/>
-        <c:axId val="1283698991"/>
-      </c:barChart>
-      <c:catAx>
-        <c:axId val="1283701487"/>
-        <c:scaling>
-          <c:orientation val="minMax"/>
-        </c:scaling>
-        <c:delete val="0"/>
-        <c:axPos val="l"/>
-        <c:numFmt formatCode="General" sourceLinked="1"/>
-        <c:majorTickMark val="out"/>
-        <c:minorTickMark val="none"/>
-        <c:tickLblPos val="nextTo"/>
-        <c:spPr>
-          <a:noFill/>
-          <a:ln w="9525" cap="flat" cmpd="sng" algn="ctr">
-            <a:solidFill>
-              <a:schemeClr val="tx1">
-                <a:lumMod val="15000"/>
-                <a:lumOff val="85000"/>
-              </a:schemeClr>
-            </a:solidFill>
-            <a:round/>
-          </a:ln>
-          <a:effectLst/>
-        </c:spPr>
-        <c:txPr>
-          <a:bodyPr rot="-60000000" spcFirstLastPara="1" vertOverflow="ellipsis" vert="horz" wrap="square" anchor="ctr" anchorCtr="1"/>
-          <a:lstStyle/>
-          <a:p>
-            <a:pPr>
-              <a:defRPr sz="1000" b="1" i="0" u="none" strike="noStrike" kern="1200" baseline="0">
-                <a:solidFill>
-                  <a:sysClr val="windowText" lastClr="000000"/>
-                </a:solidFill>
-                <a:latin typeface="Poppins" panose="00000500000000000000" pitchFamily="2" charset="0"/>
-                <a:ea typeface="+mn-ea"/>
-                <a:cs typeface="Poppins" panose="00000500000000000000" pitchFamily="2" charset="0"/>
-              </a:defRPr>
-            </a:pPr>
-            <a:endParaRPr lang="en-US"/>
-          </a:p>
-        </c:txPr>
-        <c:crossAx val="1283698991"/>
-        <c:crosses val="autoZero"/>
-        <c:auto val="1"/>
-        <c:lblAlgn val="ctr"/>
-        <c:lblOffset val="50"/>
-        <c:noMultiLvlLbl val="0"/>
-      </c:catAx>
-      <c:valAx>
-        <c:axId val="1283698991"/>
-        <c:scaling>
-          <c:orientation val="minMax"/>
-          <c:max val="60"/>
-          <c:min val="0"/>
-        </c:scaling>
-        <c:delete val="1"/>
-        <c:axPos val="b"/>
-        <c:numFmt formatCode="General" sourceLinked="1"/>
-        <c:majorTickMark val="out"/>
-        <c:minorTickMark val="none"/>
-        <c:tickLblPos val="nextTo"/>
-        <c:crossAx val="1283701487"/>
-        <c:crosses val="autoZero"/>
-        <c:crossBetween val="between"/>
-        <c:majorUnit val="5"/>
-      </c:valAx>
-      <c:spPr>
-        <a:noFill/>
-        <a:ln>
-          <a:noFill/>
-        </a:ln>
-        <a:effectLst/>
-      </c:spPr>
-    </c:plotArea>
-    <c:plotVisOnly val="1"/>
-    <c:dispBlanksAs val="gap"/>
-    <c:extLst>
-      <c:ext xmlns:c16r3="http://schemas.microsoft.com/office/drawing/2017/03/chart" uri="{56B9EC1D-385E-4148-901F-78D8002777C0}">
-        <c16r3:dataDisplayOptions16>
-          <c16r3:dispNaAsBlank val="1"/>
-        </c16r3:dataDisplayOptions16>
-      </c:ext>
-    </c:extLst>
-    <c:showDLblsOverMax val="0"/>
-  </c:chart>
-  <c:spPr>
-    <a:noFill/>
-    <a:ln w="9525" cap="flat" cmpd="sng" algn="ctr">
-      <a:noFill/>
-      <a:round/>
-    </a:ln>
-    <a:effectLst/>
-  </c:spPr>
-  <c:txPr>
-    <a:bodyPr/>
-    <a:lstStyle/>
-    <a:p>
-      <a:pPr>
-        <a:defRPr/>
-      </a:pPr>
-      <a:endParaRPr lang="en-US"/>
-    </a:p>
-  </c:txPr>
-  <c:externalData r:id="rId3">
-    <c:autoUpdate val="0"/>
-  </c:externalData>
-</c:chartSpace>
-</file>
-
-<file path=ppt/charts/chart12.xml><?xml version="1.0" encoding="utf-8"?>
 <c:chartSpace xmlns:c="http://schemas.openxmlformats.org/drawingml/2006/chart" xmlns:a="http://schemas.openxmlformats.org/drawingml/2006/main" xmlns:r="http://schemas.openxmlformats.org/officeDocument/2006/relationships" xmlns:c16r2="http://schemas.microsoft.com/office/drawing/2015/06/chart">
   <c:date1904 val="0"/>
   <c:lang val="en-US"/>
@@ -2148,7 +1144,7 @@
 </c:chartSpace>
 </file>
 
-<file path=ppt/charts/chart13.xml><?xml version="1.0" encoding="utf-8"?>
+<file path=ppt/charts/chart11.xml><?xml version="1.0" encoding="utf-8"?>
 <c:chartSpace xmlns:c="http://schemas.openxmlformats.org/drawingml/2006/chart" xmlns:a="http://schemas.openxmlformats.org/drawingml/2006/main" xmlns:r="http://schemas.openxmlformats.org/officeDocument/2006/relationships" xmlns:c16r2="http://schemas.microsoft.com/office/drawing/2015/06/chart">
   <c:date1904 val="0"/>
   <c:lang val="en-US"/>
@@ -2666,7 +1662,7 @@
 </c:chartSpace>
 </file>
 
-<file path=ppt/charts/chart14.xml><?xml version="1.0" encoding="utf-8"?>
+<file path=ppt/charts/chart12.xml><?xml version="1.0" encoding="utf-8"?>
 <c:chartSpace xmlns:c="http://schemas.openxmlformats.org/drawingml/2006/chart" xmlns:a="http://schemas.openxmlformats.org/drawingml/2006/main" xmlns:r="http://schemas.openxmlformats.org/officeDocument/2006/relationships" xmlns:c16r2="http://schemas.microsoft.com/office/drawing/2015/06/chart">
   <c:date1904 val="0"/>
   <c:lang val="en-US"/>
@@ -3235,40 +2231,40 @@
                 <c:formatCode>General</c:formatCode>
                 <c:ptCount val="12"/>
                 <c:pt idx="0">
-                  <c:v>18.038229999999999</c:v>
+                  <c:v>22.969660000000001</c:v>
                 </c:pt>
                 <c:pt idx="1">
-                  <c:v>18.038229999999999</c:v>
+                  <c:v>22.969660000000001</c:v>
                 </c:pt>
                 <c:pt idx="2">
-                  <c:v>18.038229999999999</c:v>
+                  <c:v>22.969660000000001</c:v>
                 </c:pt>
                 <c:pt idx="3">
-                  <c:v>18.038229999999999</c:v>
+                  <c:v>22.969660000000001</c:v>
                 </c:pt>
                 <c:pt idx="4">
-                  <c:v>18.038229999999999</c:v>
+                  <c:v>22.969660000000001</c:v>
                 </c:pt>
                 <c:pt idx="5">
-                  <c:v>18.038229999999999</c:v>
+                  <c:v>22.969660000000001</c:v>
                 </c:pt>
                 <c:pt idx="6">
-                  <c:v>18.038229999999999</c:v>
+                  <c:v>22.969660000000001</c:v>
                 </c:pt>
                 <c:pt idx="7">
-                  <c:v>18.038229999999999</c:v>
+                  <c:v>22.969660000000001</c:v>
                 </c:pt>
                 <c:pt idx="8">
-                  <c:v>18.038229999999999</c:v>
+                  <c:v>22.969660000000001</c:v>
                 </c:pt>
                 <c:pt idx="9">
-                  <c:v>18.038229999999999</c:v>
+                  <c:v>22.969660000000001</c:v>
                 </c:pt>
                 <c:pt idx="10">
-                  <c:v>18.038229999999999</c:v>
+                  <c:v>22.969660000000001</c:v>
                 </c:pt>
                 <c:pt idx="11">
-                  <c:v>18.038229999999999</c:v>
+                  <c:v>22.969660000000001</c:v>
                 </c:pt>
               </c:numCache>
             </c:numRef>
@@ -3351,7 +2347,7 @@
                 <c:formatCode>General</c:formatCode>
                 <c:ptCount val="12"/>
                 <c:pt idx="0">
-                  <c:v>13.231999999999999</c:v>
+                  <c:v>23.996220000000001</c:v>
                 </c:pt>
               </c:numCache>
             </c:numRef>
@@ -4023,1011 +3019,6 @@
                   <c:v>15.2342</c:v>
                 </c:pt>
                 <c:pt idx="1">
-                  <c:v>22.969660000000001</c:v>
-                </c:pt>
-                <c:pt idx="2">
-                  <c:v>25.269639999999999</c:v>
-                </c:pt>
-              </c:numCache>
-            </c:numRef>
-          </c:val>
-          <c:extLst>
-            <c:ext xmlns:c16="http://schemas.microsoft.com/office/drawing/2014/chart" uri="{C3380CC4-5D6E-409C-BE32-E72D297353CC}">
-              <c16:uniqueId val="{00000004-AEA9-41AB-9672-B9258AEA032E}"/>
-            </c:ext>
-          </c:extLst>
-        </c:ser>
-        <c:dLbls>
-          <c:dLblPos val="outEnd"/>
-          <c:showLegendKey val="0"/>
-          <c:showVal val="1"/>
-          <c:showCatName val="0"/>
-          <c:showSerName val="0"/>
-          <c:showPercent val="0"/>
-          <c:showBubbleSize val="0"/>
-        </c:dLbls>
-        <c:gapWidth val="51"/>
-        <c:axId val="1283701487"/>
-        <c:axId val="1283698991"/>
-      </c:barChart>
-      <c:catAx>
-        <c:axId val="1283701487"/>
-        <c:scaling>
-          <c:orientation val="minMax"/>
-        </c:scaling>
-        <c:delete val="0"/>
-        <c:axPos val="l"/>
-        <c:numFmt formatCode="General" sourceLinked="1"/>
-        <c:majorTickMark val="out"/>
-        <c:minorTickMark val="none"/>
-        <c:tickLblPos val="nextTo"/>
-        <c:spPr>
-          <a:noFill/>
-          <a:ln w="9525" cap="flat" cmpd="sng" algn="ctr">
-            <a:solidFill>
-              <a:schemeClr val="tx1">
-                <a:lumMod val="15000"/>
-                <a:lumOff val="85000"/>
-              </a:schemeClr>
-            </a:solidFill>
-            <a:round/>
-          </a:ln>
-          <a:effectLst/>
-        </c:spPr>
-        <c:txPr>
-          <a:bodyPr rot="-60000000" spcFirstLastPara="1" vertOverflow="ellipsis" vert="horz" wrap="square" anchor="ctr" anchorCtr="1"/>
-          <a:lstStyle/>
-          <a:p>
-            <a:pPr>
-              <a:defRPr sz="1000" b="1" i="0" u="none" strike="noStrike" kern="1200" baseline="0">
-                <a:solidFill>
-                  <a:sysClr val="windowText" lastClr="000000"/>
-                </a:solidFill>
-                <a:latin typeface="Poppins" panose="00000500000000000000" pitchFamily="2" charset="0"/>
-                <a:ea typeface="+mn-ea"/>
-                <a:cs typeface="Poppins" panose="00000500000000000000" pitchFamily="2" charset="0"/>
-              </a:defRPr>
-            </a:pPr>
-            <a:endParaRPr lang="en-US"/>
-          </a:p>
-        </c:txPr>
-        <c:crossAx val="1283698991"/>
-        <c:crosses val="autoZero"/>
-        <c:auto val="1"/>
-        <c:lblAlgn val="ctr"/>
-        <c:lblOffset val="50"/>
-        <c:noMultiLvlLbl val="0"/>
-      </c:catAx>
-      <c:valAx>
-        <c:axId val="1283698991"/>
-        <c:scaling>
-          <c:orientation val="minMax"/>
-          <c:max val="35"/>
-          <c:min val="0"/>
-        </c:scaling>
-        <c:delete val="1"/>
-        <c:axPos val="b"/>
-        <c:numFmt formatCode="General" sourceLinked="1"/>
-        <c:majorTickMark val="out"/>
-        <c:minorTickMark val="none"/>
-        <c:tickLblPos val="nextTo"/>
-        <c:crossAx val="1283701487"/>
-        <c:crosses val="autoZero"/>
-        <c:crossBetween val="between"/>
-        <c:majorUnit val="5"/>
-      </c:valAx>
-      <c:spPr>
-        <a:noFill/>
-        <a:ln>
-          <a:noFill/>
-        </a:ln>
-        <a:effectLst/>
-      </c:spPr>
-    </c:plotArea>
-    <c:plotVisOnly val="1"/>
-    <c:dispBlanksAs val="gap"/>
-    <c:extLst>
-      <c:ext xmlns:c16r3="http://schemas.microsoft.com/office/drawing/2017/03/chart" uri="{56B9EC1D-385E-4148-901F-78D8002777C0}">
-        <c16r3:dataDisplayOptions16>
-          <c16r3:dispNaAsBlank val="1"/>
-        </c16r3:dataDisplayOptions16>
-      </c:ext>
-    </c:extLst>
-    <c:showDLblsOverMax val="0"/>
-  </c:chart>
-  <c:spPr>
-    <a:noFill/>
-    <a:ln w="9525" cap="flat" cmpd="sng" algn="ctr">
-      <a:noFill/>
-      <a:round/>
-    </a:ln>
-    <a:effectLst/>
-  </c:spPr>
-  <c:txPr>
-    <a:bodyPr/>
-    <a:lstStyle/>
-    <a:p>
-      <a:pPr>
-        <a:defRPr/>
-      </a:pPr>
-      <a:endParaRPr lang="en-US"/>
-    </a:p>
-  </c:txPr>
-  <c:externalData r:id="rId3">
-    <c:autoUpdate val="0"/>
-  </c:externalData>
-</c:chartSpace>
-</file>
-
-<file path=ppt/charts/chart4.xml><?xml version="1.0" encoding="utf-8"?>
-<c:chartSpace xmlns:c="http://schemas.openxmlformats.org/drawingml/2006/chart" xmlns:a="http://schemas.openxmlformats.org/drawingml/2006/main" xmlns:r="http://schemas.openxmlformats.org/officeDocument/2006/relationships" xmlns:c16r2="http://schemas.microsoft.com/office/drawing/2015/06/chart">
-  <c:date1904 val="0"/>
-  <c:lang val="en-US"/>
-  <c:roundedCorners val="0"/>
-  <mc:AlternateContent xmlns:mc="http://schemas.openxmlformats.org/markup-compatibility/2006">
-    <mc:Choice xmlns:c14="http://schemas.microsoft.com/office/drawing/2007/8/2/chart" Requires="c14">
-      <c14:style val="102"/>
-    </mc:Choice>
-    <mc:Fallback>
-      <c:style val="2"/>
-    </mc:Fallback>
-  </mc:AlternateContent>
-  <c:chart>
-    <c:autoTitleDeleted val="1"/>
-    <c:plotArea>
-      <c:layout/>
-      <c:lineChart>
-        <c:grouping val="standard"/>
-        <c:varyColors val="0"/>
-        <c:ser>
-          <c:idx val="0"/>
-          <c:order val="0"/>
-          <c:tx>
-            <c:strRef>
-              <c:f>Sheet1!$B$1</c:f>
-              <c:strCache>
-                <c:ptCount val="1"/>
-                <c:pt idx="0">
-                  <c:v>Baseline</c:v>
-                </c:pt>
-              </c:strCache>
-            </c:strRef>
-          </c:tx>
-          <c:spPr>
-            <a:ln w="28575" cap="rnd">
-              <a:solidFill>
-                <a:schemeClr val="bg2">
-                  <a:lumMod val="50000"/>
-                </a:schemeClr>
-              </a:solidFill>
-              <a:round/>
-            </a:ln>
-            <a:effectLst/>
-          </c:spPr>
-          <c:marker>
-            <c:symbol val="none"/>
-          </c:marker>
-          <c:cat>
-            <c:strRef>
-              <c:f>Sheet1!$A$2:$A$13</c:f>
-              <c:strCache>
-                <c:ptCount val="11"/>
-                <c:pt idx="0">
-                  <c:v>May</c:v>
-                </c:pt>
-                <c:pt idx="2">
-                  <c:v>July</c:v>
-                </c:pt>
-                <c:pt idx="4">
-                  <c:v>Sept</c:v>
-                </c:pt>
-                <c:pt idx="6">
-                  <c:v>Nov</c:v>
-                </c:pt>
-                <c:pt idx="8">
-                  <c:v>Jan</c:v>
-                </c:pt>
-                <c:pt idx="10">
-                  <c:v>Mar</c:v>
-                </c:pt>
-              </c:strCache>
-            </c:strRef>
-          </c:cat>
-          <c:val>
-            <c:numRef>
-              <c:f>Sheet1!$B$2:$B$13</c:f>
-              <c:numCache>
-                <c:formatCode>General</c:formatCode>
-                <c:ptCount val="12"/>
-                <c:pt idx="0">
-                  <c:v>22.969660000000001</c:v>
-                </c:pt>
-                <c:pt idx="1">
-                  <c:v>22.969660000000001</c:v>
-                </c:pt>
-                <c:pt idx="2">
-                  <c:v>22.969660000000001</c:v>
-                </c:pt>
-                <c:pt idx="3">
-                  <c:v>22.969660000000001</c:v>
-                </c:pt>
-                <c:pt idx="4">
-                  <c:v>22.969660000000001</c:v>
-                </c:pt>
-                <c:pt idx="5">
-                  <c:v>22.969660000000001</c:v>
-                </c:pt>
-                <c:pt idx="6">
-                  <c:v>22.969660000000001</c:v>
-                </c:pt>
-                <c:pt idx="7">
-                  <c:v>22.969660000000001</c:v>
-                </c:pt>
-                <c:pt idx="8">
-                  <c:v>22.969660000000001</c:v>
-                </c:pt>
-                <c:pt idx="9">
-                  <c:v>22.969660000000001</c:v>
-                </c:pt>
-                <c:pt idx="10">
-                  <c:v>22.969660000000001</c:v>
-                </c:pt>
-                <c:pt idx="11">
-                  <c:v>22.969660000000001</c:v>
-                </c:pt>
-              </c:numCache>
-            </c:numRef>
-          </c:val>
-          <c:smooth val="0"/>
-          <c:extLst>
-            <c:ext xmlns:c16="http://schemas.microsoft.com/office/drawing/2014/chart" uri="{C3380CC4-5D6E-409C-BE32-E72D297353CC}">
-              <c16:uniqueId val="{00000000-095E-4375-8614-24472FD946A6}"/>
-            </c:ext>
-          </c:extLst>
-        </c:ser>
-        <c:ser>
-          <c:idx val="1"/>
-          <c:order val="1"/>
-          <c:tx>
-            <c:strRef>
-              <c:f>Sheet1!$C$1</c:f>
-              <c:strCache>
-                <c:ptCount val="1"/>
-                <c:pt idx="0">
-                  <c:v>Current</c:v>
-                </c:pt>
-              </c:strCache>
-            </c:strRef>
-          </c:tx>
-          <c:spPr>
-            <a:ln w="28575" cap="rnd">
-              <a:solidFill>
-                <a:schemeClr val="accent2"/>
-              </a:solidFill>
-              <a:round/>
-            </a:ln>
-            <a:effectLst/>
-          </c:spPr>
-          <c:marker>
-            <c:symbol val="circle"/>
-            <c:size val="5"/>
-            <c:spPr>
-              <a:solidFill>
-                <a:schemeClr val="accent2"/>
-              </a:solidFill>
-              <a:ln w="9525">
-                <a:solidFill>
-                  <a:schemeClr val="accent2"/>
-                </a:solidFill>
-              </a:ln>
-              <a:effectLst/>
-            </c:spPr>
-          </c:marker>
-          <c:cat>
-            <c:strRef>
-              <c:f>Sheet1!$A$2:$A$13</c:f>
-              <c:strCache>
-                <c:ptCount val="11"/>
-                <c:pt idx="0">
-                  <c:v>May</c:v>
-                </c:pt>
-                <c:pt idx="2">
-                  <c:v>July</c:v>
-                </c:pt>
-                <c:pt idx="4">
-                  <c:v>Sept</c:v>
-                </c:pt>
-                <c:pt idx="6">
-                  <c:v>Nov</c:v>
-                </c:pt>
-                <c:pt idx="8">
-                  <c:v>Jan</c:v>
-                </c:pt>
-                <c:pt idx="10">
-                  <c:v>Mar</c:v>
-                </c:pt>
-              </c:strCache>
-            </c:strRef>
-          </c:cat>
-          <c:val>
-            <c:numRef>
-              <c:f>Sheet1!$C$2:$C$13</c:f>
-              <c:numCache>
-                <c:formatCode>General</c:formatCode>
-                <c:ptCount val="12"/>
-                <c:pt idx="0">
-                  <c:v>23.996220000000001</c:v>
-                </c:pt>
-              </c:numCache>
-            </c:numRef>
-          </c:val>
-          <c:smooth val="0"/>
-          <c:extLst>
-            <c:ext xmlns:c16="http://schemas.microsoft.com/office/drawing/2014/chart" uri="{C3380CC4-5D6E-409C-BE32-E72D297353CC}">
-              <c16:uniqueId val="{00000001-095E-4375-8614-24472FD946A6}"/>
-            </c:ext>
-          </c:extLst>
-        </c:ser>
-        <c:dLbls>
-          <c:showLegendKey val="0"/>
-          <c:showVal val="0"/>
-          <c:showCatName val="0"/>
-          <c:showSerName val="0"/>
-          <c:showPercent val="0"/>
-          <c:showBubbleSize val="0"/>
-        </c:dLbls>
-        <c:smooth val="0"/>
-        <c:axId val="648253535"/>
-        <c:axId val="1198511727"/>
-      </c:lineChart>
-      <c:catAx>
-        <c:axId val="648253535"/>
-        <c:scaling>
-          <c:orientation val="minMax"/>
-        </c:scaling>
-        <c:delete val="0"/>
-        <c:axPos val="b"/>
-        <c:numFmt formatCode="General" sourceLinked="0"/>
-        <c:majorTickMark val="none"/>
-        <c:minorTickMark val="none"/>
-        <c:tickLblPos val="nextTo"/>
-        <c:spPr>
-          <a:noFill/>
-          <a:ln w="9525" cap="flat" cmpd="sng" algn="ctr">
-            <a:solidFill>
-              <a:schemeClr val="tx1">
-                <a:lumMod val="15000"/>
-                <a:lumOff val="85000"/>
-              </a:schemeClr>
-            </a:solidFill>
-            <a:round/>
-          </a:ln>
-          <a:effectLst/>
-        </c:spPr>
-        <c:txPr>
-          <a:bodyPr rot="-60000000" spcFirstLastPara="1" vertOverflow="ellipsis" vert="horz" wrap="square" anchor="ctr" anchorCtr="1"/>
-          <a:lstStyle/>
-          <a:p>
-            <a:pPr>
-              <a:defRPr sz="1000" b="0" i="0" u="none" strike="noStrike" kern="1200" baseline="0">
-                <a:solidFill>
-                  <a:schemeClr val="tx1">
-                    <a:lumMod val="65000"/>
-                    <a:lumOff val="35000"/>
-                  </a:schemeClr>
-                </a:solidFill>
-                <a:latin typeface="Arial Nova" panose="020B0504020202020204" pitchFamily="34" charset="0"/>
-                <a:ea typeface="+mn-ea"/>
-                <a:cs typeface="+mn-cs"/>
-              </a:defRPr>
-            </a:pPr>
-            <a:endParaRPr lang="en-US"/>
-          </a:p>
-        </c:txPr>
-        <c:crossAx val="1198511727"/>
-        <c:crosses val="autoZero"/>
-        <c:auto val="0"/>
-        <c:lblAlgn val="ctr"/>
-        <c:lblOffset val="100"/>
-        <c:noMultiLvlLbl val="0"/>
-      </c:catAx>
-      <c:valAx>
-        <c:axId val="1198511727"/>
-        <c:scaling>
-          <c:orientation val="minMax"/>
-          <c:max val="40"/>
-          <c:min val="0"/>
-        </c:scaling>
-        <c:delete val="0"/>
-        <c:axPos val="l"/>
-        <c:majorGridlines>
-          <c:spPr>
-            <a:ln w="9525" cap="flat" cmpd="sng" algn="ctr">
-              <a:solidFill>
-                <a:schemeClr val="tx1">
-                  <a:lumMod val="15000"/>
-                  <a:lumOff val="85000"/>
-                </a:schemeClr>
-              </a:solidFill>
-              <a:round/>
-            </a:ln>
-            <a:effectLst/>
-          </c:spPr>
-        </c:majorGridlines>
-        <c:title>
-          <c:tx>
-            <c:rich>
-              <a:bodyPr rot="-5400000" spcFirstLastPara="1" vertOverflow="ellipsis" vert="horz" wrap="square" anchor="ctr" anchorCtr="1"/>
-              <a:lstStyle/>
-              <a:p>
-                <a:pPr>
-                  <a:defRPr sz="1200" b="0" i="0" u="none" strike="noStrike" kern="1200" baseline="0">
-                    <a:solidFill>
-                      <a:schemeClr val="tx1">
-                        <a:lumMod val="65000"/>
-                        <a:lumOff val="35000"/>
-                      </a:schemeClr>
-                    </a:solidFill>
-                    <a:latin typeface="Arial Nova" panose="020B0504020202020204" pitchFamily="34" charset="0"/>
-                    <a:ea typeface="+mn-ea"/>
-                    <a:cs typeface="+mn-cs"/>
-                  </a:defRPr>
-                </a:pPr>
-                <a:r>
-                  <a:rPr lang="en-US" sz="1200" err="1">
-                    <a:latin typeface="Arial Nova" panose="020B0504020202020204" pitchFamily="34" charset="0"/>
-                  </a:rPr>
-                  <a:t>MTons</a:t>
-                </a:r>
-                <a:r>
-                  <a:rPr lang="en-US" sz="1200" baseline="0">
-                    <a:latin typeface="Arial Nova" panose="020B0504020202020204" pitchFamily="34" charset="0"/>
-                  </a:rPr>
-                  <a:t> CO2</a:t>
-                </a:r>
-                <a:endParaRPr lang="en-US" sz="1200">
-                  <a:latin typeface="Arial Nova" panose="020B0504020202020204" pitchFamily="34" charset="0"/>
-                </a:endParaRPr>
-              </a:p>
-            </c:rich>
-          </c:tx>
-          <c:layout>
-            <c:manualLayout>
-              <c:xMode val="edge"/>
-              <c:yMode val="edge"/>
-              <c:x val="2.017937932254487E-2"/>
-              <c:y val="0.11927651705783478"/>
-            </c:manualLayout>
-          </c:layout>
-          <c:overlay val="0"/>
-          <c:spPr>
-            <a:noFill/>
-            <a:ln>
-              <a:noFill/>
-            </a:ln>
-            <a:effectLst/>
-          </c:spPr>
-          <c:txPr>
-            <a:bodyPr rot="-5400000" spcFirstLastPara="1" vertOverflow="ellipsis" vert="horz" wrap="square" anchor="ctr" anchorCtr="1"/>
-            <a:lstStyle/>
-            <a:p>
-              <a:pPr>
-                <a:defRPr sz="1200" b="0" i="0" u="none" strike="noStrike" kern="1200" baseline="0">
-                  <a:solidFill>
-                    <a:schemeClr val="tx1">
-                      <a:lumMod val="65000"/>
-                      <a:lumOff val="35000"/>
-                    </a:schemeClr>
-                  </a:solidFill>
-                  <a:latin typeface="Arial Nova" panose="020B0504020202020204" pitchFamily="34" charset="0"/>
-                  <a:ea typeface="+mn-ea"/>
-                  <a:cs typeface="+mn-cs"/>
-                </a:defRPr>
-              </a:pPr>
-              <a:endParaRPr lang="en-US"/>
-            </a:p>
-          </c:txPr>
-        </c:title>
-        <c:numFmt formatCode="General" sourceLinked="1"/>
-        <c:majorTickMark val="out"/>
-        <c:minorTickMark val="none"/>
-        <c:tickLblPos val="nextTo"/>
-        <c:spPr>
-          <a:noFill/>
-          <a:ln>
-            <a:noFill/>
-          </a:ln>
-          <a:effectLst/>
-        </c:spPr>
-        <c:txPr>
-          <a:bodyPr rot="-60000000" spcFirstLastPara="1" vertOverflow="ellipsis" vert="horz" wrap="square" anchor="ctr" anchorCtr="1"/>
-          <a:lstStyle/>
-          <a:p>
-            <a:pPr>
-              <a:defRPr sz="1000" b="0" i="0" u="none" strike="noStrike" kern="1200" baseline="0">
-                <a:solidFill>
-                  <a:schemeClr val="tx1">
-                    <a:lumMod val="65000"/>
-                    <a:lumOff val="35000"/>
-                  </a:schemeClr>
-                </a:solidFill>
-                <a:latin typeface="Arial Nova" panose="020B0504020202020204" pitchFamily="34" charset="0"/>
-                <a:ea typeface="+mn-ea"/>
-                <a:cs typeface="+mn-cs"/>
-              </a:defRPr>
-            </a:pPr>
-            <a:endParaRPr lang="en-US"/>
-          </a:p>
-        </c:txPr>
-        <c:crossAx val="648253535"/>
-        <c:crosses val="autoZero"/>
-        <c:crossBetween val="between"/>
-      </c:valAx>
-      <c:spPr>
-        <a:noFill/>
-        <a:ln>
-          <a:noFill/>
-        </a:ln>
-        <a:effectLst/>
-      </c:spPr>
-    </c:plotArea>
-    <c:legend>
-      <c:legendPos val="b"/>
-      <c:layout>
-        <c:manualLayout>
-          <c:xMode val="edge"/>
-          <c:yMode val="edge"/>
-          <c:x val="0.34902644237845987"/>
-          <c:y val="0.85234513845411408"/>
-          <c:w val="0.35741706063241435"/>
-          <c:h val="0.10975982197777304"/>
-        </c:manualLayout>
-      </c:layout>
-      <c:overlay val="0"/>
-      <c:spPr>
-        <a:noFill/>
-        <a:ln>
-          <a:noFill/>
-        </a:ln>
-        <a:effectLst/>
-      </c:spPr>
-      <c:txPr>
-        <a:bodyPr rot="0" spcFirstLastPara="1" vertOverflow="ellipsis" vert="horz" wrap="square" anchor="ctr" anchorCtr="1"/>
-        <a:lstStyle/>
-        <a:p>
-          <a:pPr>
-            <a:defRPr sz="1000" b="0" i="0" u="none" strike="noStrike" kern="1200" baseline="0">
-              <a:solidFill>
-                <a:schemeClr val="tx1">
-                  <a:lumMod val="65000"/>
-                  <a:lumOff val="35000"/>
-                </a:schemeClr>
-              </a:solidFill>
-              <a:latin typeface="Arial Nova" panose="020B0504020202020204" pitchFamily="34" charset="0"/>
-              <a:ea typeface="+mn-ea"/>
-              <a:cs typeface="+mn-cs"/>
-            </a:defRPr>
-          </a:pPr>
-          <a:endParaRPr lang="en-US"/>
-        </a:p>
-      </c:txPr>
-    </c:legend>
-    <c:plotVisOnly val="1"/>
-    <c:dispBlanksAs val="gap"/>
-    <c:extLst>
-      <c:ext xmlns:c16r3="http://schemas.microsoft.com/office/drawing/2017/03/chart" uri="{56B9EC1D-385E-4148-901F-78D8002777C0}">
-        <c16r3:dataDisplayOptions16>
-          <c16r3:dispNaAsBlank val="1"/>
-        </c16r3:dataDisplayOptions16>
-      </c:ext>
-    </c:extLst>
-    <c:showDLblsOverMax val="0"/>
-  </c:chart>
-  <c:spPr>
-    <a:noFill/>
-    <a:ln>
-      <a:noFill/>
-    </a:ln>
-    <a:effectLst/>
-  </c:spPr>
-  <c:txPr>
-    <a:bodyPr/>
-    <a:lstStyle/>
-    <a:p>
-      <a:pPr>
-        <a:defRPr/>
-      </a:pPr>
-      <a:endParaRPr lang="en-US"/>
-    </a:p>
-  </c:txPr>
-  <c:externalData r:id="rId3">
-    <c:autoUpdate val="0"/>
-  </c:externalData>
-</c:chartSpace>
-</file>
-
-<file path=ppt/charts/chart5.xml><?xml version="1.0" encoding="utf-8"?>
-<c:chartSpace xmlns:c="http://schemas.openxmlformats.org/drawingml/2006/chart" xmlns:a="http://schemas.openxmlformats.org/drawingml/2006/main" xmlns:r="http://schemas.openxmlformats.org/officeDocument/2006/relationships" xmlns:c16r2="http://schemas.microsoft.com/office/drawing/2015/06/chart">
-  <c:date1904 val="0"/>
-  <c:lang val="en-US"/>
-  <c:roundedCorners val="0"/>
-  <mc:AlternateContent xmlns:mc="http://schemas.openxmlformats.org/markup-compatibility/2006">
-    <mc:Choice xmlns:c14="http://schemas.microsoft.com/office/drawing/2007/8/2/chart" Requires="c14">
-      <c14:style val="102"/>
-    </mc:Choice>
-    <mc:Fallback>
-      <c:style val="2"/>
-    </mc:Fallback>
-  </mc:AlternateContent>
-  <c:chart>
-    <c:autoTitleDeleted val="1"/>
-    <c:plotArea>
-      <c:layout>
-        <c:manualLayout>
-          <c:layoutTarget val="inner"/>
-          <c:xMode val="edge"/>
-          <c:yMode val="edge"/>
-          <c:x val="0.2291506765537803"/>
-          <c:y val="9.1097308488612833E-2"/>
-          <c:w val="0.74237035904492521"/>
-          <c:h val="0.81780538302277428"/>
-        </c:manualLayout>
-      </c:layout>
-      <c:barChart>
-        <c:barDir val="bar"/>
-        <c:grouping val="clustered"/>
-        <c:varyColors val="0"/>
-        <c:ser>
-          <c:idx val="0"/>
-          <c:order val="0"/>
-          <c:tx>
-            <c:strRef>
-              <c:f>Sheet1!$B$1</c:f>
-              <c:strCache>
-                <c:ptCount val="1"/>
-                <c:pt idx="0">
-                  <c:v>Cost</c:v>
-                </c:pt>
-              </c:strCache>
-            </c:strRef>
-          </c:tx>
-          <c:spPr>
-            <a:solidFill>
-              <a:schemeClr val="accent1"/>
-            </a:solidFill>
-            <a:ln>
-              <a:noFill/>
-            </a:ln>
-            <a:effectLst/>
-          </c:spPr>
-          <c:invertIfNegative val="0"/>
-          <c:dPt>
-            <c:idx val="0"/>
-            <c:invertIfNegative val="0"/>
-            <c:bubble3D val="0"/>
-            <c:spPr>
-              <a:solidFill>
-                <a:schemeClr val="accent4"/>
-              </a:solidFill>
-              <a:ln>
-                <a:noFill/>
-              </a:ln>
-              <a:effectLst/>
-            </c:spPr>
-            <c:extLst>
-              <c:ext xmlns:c16="http://schemas.microsoft.com/office/drawing/2014/chart" uri="{C3380CC4-5D6E-409C-BE32-E72D297353CC}">
-                <c16:uniqueId val="{00000002-AEA9-41AB-9672-B9258AEA032E}"/>
-              </c:ext>
-            </c:extLst>
-          </c:dPt>
-          <c:dPt>
-            <c:idx val="1"/>
-            <c:invertIfNegative val="0"/>
-            <c:bubble3D val="0"/>
-            <c:spPr>
-              <a:solidFill>
-                <a:schemeClr val="tx1">
-                  <a:lumMod val="50000"/>
-                  <a:lumOff val="50000"/>
-                </a:schemeClr>
-              </a:solidFill>
-              <a:ln>
-                <a:noFill/>
-              </a:ln>
-              <a:effectLst/>
-            </c:spPr>
-            <c:extLst>
-              <c:ext xmlns:c16="http://schemas.microsoft.com/office/drawing/2014/chart" uri="{C3380CC4-5D6E-409C-BE32-E72D297353CC}">
-                <c16:uniqueId val="{00000001-AEA9-41AB-9672-B9258AEA032E}"/>
-              </c:ext>
-            </c:extLst>
-          </c:dPt>
-          <c:dPt>
-            <c:idx val="2"/>
-            <c:invertIfNegative val="0"/>
-            <c:bubble3D val="0"/>
-            <c:spPr>
-              <a:solidFill>
-                <a:srgbClr val="FF9393"/>
-              </a:solidFill>
-              <a:ln>
-                <a:noFill/>
-              </a:ln>
-              <a:effectLst/>
-            </c:spPr>
-            <c:extLst>
-              <c:ext xmlns:c16="http://schemas.microsoft.com/office/drawing/2014/chart" uri="{C3380CC4-5D6E-409C-BE32-E72D297353CC}">
-                <c16:uniqueId val="{00000005-B0A8-4A33-80AD-4081F2720E4C}"/>
-              </c:ext>
-            </c:extLst>
-          </c:dPt>
-          <c:dLbls>
-            <c:dLbl>
-              <c:idx val="0"/>
-              <c:layout>
-                <c:manualLayout>
-                  <c:x val="1.5765765765765764E-2"/>
-                  <c:y val="-8.2815734989649548E-3"/>
-                </c:manualLayout>
-              </c:layout>
-              <c:tx>
-                <c:rich>
-                  <a:bodyPr/>
-                  <a:lstStyle/>
-                  <a:p>
-                    <a:fld id="{290D5475-58B4-4305-B739-D62DDE71B212}" type="VALUE">
-                      <a:rPr lang="en-US" smtClean="0"/>
-                      <a:pPr/>
-                      <a:t>[VALUE]</a:t>
-                    </a:fld>
-                    <a:r>
-                      <a:rPr lang="en-US"/>
-                      <a:t> MTCO2</a:t>
-                    </a:r>
-                  </a:p>
-                </c:rich>
-              </c:tx>
-              <c:dLblPos val="outEnd"/>
-              <c:showLegendKey val="0"/>
-              <c:showVal val="1"/>
-              <c:showCatName val="0"/>
-              <c:showSerName val="0"/>
-              <c:showPercent val="0"/>
-              <c:showBubbleSize val="0"/>
-              <c:extLst>
-                <c:ext xmlns:c15="http://schemas.microsoft.com/office/drawing/2012/chart" uri="{CE6537A1-D6FC-4f65-9D91-7224C49458BB}">
-                  <c15:dlblFieldTable/>
-                  <c15:showDataLabelsRange val="0"/>
-                </c:ext>
-                <c:ext xmlns:c16="http://schemas.microsoft.com/office/drawing/2014/chart" uri="{C3380CC4-5D6E-409C-BE32-E72D297353CC}">
-                  <c16:uniqueId val="{00000002-AEA9-41AB-9672-B9258AEA032E}"/>
-                </c:ext>
-              </c:extLst>
-            </c:dLbl>
-            <c:dLbl>
-              <c:idx val="1"/>
-              <c:layout>
-                <c:manualLayout>
-                  <c:x val="-9.0870397957012131E-3"/>
-                  <c:y val="4.1407867494823256E-3"/>
-                </c:manualLayout>
-              </c:layout>
-              <c:tx>
-                <c:rich>
-                  <a:bodyPr rot="0" spcFirstLastPara="1" vertOverflow="ellipsis" vert="horz" wrap="square" lIns="38100" tIns="19050" rIns="38100" bIns="19050" anchor="ctr" anchorCtr="1">
-                    <a:noAutofit/>
-                  </a:bodyPr>
-                  <a:lstStyle/>
-                  <a:p>
-                    <a:pPr>
-                      <a:defRPr sz="1100" b="0" i="0" u="none" strike="noStrike" kern="1200" baseline="0">
-                        <a:solidFill>
-                          <a:schemeClr val="tx1">
-                            <a:lumMod val="75000"/>
-                            <a:lumOff val="25000"/>
-                          </a:schemeClr>
-                        </a:solidFill>
-                        <a:latin typeface="Arial Nova" panose="020B0504020202020204" pitchFamily="34" charset="0"/>
-                        <a:ea typeface="+mn-ea"/>
-                        <a:cs typeface="+mn-cs"/>
-                      </a:defRPr>
-                    </a:pPr>
-                    <a:fld id="{BD6B0EF3-D4BB-4BE0-91AE-3BA5FFF95726}" type="VALUE">
-                      <a:rPr lang="en-US" sz="1100">
-                        <a:latin typeface="Arial Nova" panose="020B0504020202020204" pitchFamily="34" charset="0"/>
-                      </a:rPr>
-                      <a:pPr>
-                        <a:defRPr sz="1100">
-                          <a:latin typeface="Arial Nova" panose="020B0504020202020204" pitchFamily="34" charset="0"/>
-                        </a:defRPr>
-                      </a:pPr>
-                      <a:t>[VALUE]</a:t>
-                    </a:fld>
-                    <a:r>
-                      <a:rPr lang="en-US" sz="1100">
-                        <a:latin typeface="Arial Nova" panose="020B0504020202020204" pitchFamily="34" charset="0"/>
-                      </a:rPr>
-                      <a:t> </a:t>
-                    </a:r>
-                    <a:r>
-                      <a:rPr lang="en-US" sz="1100" b="0" i="0" u="none" strike="noStrike" kern="1200" baseline="0">
-                        <a:solidFill>
-                          <a:sysClr val="windowText" lastClr="000000">
-                            <a:lumMod val="75000"/>
-                            <a:lumOff val="25000"/>
-                          </a:sysClr>
-                        </a:solidFill>
-                        <a:latin typeface="Arial Nova" panose="020B0504020202020204" pitchFamily="34" charset="0"/>
-                      </a:rPr>
-                      <a:t>MTCO2</a:t>
-                    </a:r>
-                  </a:p>
-                </c:rich>
-              </c:tx>
-              <c:spPr>
-                <a:noFill/>
-                <a:ln>
-                  <a:noFill/>
-                </a:ln>
-                <a:effectLst/>
-              </c:spPr>
-              <c:txPr>
-                <a:bodyPr rot="0" spcFirstLastPara="1" vertOverflow="ellipsis" vert="horz" wrap="square" lIns="38100" tIns="19050" rIns="38100" bIns="19050" anchor="ctr" anchorCtr="1">
-                  <a:noAutofit/>
-                </a:bodyPr>
-                <a:lstStyle/>
-                <a:p>
-                  <a:pPr>
-                    <a:defRPr sz="1100" b="0" i="0" u="none" strike="noStrike" kern="1200" baseline="0">
-                      <a:solidFill>
-                        <a:schemeClr val="tx1">
-                          <a:lumMod val="75000"/>
-                          <a:lumOff val="25000"/>
-                        </a:schemeClr>
-                      </a:solidFill>
-                      <a:latin typeface="Arial Nova" panose="020B0504020202020204" pitchFamily="34" charset="0"/>
-                      <a:ea typeface="+mn-ea"/>
-                      <a:cs typeface="+mn-cs"/>
-                    </a:defRPr>
-                  </a:pPr>
-                  <a:endParaRPr lang="en-US"/>
-                </a:p>
-              </c:txPr>
-              <c:dLblPos val="outEnd"/>
-              <c:showLegendKey val="0"/>
-              <c:showVal val="1"/>
-              <c:showCatName val="0"/>
-              <c:showSerName val="0"/>
-              <c:showPercent val="0"/>
-              <c:showBubbleSize val="0"/>
-              <c:extLst>
-                <c:ext xmlns:c15="http://schemas.microsoft.com/office/drawing/2012/chart" uri="{CE6537A1-D6FC-4f65-9D91-7224C49458BB}">
-                  <c15:layout>
-                    <c:manualLayout>
-                      <c:w val="0.20820759736114067"/>
-                      <c:h val="0.12409970492818832"/>
-                    </c:manualLayout>
-                  </c15:layout>
-                  <c15:dlblFieldTable/>
-                  <c15:showDataLabelsRange val="0"/>
-                </c:ext>
-                <c:ext xmlns:c16="http://schemas.microsoft.com/office/drawing/2014/chart" uri="{C3380CC4-5D6E-409C-BE32-E72D297353CC}">
-                  <c16:uniqueId val="{00000001-AEA9-41AB-9672-B9258AEA032E}"/>
-                </c:ext>
-              </c:extLst>
-            </c:dLbl>
-            <c:dLbl>
-              <c:idx val="2"/>
-              <c:layout>
-                <c:manualLayout>
-                  <c:x val="7.6599631127189354E-3"/>
-                  <c:y val="-8.281573498964823E-3"/>
-                </c:manualLayout>
-              </c:layout>
-              <c:tx>
-                <c:rich>
-                  <a:bodyPr/>
-                  <a:lstStyle/>
-                  <a:p>
-                    <a:fld id="{B88E3C15-2AA2-4F03-BCA4-D8B9840512B5}" type="VALUE">
-                      <a:rPr lang="en-US"/>
-                      <a:pPr/>
-                      <a:t>[VALUE]</a:t>
-                    </a:fld>
-                    <a:r>
-                      <a:rPr lang="en-US"/>
-                      <a:t> MTCO2</a:t>
-                    </a:r>
-                  </a:p>
-                </c:rich>
-              </c:tx>
-              <c:dLblPos val="outEnd"/>
-              <c:showLegendKey val="0"/>
-              <c:showVal val="1"/>
-              <c:showCatName val="0"/>
-              <c:showSerName val="0"/>
-              <c:showPercent val="0"/>
-              <c:showBubbleSize val="0"/>
-              <c:extLst>
-                <c:ext xmlns:c15="http://schemas.microsoft.com/office/drawing/2012/chart" uri="{CE6537A1-D6FC-4f65-9D91-7224C49458BB}">
-                  <c15:dlblFieldTable/>
-                  <c15:showDataLabelsRange val="0"/>
-                </c:ext>
-                <c:ext xmlns:c16="http://schemas.microsoft.com/office/drawing/2014/chart" uri="{C3380CC4-5D6E-409C-BE32-E72D297353CC}">
-                  <c16:uniqueId val="{00000005-B0A8-4A33-80AD-4081F2720E4C}"/>
-                </c:ext>
-              </c:extLst>
-            </c:dLbl>
-            <c:spPr>
-              <a:noFill/>
-              <a:ln>
-                <a:noFill/>
-              </a:ln>
-              <a:effectLst/>
-            </c:spPr>
-            <c:txPr>
-              <a:bodyPr rot="0" spcFirstLastPara="1" vertOverflow="ellipsis" vert="horz" wrap="square" lIns="38100" tIns="19050" rIns="38100" bIns="19050" anchor="ctr" anchorCtr="1">
-                <a:spAutoFit/>
-              </a:bodyPr>
-              <a:lstStyle/>
-              <a:p>
-                <a:pPr>
-                  <a:defRPr sz="1100" b="0" i="0" u="none" strike="noStrike" kern="1200" baseline="0">
-                    <a:solidFill>
-                      <a:schemeClr val="tx1">
-                        <a:lumMod val="75000"/>
-                        <a:lumOff val="25000"/>
-                      </a:schemeClr>
-                    </a:solidFill>
-                    <a:latin typeface="Arial Nova" panose="020B0504020202020204" pitchFamily="34" charset="0"/>
-                    <a:ea typeface="+mn-ea"/>
-                    <a:cs typeface="+mn-cs"/>
-                  </a:defRPr>
-                </a:pPr>
-                <a:endParaRPr lang="en-US"/>
-              </a:p>
-            </c:txPr>
-            <c:dLblPos val="outEnd"/>
-            <c:showLegendKey val="0"/>
-            <c:showVal val="1"/>
-            <c:showCatName val="0"/>
-            <c:showSerName val="0"/>
-            <c:showPercent val="0"/>
-            <c:showBubbleSize val="0"/>
-            <c:showLeaderLines val="0"/>
-            <c:extLst>
-              <c:ext xmlns:c15="http://schemas.microsoft.com/office/drawing/2012/chart" uri="{CE6537A1-D6FC-4f65-9D91-7224C49458BB}">
-                <c15:showLeaderLines val="0"/>
-              </c:ext>
-            </c:extLst>
-          </c:dLbls>
-          <c:cat>
-            <c:strRef>
-              <c:f>Sheet1!$A$2:$A$4</c:f>
-              <c:strCache>
-                <c:ptCount val="3"/>
-                <c:pt idx="0">
-                  <c:v>Icahn Average</c:v>
-                </c:pt>
-                <c:pt idx="1">
-                  <c:v>Baseline Average</c:v>
-                </c:pt>
-                <c:pt idx="2">
-                  <c:v>Your Lab</c:v>
-                </c:pt>
-              </c:strCache>
-            </c:strRef>
-          </c:cat>
-          <c:val>
-            <c:numRef>
-              <c:f>Sheet1!$B$2:$B$4</c:f>
-              <c:numCache>
-                <c:formatCode>0.00</c:formatCode>
-                <c:ptCount val="3"/>
-                <c:pt idx="0" formatCode="General">
-                  <c:v>15.2342</c:v>
-                </c:pt>
-                <c:pt idx="1">
                   <c:v>5.460966</c:v>
                 </c:pt>
                 <c:pt idx="2">
@@ -5164,7 +3155,7 @@
 </c:chartSpace>
 </file>
 
-<file path=ppt/charts/chart6.xml><?xml version="1.0" encoding="utf-8"?>
+<file path=ppt/charts/chart4.xml><?xml version="1.0" encoding="utf-8"?>
 <c:chartSpace xmlns:c="http://schemas.openxmlformats.org/drawingml/2006/chart" xmlns:a="http://schemas.openxmlformats.org/drawingml/2006/main" xmlns:r="http://schemas.openxmlformats.org/officeDocument/2006/relationships" xmlns:c16r2="http://schemas.microsoft.com/office/drawing/2015/06/chart">
   <c:date1904 val="0"/>
   <c:lang val="en-US"/>
@@ -5653,7 +3644,7 @@
 </c:chartSpace>
 </file>
 
-<file path=ppt/charts/chart7.xml><?xml version="1.0" encoding="utf-8"?>
+<file path=ppt/charts/chart5.xml><?xml version="1.0" encoding="utf-8"?>
 <c:chartSpace xmlns:c="http://schemas.openxmlformats.org/drawingml/2006/chart" xmlns:a="http://schemas.openxmlformats.org/drawingml/2006/main" xmlns:r="http://schemas.openxmlformats.org/officeDocument/2006/relationships" xmlns:c16r2="http://schemas.microsoft.com/office/drawing/2015/06/chart">
   <c:date1904 val="0"/>
   <c:lang val="en-US"/>
@@ -6171,7 +4162,7 @@
 </c:chartSpace>
 </file>
 
-<file path=ppt/charts/chart8.xml><?xml version="1.0" encoding="utf-8"?>
+<file path=ppt/charts/chart6.xml><?xml version="1.0" encoding="utf-8"?>
 <c:chartSpace xmlns:c="http://schemas.openxmlformats.org/drawingml/2006/chart" xmlns:a="http://schemas.openxmlformats.org/drawingml/2006/main" xmlns:r="http://schemas.openxmlformats.org/officeDocument/2006/relationships" xmlns:c16r2="http://schemas.microsoft.com/office/drawing/2015/06/chart">
   <c:date1904 val="0"/>
   <c:lang val="en-US"/>
@@ -6660,7 +4651,7 @@
 </c:chartSpace>
 </file>
 
-<file path=ppt/charts/chart9.xml><?xml version="1.0" encoding="utf-8"?>
+<file path=ppt/charts/chart7.xml><?xml version="1.0" encoding="utf-8"?>
 <c:chartSpace xmlns:c="http://schemas.openxmlformats.org/drawingml/2006/chart" xmlns:a="http://schemas.openxmlformats.org/drawingml/2006/main" xmlns:r="http://schemas.openxmlformats.org/officeDocument/2006/relationships" xmlns:c16r2="http://schemas.microsoft.com/office/drawing/2015/06/chart">
   <c:date1904 val="0"/>
   <c:lang val="en-US"/>
@@ -7178,6 +5169,1011 @@
 </c:chartSpace>
 </file>
 
+<file path=ppt/charts/chart8.xml><?xml version="1.0" encoding="utf-8"?>
+<c:chartSpace xmlns:c="http://schemas.openxmlformats.org/drawingml/2006/chart" xmlns:a="http://schemas.openxmlformats.org/drawingml/2006/main" xmlns:r="http://schemas.openxmlformats.org/officeDocument/2006/relationships" xmlns:c16r2="http://schemas.microsoft.com/office/drawing/2015/06/chart">
+  <c:date1904 val="0"/>
+  <c:lang val="en-US"/>
+  <c:roundedCorners val="0"/>
+  <mc:AlternateContent xmlns:mc="http://schemas.openxmlformats.org/markup-compatibility/2006">
+    <mc:Choice xmlns:c14="http://schemas.microsoft.com/office/drawing/2007/8/2/chart" Requires="c14">
+      <c14:style val="102"/>
+    </mc:Choice>
+    <mc:Fallback>
+      <c:style val="2"/>
+    </mc:Fallback>
+  </mc:AlternateContent>
+  <c:chart>
+    <c:autoTitleDeleted val="1"/>
+    <c:plotArea>
+      <c:layout/>
+      <c:lineChart>
+        <c:grouping val="standard"/>
+        <c:varyColors val="0"/>
+        <c:ser>
+          <c:idx val="0"/>
+          <c:order val="0"/>
+          <c:tx>
+            <c:strRef>
+              <c:f>Sheet1!$B$1</c:f>
+              <c:strCache>
+                <c:ptCount val="1"/>
+                <c:pt idx="0">
+                  <c:v>Baseline</c:v>
+                </c:pt>
+              </c:strCache>
+            </c:strRef>
+          </c:tx>
+          <c:spPr>
+            <a:ln w="28575" cap="rnd">
+              <a:solidFill>
+                <a:schemeClr val="bg2">
+                  <a:lumMod val="50000"/>
+                </a:schemeClr>
+              </a:solidFill>
+              <a:round/>
+            </a:ln>
+            <a:effectLst/>
+          </c:spPr>
+          <c:marker>
+            <c:symbol val="none"/>
+          </c:marker>
+          <c:cat>
+            <c:strRef>
+              <c:f>Sheet1!$A$2:$A$13</c:f>
+              <c:strCache>
+                <c:ptCount val="11"/>
+                <c:pt idx="0">
+                  <c:v>May</c:v>
+                </c:pt>
+                <c:pt idx="2">
+                  <c:v>July</c:v>
+                </c:pt>
+                <c:pt idx="4">
+                  <c:v>Sept</c:v>
+                </c:pt>
+                <c:pt idx="6">
+                  <c:v>Nov</c:v>
+                </c:pt>
+                <c:pt idx="8">
+                  <c:v>Jan</c:v>
+                </c:pt>
+                <c:pt idx="10">
+                  <c:v>Mar</c:v>
+                </c:pt>
+              </c:strCache>
+            </c:strRef>
+          </c:cat>
+          <c:val>
+            <c:numRef>
+              <c:f>Sheet1!$B$2:$B$13</c:f>
+              <c:numCache>
+                <c:formatCode>General</c:formatCode>
+                <c:ptCount val="12"/>
+                <c:pt idx="0">
+                  <c:v>47.789209999999997</c:v>
+                </c:pt>
+                <c:pt idx="1">
+                  <c:v>47.789209999999997</c:v>
+                </c:pt>
+                <c:pt idx="2">
+                  <c:v>47.789209999999997</c:v>
+                </c:pt>
+                <c:pt idx="3">
+                  <c:v>47.789209999999997</c:v>
+                </c:pt>
+                <c:pt idx="4">
+                  <c:v>47.789209999999997</c:v>
+                </c:pt>
+                <c:pt idx="5">
+                  <c:v>47.789209999999997</c:v>
+                </c:pt>
+                <c:pt idx="6">
+                  <c:v>47.789209999999997</c:v>
+                </c:pt>
+                <c:pt idx="7">
+                  <c:v>47.789209999999997</c:v>
+                </c:pt>
+                <c:pt idx="8">
+                  <c:v>47.789209999999997</c:v>
+                </c:pt>
+                <c:pt idx="9">
+                  <c:v>47.789209999999997</c:v>
+                </c:pt>
+                <c:pt idx="10">
+                  <c:v>47.789209999999997</c:v>
+                </c:pt>
+                <c:pt idx="11">
+                  <c:v>47.789209999999997</c:v>
+                </c:pt>
+              </c:numCache>
+            </c:numRef>
+          </c:val>
+          <c:smooth val="0"/>
+          <c:extLst>
+            <c:ext xmlns:c16="http://schemas.microsoft.com/office/drawing/2014/chart" uri="{C3380CC4-5D6E-409C-BE32-E72D297353CC}">
+              <c16:uniqueId val="{00000000-095E-4375-8614-24472FD946A6}"/>
+            </c:ext>
+          </c:extLst>
+        </c:ser>
+        <c:ser>
+          <c:idx val="1"/>
+          <c:order val="1"/>
+          <c:tx>
+            <c:strRef>
+              <c:f>Sheet1!$C$1</c:f>
+              <c:strCache>
+                <c:ptCount val="1"/>
+                <c:pt idx="0">
+                  <c:v>Current</c:v>
+                </c:pt>
+              </c:strCache>
+            </c:strRef>
+          </c:tx>
+          <c:spPr>
+            <a:ln w="28575" cap="rnd">
+              <a:solidFill>
+                <a:schemeClr val="accent2"/>
+              </a:solidFill>
+              <a:round/>
+            </a:ln>
+            <a:effectLst/>
+          </c:spPr>
+          <c:marker>
+            <c:symbol val="circle"/>
+            <c:size val="5"/>
+            <c:spPr>
+              <a:solidFill>
+                <a:schemeClr val="accent2"/>
+              </a:solidFill>
+              <a:ln w="9525">
+                <a:solidFill>
+                  <a:schemeClr val="accent2"/>
+                </a:solidFill>
+              </a:ln>
+              <a:effectLst/>
+            </c:spPr>
+          </c:marker>
+          <c:cat>
+            <c:strRef>
+              <c:f>Sheet1!$A$2:$A$13</c:f>
+              <c:strCache>
+                <c:ptCount val="11"/>
+                <c:pt idx="0">
+                  <c:v>May</c:v>
+                </c:pt>
+                <c:pt idx="2">
+                  <c:v>July</c:v>
+                </c:pt>
+                <c:pt idx="4">
+                  <c:v>Sept</c:v>
+                </c:pt>
+                <c:pt idx="6">
+                  <c:v>Nov</c:v>
+                </c:pt>
+                <c:pt idx="8">
+                  <c:v>Jan</c:v>
+                </c:pt>
+                <c:pt idx="10">
+                  <c:v>Mar</c:v>
+                </c:pt>
+              </c:strCache>
+            </c:strRef>
+          </c:cat>
+          <c:val>
+            <c:numRef>
+              <c:f>Sheet1!$C$2:$C$13</c:f>
+              <c:numCache>
+                <c:formatCode>General</c:formatCode>
+                <c:ptCount val="12"/>
+                <c:pt idx="0">
+                  <c:v>44.111499999999999</c:v>
+                </c:pt>
+              </c:numCache>
+            </c:numRef>
+          </c:val>
+          <c:smooth val="0"/>
+          <c:extLst>
+            <c:ext xmlns:c16="http://schemas.microsoft.com/office/drawing/2014/chart" uri="{C3380CC4-5D6E-409C-BE32-E72D297353CC}">
+              <c16:uniqueId val="{00000001-095E-4375-8614-24472FD946A6}"/>
+            </c:ext>
+          </c:extLst>
+        </c:ser>
+        <c:dLbls>
+          <c:showLegendKey val="0"/>
+          <c:showVal val="0"/>
+          <c:showCatName val="0"/>
+          <c:showSerName val="0"/>
+          <c:showPercent val="0"/>
+          <c:showBubbleSize val="0"/>
+        </c:dLbls>
+        <c:smooth val="0"/>
+        <c:axId val="648253535"/>
+        <c:axId val="1198511727"/>
+      </c:lineChart>
+      <c:catAx>
+        <c:axId val="648253535"/>
+        <c:scaling>
+          <c:orientation val="minMax"/>
+        </c:scaling>
+        <c:delete val="0"/>
+        <c:axPos val="b"/>
+        <c:numFmt formatCode="General" sourceLinked="0"/>
+        <c:majorTickMark val="none"/>
+        <c:minorTickMark val="none"/>
+        <c:tickLblPos val="nextTo"/>
+        <c:spPr>
+          <a:noFill/>
+          <a:ln w="9525" cap="flat" cmpd="sng" algn="ctr">
+            <a:solidFill>
+              <a:schemeClr val="tx1">
+                <a:lumMod val="15000"/>
+                <a:lumOff val="85000"/>
+              </a:schemeClr>
+            </a:solidFill>
+            <a:round/>
+          </a:ln>
+          <a:effectLst/>
+        </c:spPr>
+        <c:txPr>
+          <a:bodyPr rot="-60000000" spcFirstLastPara="1" vertOverflow="ellipsis" vert="horz" wrap="square" anchor="ctr" anchorCtr="1"/>
+          <a:lstStyle/>
+          <a:p>
+            <a:pPr>
+              <a:defRPr sz="1000" b="0" i="0" u="none" strike="noStrike" kern="1200" baseline="0">
+                <a:solidFill>
+                  <a:schemeClr val="tx1">
+                    <a:lumMod val="65000"/>
+                    <a:lumOff val="35000"/>
+                  </a:schemeClr>
+                </a:solidFill>
+                <a:latin typeface="Arial Nova" panose="020B0504020202020204" pitchFamily="34" charset="0"/>
+                <a:ea typeface="+mn-ea"/>
+                <a:cs typeface="+mn-cs"/>
+              </a:defRPr>
+            </a:pPr>
+            <a:endParaRPr lang="en-US"/>
+          </a:p>
+        </c:txPr>
+        <c:crossAx val="1198511727"/>
+        <c:crosses val="autoZero"/>
+        <c:auto val="0"/>
+        <c:lblAlgn val="ctr"/>
+        <c:lblOffset val="100"/>
+        <c:noMultiLvlLbl val="0"/>
+      </c:catAx>
+      <c:valAx>
+        <c:axId val="1198511727"/>
+        <c:scaling>
+          <c:orientation val="minMax"/>
+          <c:max val="60"/>
+          <c:min val="30"/>
+        </c:scaling>
+        <c:delete val="0"/>
+        <c:axPos val="l"/>
+        <c:majorGridlines>
+          <c:spPr>
+            <a:ln w="9525" cap="flat" cmpd="sng" algn="ctr">
+              <a:solidFill>
+                <a:schemeClr val="tx1">
+                  <a:lumMod val="15000"/>
+                  <a:lumOff val="85000"/>
+                </a:schemeClr>
+              </a:solidFill>
+              <a:round/>
+            </a:ln>
+            <a:effectLst/>
+          </c:spPr>
+        </c:majorGridlines>
+        <c:title>
+          <c:tx>
+            <c:rich>
+              <a:bodyPr rot="-5400000" spcFirstLastPara="1" vertOverflow="ellipsis" vert="horz" wrap="square" anchor="ctr" anchorCtr="1"/>
+              <a:lstStyle/>
+              <a:p>
+                <a:pPr>
+                  <a:defRPr sz="1200" b="0" i="0" u="none" strike="noStrike" kern="1200" baseline="0">
+                    <a:solidFill>
+                      <a:schemeClr val="tx1">
+                        <a:lumMod val="65000"/>
+                        <a:lumOff val="35000"/>
+                      </a:schemeClr>
+                    </a:solidFill>
+                    <a:latin typeface="Arial Nova" panose="020B0504020202020204" pitchFamily="34" charset="0"/>
+                    <a:ea typeface="+mn-ea"/>
+                    <a:cs typeface="+mn-cs"/>
+                  </a:defRPr>
+                </a:pPr>
+                <a:r>
+                  <a:rPr lang="en-US" sz="1200" err="1">
+                    <a:latin typeface="Arial Nova" panose="020B0504020202020204" pitchFamily="34" charset="0"/>
+                  </a:rPr>
+                  <a:t>MTons</a:t>
+                </a:r>
+                <a:r>
+                  <a:rPr lang="en-US" sz="1200" baseline="0">
+                    <a:latin typeface="Arial Nova" panose="020B0504020202020204" pitchFamily="34" charset="0"/>
+                  </a:rPr>
+                  <a:t> CO2</a:t>
+                </a:r>
+                <a:endParaRPr lang="en-US" sz="1200">
+                  <a:latin typeface="Arial Nova" panose="020B0504020202020204" pitchFamily="34" charset="0"/>
+                </a:endParaRPr>
+              </a:p>
+            </c:rich>
+          </c:tx>
+          <c:layout>
+            <c:manualLayout>
+              <c:xMode val="edge"/>
+              <c:yMode val="edge"/>
+              <c:x val="2.017937932254487E-2"/>
+              <c:y val="0.11927651705783478"/>
+            </c:manualLayout>
+          </c:layout>
+          <c:overlay val="0"/>
+          <c:spPr>
+            <a:noFill/>
+            <a:ln>
+              <a:noFill/>
+            </a:ln>
+            <a:effectLst/>
+          </c:spPr>
+          <c:txPr>
+            <a:bodyPr rot="-5400000" spcFirstLastPara="1" vertOverflow="ellipsis" vert="horz" wrap="square" anchor="ctr" anchorCtr="1"/>
+            <a:lstStyle/>
+            <a:p>
+              <a:pPr>
+                <a:defRPr sz="1200" b="0" i="0" u="none" strike="noStrike" kern="1200" baseline="0">
+                  <a:solidFill>
+                    <a:schemeClr val="tx1">
+                      <a:lumMod val="65000"/>
+                      <a:lumOff val="35000"/>
+                    </a:schemeClr>
+                  </a:solidFill>
+                  <a:latin typeface="Arial Nova" panose="020B0504020202020204" pitchFamily="34" charset="0"/>
+                  <a:ea typeface="+mn-ea"/>
+                  <a:cs typeface="+mn-cs"/>
+                </a:defRPr>
+              </a:pPr>
+              <a:endParaRPr lang="en-US"/>
+            </a:p>
+          </c:txPr>
+        </c:title>
+        <c:numFmt formatCode="General" sourceLinked="1"/>
+        <c:majorTickMark val="out"/>
+        <c:minorTickMark val="none"/>
+        <c:tickLblPos val="nextTo"/>
+        <c:spPr>
+          <a:noFill/>
+          <a:ln>
+            <a:noFill/>
+          </a:ln>
+          <a:effectLst/>
+        </c:spPr>
+        <c:txPr>
+          <a:bodyPr rot="-60000000" spcFirstLastPara="1" vertOverflow="ellipsis" vert="horz" wrap="square" anchor="ctr" anchorCtr="1"/>
+          <a:lstStyle/>
+          <a:p>
+            <a:pPr>
+              <a:defRPr sz="1000" b="0" i="0" u="none" strike="noStrike" kern="1200" baseline="0">
+                <a:solidFill>
+                  <a:schemeClr val="tx1">
+                    <a:lumMod val="65000"/>
+                    <a:lumOff val="35000"/>
+                  </a:schemeClr>
+                </a:solidFill>
+                <a:latin typeface="Arial Nova" panose="020B0504020202020204" pitchFamily="34" charset="0"/>
+                <a:ea typeface="+mn-ea"/>
+                <a:cs typeface="+mn-cs"/>
+              </a:defRPr>
+            </a:pPr>
+            <a:endParaRPr lang="en-US"/>
+          </a:p>
+        </c:txPr>
+        <c:crossAx val="648253535"/>
+        <c:crosses val="autoZero"/>
+        <c:crossBetween val="between"/>
+      </c:valAx>
+      <c:spPr>
+        <a:noFill/>
+        <a:ln>
+          <a:noFill/>
+        </a:ln>
+        <a:effectLst/>
+      </c:spPr>
+    </c:plotArea>
+    <c:legend>
+      <c:legendPos val="b"/>
+      <c:layout>
+        <c:manualLayout>
+          <c:xMode val="edge"/>
+          <c:yMode val="edge"/>
+          <c:x val="0.34902644237845987"/>
+          <c:y val="0.85234513845411408"/>
+          <c:w val="0.35741706063241435"/>
+          <c:h val="0.10975982197777304"/>
+        </c:manualLayout>
+      </c:layout>
+      <c:overlay val="0"/>
+      <c:spPr>
+        <a:noFill/>
+        <a:ln>
+          <a:noFill/>
+        </a:ln>
+        <a:effectLst/>
+      </c:spPr>
+      <c:txPr>
+        <a:bodyPr rot="0" spcFirstLastPara="1" vertOverflow="ellipsis" vert="horz" wrap="square" anchor="ctr" anchorCtr="1"/>
+        <a:lstStyle/>
+        <a:p>
+          <a:pPr>
+            <a:defRPr sz="1000" b="0" i="0" u="none" strike="noStrike" kern="1200" baseline="0">
+              <a:solidFill>
+                <a:schemeClr val="tx1">
+                  <a:lumMod val="65000"/>
+                  <a:lumOff val="35000"/>
+                </a:schemeClr>
+              </a:solidFill>
+              <a:latin typeface="Arial Nova" panose="020B0504020202020204" pitchFamily="34" charset="0"/>
+              <a:ea typeface="+mn-ea"/>
+              <a:cs typeface="+mn-cs"/>
+            </a:defRPr>
+          </a:pPr>
+          <a:endParaRPr lang="en-US"/>
+        </a:p>
+      </c:txPr>
+    </c:legend>
+    <c:plotVisOnly val="1"/>
+    <c:dispBlanksAs val="gap"/>
+    <c:extLst>
+      <c:ext xmlns:c16r3="http://schemas.microsoft.com/office/drawing/2017/03/chart" uri="{56B9EC1D-385E-4148-901F-78D8002777C0}">
+        <c16r3:dataDisplayOptions16>
+          <c16r3:dispNaAsBlank val="1"/>
+        </c16r3:dataDisplayOptions16>
+      </c:ext>
+    </c:extLst>
+    <c:showDLblsOverMax val="0"/>
+  </c:chart>
+  <c:spPr>
+    <a:noFill/>
+    <a:ln>
+      <a:noFill/>
+    </a:ln>
+    <a:effectLst/>
+  </c:spPr>
+  <c:txPr>
+    <a:bodyPr/>
+    <a:lstStyle/>
+    <a:p>
+      <a:pPr>
+        <a:defRPr/>
+      </a:pPr>
+      <a:endParaRPr lang="en-US"/>
+    </a:p>
+  </c:txPr>
+  <c:externalData r:id="rId3">
+    <c:autoUpdate val="0"/>
+  </c:externalData>
+</c:chartSpace>
+</file>
+
+<file path=ppt/charts/chart9.xml><?xml version="1.0" encoding="utf-8"?>
+<c:chartSpace xmlns:c="http://schemas.openxmlformats.org/drawingml/2006/chart" xmlns:a="http://schemas.openxmlformats.org/drawingml/2006/main" xmlns:r="http://schemas.openxmlformats.org/officeDocument/2006/relationships" xmlns:c16r2="http://schemas.microsoft.com/office/drawing/2015/06/chart">
+  <c:date1904 val="0"/>
+  <c:lang val="en-US"/>
+  <c:roundedCorners val="0"/>
+  <mc:AlternateContent xmlns:mc="http://schemas.openxmlformats.org/markup-compatibility/2006">
+    <mc:Choice xmlns:c14="http://schemas.microsoft.com/office/drawing/2007/8/2/chart" Requires="c14">
+      <c14:style val="102"/>
+    </mc:Choice>
+    <mc:Fallback>
+      <c:style val="2"/>
+    </mc:Fallback>
+  </mc:AlternateContent>
+  <c:chart>
+    <c:autoTitleDeleted val="1"/>
+    <c:plotArea>
+      <c:layout>
+        <c:manualLayout>
+          <c:layoutTarget val="inner"/>
+          <c:xMode val="edge"/>
+          <c:yMode val="edge"/>
+          <c:x val="0.2291506765537803"/>
+          <c:y val="9.1097308488612833E-2"/>
+          <c:w val="0.74237035904492521"/>
+          <c:h val="0.81780538302277428"/>
+        </c:manualLayout>
+      </c:layout>
+      <c:barChart>
+        <c:barDir val="bar"/>
+        <c:grouping val="clustered"/>
+        <c:varyColors val="0"/>
+        <c:ser>
+          <c:idx val="0"/>
+          <c:order val="0"/>
+          <c:tx>
+            <c:strRef>
+              <c:f>Sheet1!$B$1</c:f>
+              <c:strCache>
+                <c:ptCount val="1"/>
+                <c:pt idx="0">
+                  <c:v>Cost</c:v>
+                </c:pt>
+              </c:strCache>
+            </c:strRef>
+          </c:tx>
+          <c:spPr>
+            <a:solidFill>
+              <a:schemeClr val="accent1"/>
+            </a:solidFill>
+            <a:ln>
+              <a:noFill/>
+            </a:ln>
+            <a:effectLst/>
+          </c:spPr>
+          <c:invertIfNegative val="0"/>
+          <c:dPt>
+            <c:idx val="0"/>
+            <c:invertIfNegative val="0"/>
+            <c:bubble3D val="0"/>
+            <c:spPr>
+              <a:solidFill>
+                <a:schemeClr val="accent4"/>
+              </a:solidFill>
+              <a:ln>
+                <a:noFill/>
+              </a:ln>
+              <a:effectLst/>
+            </c:spPr>
+            <c:extLst>
+              <c:ext xmlns:c16="http://schemas.microsoft.com/office/drawing/2014/chart" uri="{C3380CC4-5D6E-409C-BE32-E72D297353CC}">
+                <c16:uniqueId val="{00000002-AEA9-41AB-9672-B9258AEA032E}"/>
+              </c:ext>
+            </c:extLst>
+          </c:dPt>
+          <c:dPt>
+            <c:idx val="1"/>
+            <c:invertIfNegative val="0"/>
+            <c:bubble3D val="0"/>
+            <c:spPr>
+              <a:solidFill>
+                <a:schemeClr val="tx1">
+                  <a:lumMod val="50000"/>
+                  <a:lumOff val="50000"/>
+                </a:schemeClr>
+              </a:solidFill>
+              <a:ln>
+                <a:noFill/>
+              </a:ln>
+              <a:effectLst/>
+            </c:spPr>
+            <c:extLst>
+              <c:ext xmlns:c16="http://schemas.microsoft.com/office/drawing/2014/chart" uri="{C3380CC4-5D6E-409C-BE32-E72D297353CC}">
+                <c16:uniqueId val="{00000001-AEA9-41AB-9672-B9258AEA032E}"/>
+              </c:ext>
+            </c:extLst>
+          </c:dPt>
+          <c:dPt>
+            <c:idx val="2"/>
+            <c:invertIfNegative val="0"/>
+            <c:bubble3D val="0"/>
+            <c:spPr>
+              <a:solidFill>
+                <a:srgbClr val="FF9393"/>
+              </a:solidFill>
+              <a:ln>
+                <a:noFill/>
+              </a:ln>
+              <a:effectLst/>
+            </c:spPr>
+            <c:extLst>
+              <c:ext xmlns:c16="http://schemas.microsoft.com/office/drawing/2014/chart" uri="{C3380CC4-5D6E-409C-BE32-E72D297353CC}">
+                <c16:uniqueId val="{00000005-B0A8-4A33-80AD-4081F2720E4C}"/>
+              </c:ext>
+            </c:extLst>
+          </c:dPt>
+          <c:dLbls>
+            <c:dLbl>
+              <c:idx val="0"/>
+              <c:layout>
+                <c:manualLayout>
+                  <c:x val="1.5765765765765764E-2"/>
+                  <c:y val="-8.2815734989649548E-3"/>
+                </c:manualLayout>
+              </c:layout>
+              <c:tx>
+                <c:rich>
+                  <a:bodyPr/>
+                  <a:lstStyle/>
+                  <a:p>
+                    <a:fld id="{290D5475-58B4-4305-B739-D62DDE71B212}" type="VALUE">
+                      <a:rPr lang="en-US" smtClean="0"/>
+                      <a:pPr/>
+                      <a:t>[VALUE]</a:t>
+                    </a:fld>
+                    <a:r>
+                      <a:rPr lang="en-US"/>
+                      <a:t> MTCO2</a:t>
+                    </a:r>
+                  </a:p>
+                </c:rich>
+              </c:tx>
+              <c:dLblPos val="outEnd"/>
+              <c:showLegendKey val="0"/>
+              <c:showVal val="1"/>
+              <c:showCatName val="0"/>
+              <c:showSerName val="0"/>
+              <c:showPercent val="0"/>
+              <c:showBubbleSize val="0"/>
+              <c:extLst>
+                <c:ext xmlns:c15="http://schemas.microsoft.com/office/drawing/2012/chart" uri="{CE6537A1-D6FC-4f65-9D91-7224C49458BB}">
+                  <c15:dlblFieldTable/>
+                  <c15:showDataLabelsRange val="0"/>
+                </c:ext>
+                <c:ext xmlns:c16="http://schemas.microsoft.com/office/drawing/2014/chart" uri="{C3380CC4-5D6E-409C-BE32-E72D297353CC}">
+                  <c16:uniqueId val="{00000002-AEA9-41AB-9672-B9258AEA032E}"/>
+                </c:ext>
+              </c:extLst>
+            </c:dLbl>
+            <c:dLbl>
+              <c:idx val="1"/>
+              <c:layout>
+                <c:manualLayout>
+                  <c:x val="-9.0870397957012131E-3"/>
+                  <c:y val="4.1407867494823256E-3"/>
+                </c:manualLayout>
+              </c:layout>
+              <c:tx>
+                <c:rich>
+                  <a:bodyPr rot="0" spcFirstLastPara="1" vertOverflow="ellipsis" vert="horz" wrap="square" lIns="38100" tIns="19050" rIns="38100" bIns="19050" anchor="ctr" anchorCtr="1">
+                    <a:noAutofit/>
+                  </a:bodyPr>
+                  <a:lstStyle/>
+                  <a:p>
+                    <a:pPr>
+                      <a:defRPr sz="1100" b="0" i="0" u="none" strike="noStrike" kern="1200" baseline="0">
+                        <a:solidFill>
+                          <a:schemeClr val="tx1">
+                            <a:lumMod val="75000"/>
+                            <a:lumOff val="25000"/>
+                          </a:schemeClr>
+                        </a:solidFill>
+                        <a:latin typeface="Arial Nova" panose="020B0504020202020204" pitchFamily="34" charset="0"/>
+                        <a:ea typeface="+mn-ea"/>
+                        <a:cs typeface="+mn-cs"/>
+                      </a:defRPr>
+                    </a:pPr>
+                    <a:fld id="{BD6B0EF3-D4BB-4BE0-91AE-3BA5FFF95726}" type="VALUE">
+                      <a:rPr lang="en-US" sz="1100" smtClean="0">
+                        <a:latin typeface="Arial Nova" panose="020B0504020202020204" pitchFamily="34" charset="0"/>
+                      </a:rPr>
+                      <a:pPr>
+                        <a:defRPr sz="1100">
+                          <a:latin typeface="Arial Nova" panose="020B0504020202020204" pitchFamily="34" charset="0"/>
+                        </a:defRPr>
+                      </a:pPr>
+                      <a:t>[VALUE]</a:t>
+                    </a:fld>
+                    <a:r>
+                      <a:rPr lang="en-US" sz="1100">
+                        <a:latin typeface="Arial Nova" panose="020B0504020202020204" pitchFamily="34" charset="0"/>
+                      </a:rPr>
+                      <a:t> </a:t>
+                    </a:r>
+                    <a:r>
+                      <a:rPr lang="en-US" sz="1100" b="0" i="0" u="none" strike="noStrike" kern="1200" baseline="0">
+                        <a:solidFill>
+                          <a:sysClr val="windowText" lastClr="000000">
+                            <a:lumMod val="75000"/>
+                            <a:lumOff val="25000"/>
+                          </a:sysClr>
+                        </a:solidFill>
+                        <a:latin typeface="Arial Nova" panose="020B0504020202020204" pitchFamily="34" charset="0"/>
+                      </a:rPr>
+                      <a:t>MTCO2</a:t>
+                    </a:r>
+                  </a:p>
+                </c:rich>
+              </c:tx>
+              <c:spPr>
+                <a:noFill/>
+                <a:ln>
+                  <a:noFill/>
+                </a:ln>
+                <a:effectLst/>
+              </c:spPr>
+              <c:txPr>
+                <a:bodyPr rot="0" spcFirstLastPara="1" vertOverflow="ellipsis" vert="horz" wrap="square" lIns="38100" tIns="19050" rIns="38100" bIns="19050" anchor="ctr" anchorCtr="1">
+                  <a:noAutofit/>
+                </a:bodyPr>
+                <a:lstStyle/>
+                <a:p>
+                  <a:pPr>
+                    <a:defRPr sz="1100" b="0" i="0" u="none" strike="noStrike" kern="1200" baseline="0">
+                      <a:solidFill>
+                        <a:schemeClr val="tx1">
+                          <a:lumMod val="75000"/>
+                          <a:lumOff val="25000"/>
+                        </a:schemeClr>
+                      </a:solidFill>
+                      <a:latin typeface="Arial Nova" panose="020B0504020202020204" pitchFamily="34" charset="0"/>
+                      <a:ea typeface="+mn-ea"/>
+                      <a:cs typeface="+mn-cs"/>
+                    </a:defRPr>
+                  </a:pPr>
+                  <a:endParaRPr lang="en-US"/>
+                </a:p>
+              </c:txPr>
+              <c:dLblPos val="outEnd"/>
+              <c:showLegendKey val="0"/>
+              <c:showVal val="1"/>
+              <c:showCatName val="0"/>
+              <c:showSerName val="0"/>
+              <c:showPercent val="0"/>
+              <c:showBubbleSize val="0"/>
+              <c:extLst>
+                <c:ext xmlns:c15="http://schemas.microsoft.com/office/drawing/2012/chart" uri="{CE6537A1-D6FC-4f65-9D91-7224C49458BB}">
+                  <c15:layout>
+                    <c:manualLayout>
+                      <c:w val="0.20820759736114067"/>
+                      <c:h val="0.12409970492818832"/>
+                    </c:manualLayout>
+                  </c15:layout>
+                  <c15:dlblFieldTable/>
+                  <c15:showDataLabelsRange val="0"/>
+                </c:ext>
+                <c:ext xmlns:c16="http://schemas.microsoft.com/office/drawing/2014/chart" uri="{C3380CC4-5D6E-409C-BE32-E72D297353CC}">
+                  <c16:uniqueId val="{00000001-AEA9-41AB-9672-B9258AEA032E}"/>
+                </c:ext>
+              </c:extLst>
+            </c:dLbl>
+            <c:dLbl>
+              <c:idx val="2"/>
+              <c:layout>
+                <c:manualLayout>
+                  <c:x val="7.6599631127189354E-3"/>
+                  <c:y val="-8.281573498964823E-3"/>
+                </c:manualLayout>
+              </c:layout>
+              <c:tx>
+                <c:rich>
+                  <a:bodyPr/>
+                  <a:lstStyle/>
+                  <a:p>
+                    <a:fld id="{B88E3C15-2AA2-4F03-BCA4-D8B9840512B5}" type="VALUE">
+                      <a:rPr lang="en-US" smtClean="0"/>
+                      <a:pPr/>
+                      <a:t>[VALUE]</a:t>
+                    </a:fld>
+                    <a:r>
+                      <a:rPr lang="en-US"/>
+                      <a:t> MTCO2</a:t>
+                    </a:r>
+                  </a:p>
+                </c:rich>
+              </c:tx>
+              <c:dLblPos val="outEnd"/>
+              <c:showLegendKey val="0"/>
+              <c:showVal val="1"/>
+              <c:showCatName val="0"/>
+              <c:showSerName val="0"/>
+              <c:showPercent val="0"/>
+              <c:showBubbleSize val="0"/>
+              <c:extLst>
+                <c:ext xmlns:c15="http://schemas.microsoft.com/office/drawing/2012/chart" uri="{CE6537A1-D6FC-4f65-9D91-7224C49458BB}">
+                  <c15:dlblFieldTable/>
+                  <c15:showDataLabelsRange val="0"/>
+                </c:ext>
+                <c:ext xmlns:c16="http://schemas.microsoft.com/office/drawing/2014/chart" uri="{C3380CC4-5D6E-409C-BE32-E72D297353CC}">
+                  <c16:uniqueId val="{00000005-B0A8-4A33-80AD-4081F2720E4C}"/>
+                </c:ext>
+              </c:extLst>
+            </c:dLbl>
+            <c:spPr>
+              <a:noFill/>
+              <a:ln>
+                <a:noFill/>
+              </a:ln>
+              <a:effectLst/>
+            </c:spPr>
+            <c:txPr>
+              <a:bodyPr rot="0" spcFirstLastPara="1" vertOverflow="ellipsis" vert="horz" wrap="square" lIns="38100" tIns="19050" rIns="38100" bIns="19050" anchor="ctr" anchorCtr="1">
+                <a:spAutoFit/>
+              </a:bodyPr>
+              <a:lstStyle/>
+              <a:p>
+                <a:pPr>
+                  <a:defRPr sz="1100" b="0" i="0" u="none" strike="noStrike" kern="1200" baseline="0">
+                    <a:solidFill>
+                      <a:schemeClr val="tx1">
+                        <a:lumMod val="75000"/>
+                        <a:lumOff val="25000"/>
+                      </a:schemeClr>
+                    </a:solidFill>
+                    <a:latin typeface="Arial Nova" panose="020B0504020202020204" pitchFamily="34" charset="0"/>
+                    <a:ea typeface="+mn-ea"/>
+                    <a:cs typeface="+mn-cs"/>
+                  </a:defRPr>
+                </a:pPr>
+                <a:endParaRPr lang="en-US"/>
+              </a:p>
+            </c:txPr>
+            <c:dLblPos val="outEnd"/>
+            <c:showLegendKey val="0"/>
+            <c:showVal val="1"/>
+            <c:showCatName val="0"/>
+            <c:showSerName val="0"/>
+            <c:showPercent val="0"/>
+            <c:showBubbleSize val="0"/>
+            <c:showLeaderLines val="0"/>
+            <c:extLst>
+              <c:ext xmlns:c15="http://schemas.microsoft.com/office/drawing/2012/chart" uri="{CE6537A1-D6FC-4f65-9D91-7224C49458BB}">
+                <c15:showLeaderLines val="0"/>
+              </c:ext>
+            </c:extLst>
+          </c:dLbls>
+          <c:cat>
+            <c:strRef>
+              <c:f>Sheet1!$A$2:$A$4</c:f>
+              <c:strCache>
+                <c:ptCount val="3"/>
+                <c:pt idx="0">
+                  <c:v>Icahn Average</c:v>
+                </c:pt>
+                <c:pt idx="1">
+                  <c:v>Baseline Average</c:v>
+                </c:pt>
+                <c:pt idx="2">
+                  <c:v>Your Lab</c:v>
+                </c:pt>
+              </c:strCache>
+            </c:strRef>
+          </c:cat>
+          <c:val>
+            <c:numRef>
+              <c:f>Sheet1!$B$2:$B$4</c:f>
+              <c:numCache>
+                <c:formatCode>0.00</c:formatCode>
+                <c:ptCount val="3"/>
+                <c:pt idx="0" formatCode="General">
+                  <c:v>15.2342</c:v>
+                </c:pt>
+                <c:pt idx="1">
+                  <c:v>6.478675</c:v>
+                </c:pt>
+                <c:pt idx="2">
+                  <c:v>4.7117639999999996</c:v>
+                </c:pt>
+              </c:numCache>
+            </c:numRef>
+          </c:val>
+          <c:extLst>
+            <c:ext xmlns:c16="http://schemas.microsoft.com/office/drawing/2014/chart" uri="{C3380CC4-5D6E-409C-BE32-E72D297353CC}">
+              <c16:uniqueId val="{00000004-AEA9-41AB-9672-B9258AEA032E}"/>
+            </c:ext>
+          </c:extLst>
+        </c:ser>
+        <c:dLbls>
+          <c:dLblPos val="outEnd"/>
+          <c:showLegendKey val="0"/>
+          <c:showVal val="1"/>
+          <c:showCatName val="0"/>
+          <c:showSerName val="0"/>
+          <c:showPercent val="0"/>
+          <c:showBubbleSize val="0"/>
+        </c:dLbls>
+        <c:gapWidth val="51"/>
+        <c:axId val="1283701487"/>
+        <c:axId val="1283698991"/>
+      </c:barChart>
+      <c:catAx>
+        <c:axId val="1283701487"/>
+        <c:scaling>
+          <c:orientation val="minMax"/>
+        </c:scaling>
+        <c:delete val="0"/>
+        <c:axPos val="l"/>
+        <c:numFmt formatCode="General" sourceLinked="1"/>
+        <c:majorTickMark val="out"/>
+        <c:minorTickMark val="none"/>
+        <c:tickLblPos val="nextTo"/>
+        <c:spPr>
+          <a:noFill/>
+          <a:ln w="9525" cap="flat" cmpd="sng" algn="ctr">
+            <a:solidFill>
+              <a:schemeClr val="tx1">
+                <a:lumMod val="15000"/>
+                <a:lumOff val="85000"/>
+              </a:schemeClr>
+            </a:solidFill>
+            <a:round/>
+          </a:ln>
+          <a:effectLst/>
+        </c:spPr>
+        <c:txPr>
+          <a:bodyPr rot="-60000000" spcFirstLastPara="1" vertOverflow="ellipsis" vert="horz" wrap="square" anchor="ctr" anchorCtr="1"/>
+          <a:lstStyle/>
+          <a:p>
+            <a:pPr>
+              <a:defRPr sz="1000" b="1" i="0" u="none" strike="noStrike" kern="1200" baseline="0">
+                <a:solidFill>
+                  <a:sysClr val="windowText" lastClr="000000"/>
+                </a:solidFill>
+                <a:latin typeface="Poppins" panose="00000500000000000000" pitchFamily="2" charset="0"/>
+                <a:ea typeface="+mn-ea"/>
+                <a:cs typeface="Poppins" panose="00000500000000000000" pitchFamily="2" charset="0"/>
+              </a:defRPr>
+            </a:pPr>
+            <a:endParaRPr lang="en-US"/>
+          </a:p>
+        </c:txPr>
+        <c:crossAx val="1283698991"/>
+        <c:crosses val="autoZero"/>
+        <c:auto val="1"/>
+        <c:lblAlgn val="ctr"/>
+        <c:lblOffset val="50"/>
+        <c:noMultiLvlLbl val="0"/>
+      </c:catAx>
+      <c:valAx>
+        <c:axId val="1283698991"/>
+        <c:scaling>
+          <c:orientation val="minMax"/>
+          <c:max val="60"/>
+          <c:min val="0"/>
+        </c:scaling>
+        <c:delete val="1"/>
+        <c:axPos val="b"/>
+        <c:numFmt formatCode="General" sourceLinked="1"/>
+        <c:majorTickMark val="out"/>
+        <c:minorTickMark val="none"/>
+        <c:tickLblPos val="nextTo"/>
+        <c:crossAx val="1283701487"/>
+        <c:crosses val="autoZero"/>
+        <c:crossBetween val="between"/>
+        <c:majorUnit val="5"/>
+      </c:valAx>
+      <c:spPr>
+        <a:noFill/>
+        <a:ln>
+          <a:noFill/>
+        </a:ln>
+        <a:effectLst/>
+      </c:spPr>
+    </c:plotArea>
+    <c:plotVisOnly val="1"/>
+    <c:dispBlanksAs val="gap"/>
+    <c:extLst>
+      <c:ext xmlns:c16r3="http://schemas.microsoft.com/office/drawing/2017/03/chart" uri="{56B9EC1D-385E-4148-901F-78D8002777C0}">
+        <c16r3:dataDisplayOptions16>
+          <c16r3:dispNaAsBlank val="1"/>
+        </c16r3:dataDisplayOptions16>
+      </c:ext>
+    </c:extLst>
+    <c:showDLblsOverMax val="0"/>
+  </c:chart>
+  <c:spPr>
+    <a:noFill/>
+    <a:ln w="9525" cap="flat" cmpd="sng" algn="ctr">
+      <a:noFill/>
+      <a:round/>
+    </a:ln>
+    <a:effectLst/>
+  </c:spPr>
+  <c:txPr>
+    <a:bodyPr/>
+    <a:lstStyle/>
+    <a:p>
+      <a:pPr>
+        <a:defRPr/>
+      </a:pPr>
+      <a:endParaRPr lang="en-US"/>
+    </a:p>
+  </c:txPr>
+  <c:externalData r:id="rId3">
+    <c:autoUpdate val="0"/>
+  </c:externalData>
+</c:chartSpace>
+</file>
+
 <file path=ppt/charts/colors1.xml><?xml version="1.0" encoding="utf-8"?>
 <cs:colorStyle xmlns:cs="http://schemas.microsoft.com/office/drawing/2012/chartStyle" xmlns:a="http://schemas.openxmlformats.org/drawingml/2006/main" meth="cycle" id="10">
   <a:schemeClr val="accent1"/>
@@ -7299,86 +6295,6 @@
 </file>
 
 <file path=ppt/charts/colors12.xml><?xml version="1.0" encoding="utf-8"?>
-<cs:colorStyle xmlns:cs="http://schemas.microsoft.com/office/drawing/2012/chartStyle" xmlns:a="http://schemas.openxmlformats.org/drawingml/2006/main" meth="cycle" id="10">
-  <a:schemeClr val="accent1"/>
-  <a:schemeClr val="accent2"/>
-  <a:schemeClr val="accent3"/>
-  <a:schemeClr val="accent4"/>
-  <a:schemeClr val="accent5"/>
-  <a:schemeClr val="accent6"/>
-  <cs:variation/>
-  <cs:variation>
-    <a:lumMod val="60000"/>
-  </cs:variation>
-  <cs:variation>
-    <a:lumMod val="80000"/>
-    <a:lumOff val="20000"/>
-  </cs:variation>
-  <cs:variation>
-    <a:lumMod val="80000"/>
-  </cs:variation>
-  <cs:variation>
-    <a:lumMod val="60000"/>
-    <a:lumOff val="40000"/>
-  </cs:variation>
-  <cs:variation>
-    <a:lumMod val="50000"/>
-  </cs:variation>
-  <cs:variation>
-    <a:lumMod val="70000"/>
-    <a:lumOff val="30000"/>
-  </cs:variation>
-  <cs:variation>
-    <a:lumMod val="70000"/>
-  </cs:variation>
-  <cs:variation>
-    <a:lumMod val="50000"/>
-    <a:lumOff val="50000"/>
-  </cs:variation>
-</cs:colorStyle>
-</file>
-
-<file path=ppt/charts/colors13.xml><?xml version="1.0" encoding="utf-8"?>
-<cs:colorStyle xmlns:cs="http://schemas.microsoft.com/office/drawing/2012/chartStyle" xmlns:a="http://schemas.openxmlformats.org/drawingml/2006/main" meth="cycle" id="10">
-  <a:schemeClr val="accent1"/>
-  <a:schemeClr val="accent2"/>
-  <a:schemeClr val="accent3"/>
-  <a:schemeClr val="accent4"/>
-  <a:schemeClr val="accent5"/>
-  <a:schemeClr val="accent6"/>
-  <cs:variation/>
-  <cs:variation>
-    <a:lumMod val="60000"/>
-  </cs:variation>
-  <cs:variation>
-    <a:lumMod val="80000"/>
-    <a:lumOff val="20000"/>
-  </cs:variation>
-  <cs:variation>
-    <a:lumMod val="80000"/>
-  </cs:variation>
-  <cs:variation>
-    <a:lumMod val="60000"/>
-    <a:lumOff val="40000"/>
-  </cs:variation>
-  <cs:variation>
-    <a:lumMod val="50000"/>
-  </cs:variation>
-  <cs:variation>
-    <a:lumMod val="70000"/>
-    <a:lumOff val="30000"/>
-  </cs:variation>
-  <cs:variation>
-    <a:lumMod val="70000"/>
-  </cs:variation>
-  <cs:variation>
-    <a:lumMod val="50000"/>
-    <a:lumOff val="50000"/>
-  </cs:variation>
-</cs:colorStyle>
-</file>
-
-<file path=ppt/charts/colors14.xml><?xml version="1.0" encoding="utf-8"?>
 <cs:colorStyle xmlns:cs="http://schemas.microsoft.com/office/drawing/2012/chartStyle" xmlns:a="http://schemas.openxmlformats.org/drawingml/2006/main" meth="cycle" id="10">
   <a:schemeClr val="accent1"/>
   <a:schemeClr val="accent2"/>
@@ -9780,1027 +8696,6 @@
 </cs:chartStyle>
 </file>
 
-<file path=ppt/charts/style13.xml><?xml version="1.0" encoding="utf-8"?>
-<cs:chartStyle xmlns:cs="http://schemas.microsoft.com/office/drawing/2012/chartStyle" xmlns:a="http://schemas.openxmlformats.org/drawingml/2006/main" id="216">
-  <cs:axisTitle>
-    <cs:lnRef idx="0"/>
-    <cs:fillRef idx="0"/>
-    <cs:effectRef idx="0"/>
-    <cs:fontRef idx="minor">
-      <a:schemeClr val="tx1">
-        <a:lumMod val="65000"/>
-        <a:lumOff val="35000"/>
-      </a:schemeClr>
-    </cs:fontRef>
-    <cs:defRPr sz="1000" kern="1200"/>
-  </cs:axisTitle>
-  <cs:categoryAxis>
-    <cs:lnRef idx="0"/>
-    <cs:fillRef idx="0"/>
-    <cs:effectRef idx="0"/>
-    <cs:fontRef idx="minor">
-      <a:schemeClr val="tx1">
-        <a:lumMod val="65000"/>
-        <a:lumOff val="35000"/>
-      </a:schemeClr>
-    </cs:fontRef>
-    <cs:spPr>
-      <a:ln w="9525" cap="flat" cmpd="sng" algn="ctr">
-        <a:solidFill>
-          <a:schemeClr val="tx1">
-            <a:lumMod val="15000"/>
-            <a:lumOff val="85000"/>
-          </a:schemeClr>
-        </a:solidFill>
-        <a:round/>
-      </a:ln>
-    </cs:spPr>
-    <cs:defRPr sz="900" kern="1200"/>
-  </cs:categoryAxis>
-  <cs:chartArea mods="allowNoFillOverride allowNoLineOverride">
-    <cs:lnRef idx="0"/>
-    <cs:fillRef idx="0"/>
-    <cs:effectRef idx="0"/>
-    <cs:fontRef idx="minor">
-      <a:schemeClr val="tx1"/>
-    </cs:fontRef>
-    <cs:spPr>
-      <a:solidFill>
-        <a:schemeClr val="bg1"/>
-      </a:solidFill>
-      <a:ln w="9525" cap="flat" cmpd="sng" algn="ctr">
-        <a:solidFill>
-          <a:schemeClr val="tx1">
-            <a:lumMod val="15000"/>
-            <a:lumOff val="85000"/>
-          </a:schemeClr>
-        </a:solidFill>
-        <a:round/>
-      </a:ln>
-    </cs:spPr>
-    <cs:defRPr sz="1000" kern="1200"/>
-  </cs:chartArea>
-  <cs:dataLabel>
-    <cs:lnRef idx="0"/>
-    <cs:fillRef idx="0"/>
-    <cs:effectRef idx="0"/>
-    <cs:fontRef idx="minor">
-      <a:schemeClr val="tx1">
-        <a:lumMod val="75000"/>
-        <a:lumOff val="25000"/>
-      </a:schemeClr>
-    </cs:fontRef>
-    <cs:defRPr sz="900" kern="1200"/>
-  </cs:dataLabel>
-  <cs:dataLabelCallout>
-    <cs:lnRef idx="0"/>
-    <cs:fillRef idx="0"/>
-    <cs:effectRef idx="0"/>
-    <cs:fontRef idx="minor">
-      <a:schemeClr val="dk1">
-        <a:lumMod val="65000"/>
-        <a:lumOff val="35000"/>
-      </a:schemeClr>
-    </cs:fontRef>
-    <cs:spPr>
-      <a:solidFill>
-        <a:schemeClr val="lt1"/>
-      </a:solidFill>
-      <a:ln>
-        <a:solidFill>
-          <a:schemeClr val="dk1">
-            <a:lumMod val="25000"/>
-            <a:lumOff val="75000"/>
-          </a:schemeClr>
-        </a:solidFill>
-      </a:ln>
-    </cs:spPr>
-    <cs:defRPr sz="900" kern="1200"/>
-    <cs:bodyPr rot="0" spcFirstLastPara="1" vertOverflow="clip" horzOverflow="clip" vert="horz" wrap="square" lIns="36576" tIns="18288" rIns="36576" bIns="18288" anchor="ctr" anchorCtr="1">
-      <a:spAutoFit/>
-    </cs:bodyPr>
-  </cs:dataLabelCallout>
-  <cs:dataPoint>
-    <cs:lnRef idx="0"/>
-    <cs:fillRef idx="1">
-      <cs:styleClr val="auto"/>
-    </cs:fillRef>
-    <cs:effectRef idx="0"/>
-    <cs:fontRef idx="minor">
-      <a:schemeClr val="tx1"/>
-    </cs:fontRef>
-  </cs:dataPoint>
-  <cs:dataPoint3D>
-    <cs:lnRef idx="0"/>
-    <cs:fillRef idx="1">
-      <cs:styleClr val="auto"/>
-    </cs:fillRef>
-    <cs:effectRef idx="0"/>
-    <cs:fontRef idx="minor">
-      <a:schemeClr val="tx1"/>
-    </cs:fontRef>
-  </cs:dataPoint3D>
-  <cs:dataPointLine>
-    <cs:lnRef idx="0">
-      <cs:styleClr val="auto"/>
-    </cs:lnRef>
-    <cs:fillRef idx="1"/>
-    <cs:effectRef idx="0"/>
-    <cs:fontRef idx="minor">
-      <a:schemeClr val="tx1"/>
-    </cs:fontRef>
-    <cs:spPr>
-      <a:ln w="28575" cap="rnd">
-        <a:solidFill>
-          <a:schemeClr val="phClr"/>
-        </a:solidFill>
-        <a:round/>
-      </a:ln>
-    </cs:spPr>
-  </cs:dataPointLine>
-  <cs:dataPointMarker>
-    <cs:lnRef idx="0">
-      <cs:styleClr val="auto"/>
-    </cs:lnRef>
-    <cs:fillRef idx="1">
-      <cs:styleClr val="auto"/>
-    </cs:fillRef>
-    <cs:effectRef idx="0"/>
-    <cs:fontRef idx="minor">
-      <a:schemeClr val="tx1"/>
-    </cs:fontRef>
-    <cs:spPr>
-      <a:ln w="9525">
-        <a:solidFill>
-          <a:schemeClr val="phClr"/>
-        </a:solidFill>
-      </a:ln>
-    </cs:spPr>
-  </cs:dataPointMarker>
-  <cs:dataPointMarkerLayout symbol="circle" size="5"/>
-  <cs:dataPointWireframe>
-    <cs:lnRef idx="0">
-      <cs:styleClr val="auto"/>
-    </cs:lnRef>
-    <cs:fillRef idx="1"/>
-    <cs:effectRef idx="0"/>
-    <cs:fontRef idx="minor">
-      <a:schemeClr val="tx1"/>
-    </cs:fontRef>
-    <cs:spPr>
-      <a:ln w="9525" cap="rnd">
-        <a:solidFill>
-          <a:schemeClr val="phClr"/>
-        </a:solidFill>
-        <a:round/>
-      </a:ln>
-    </cs:spPr>
-  </cs:dataPointWireframe>
-  <cs:dataTable>
-    <cs:lnRef idx="0"/>
-    <cs:fillRef idx="0"/>
-    <cs:effectRef idx="0"/>
-    <cs:fontRef idx="minor">
-      <a:schemeClr val="tx1">
-        <a:lumMod val="65000"/>
-        <a:lumOff val="35000"/>
-      </a:schemeClr>
-    </cs:fontRef>
-    <cs:spPr>
-      <a:noFill/>
-      <a:ln w="9525" cap="flat" cmpd="sng" algn="ctr">
-        <a:solidFill>
-          <a:schemeClr val="tx1">
-            <a:lumMod val="15000"/>
-            <a:lumOff val="85000"/>
-          </a:schemeClr>
-        </a:solidFill>
-        <a:round/>
-      </a:ln>
-    </cs:spPr>
-    <cs:defRPr sz="900" kern="1200"/>
-  </cs:dataTable>
-  <cs:downBar>
-    <cs:lnRef idx="0"/>
-    <cs:fillRef idx="0"/>
-    <cs:effectRef idx="0"/>
-    <cs:fontRef idx="minor">
-      <a:schemeClr val="tx1"/>
-    </cs:fontRef>
-    <cs:spPr>
-      <a:solidFill>
-        <a:schemeClr val="dk1">
-          <a:lumMod val="75000"/>
-          <a:lumOff val="25000"/>
-        </a:schemeClr>
-      </a:solidFill>
-      <a:ln w="9525" cap="flat" cmpd="sng" algn="ctr">
-        <a:solidFill>
-          <a:schemeClr val="tx1">
-            <a:lumMod val="65000"/>
-            <a:lumOff val="35000"/>
-          </a:schemeClr>
-        </a:solidFill>
-        <a:round/>
-      </a:ln>
-    </cs:spPr>
-  </cs:downBar>
-  <cs:dropLine>
-    <cs:lnRef idx="0"/>
-    <cs:fillRef idx="0"/>
-    <cs:effectRef idx="0"/>
-    <cs:fontRef idx="minor">
-      <a:schemeClr val="tx1"/>
-    </cs:fontRef>
-    <cs:spPr>
-      <a:ln w="9525" cap="flat" cmpd="sng" algn="ctr">
-        <a:solidFill>
-          <a:schemeClr val="tx1">
-            <a:lumMod val="35000"/>
-            <a:lumOff val="65000"/>
-          </a:schemeClr>
-        </a:solidFill>
-        <a:round/>
-      </a:ln>
-    </cs:spPr>
-  </cs:dropLine>
-  <cs:errorBar>
-    <cs:lnRef idx="0"/>
-    <cs:fillRef idx="0"/>
-    <cs:effectRef idx="0"/>
-    <cs:fontRef idx="minor">
-      <a:schemeClr val="tx1"/>
-    </cs:fontRef>
-    <cs:spPr>
-      <a:ln w="9525" cap="flat" cmpd="sng" algn="ctr">
-        <a:solidFill>
-          <a:schemeClr val="tx1">
-            <a:lumMod val="65000"/>
-            <a:lumOff val="35000"/>
-          </a:schemeClr>
-        </a:solidFill>
-        <a:round/>
-      </a:ln>
-    </cs:spPr>
-  </cs:errorBar>
-  <cs:floor>
-    <cs:lnRef idx="0"/>
-    <cs:fillRef idx="0"/>
-    <cs:effectRef idx="0"/>
-    <cs:fontRef idx="minor">
-      <a:schemeClr val="tx1"/>
-    </cs:fontRef>
-    <cs:spPr>
-      <a:noFill/>
-      <a:ln>
-        <a:noFill/>
-      </a:ln>
-    </cs:spPr>
-  </cs:floor>
-  <cs:gridlineMajor>
-    <cs:lnRef idx="0"/>
-    <cs:fillRef idx="0"/>
-    <cs:effectRef idx="0"/>
-    <cs:fontRef idx="minor">
-      <a:schemeClr val="tx1"/>
-    </cs:fontRef>
-    <cs:spPr>
-      <a:ln w="9525" cap="flat" cmpd="sng" algn="ctr">
-        <a:solidFill>
-          <a:schemeClr val="tx1">
-            <a:lumMod val="15000"/>
-            <a:lumOff val="85000"/>
-          </a:schemeClr>
-        </a:solidFill>
-        <a:round/>
-      </a:ln>
-    </cs:spPr>
-  </cs:gridlineMajor>
-  <cs:gridlineMinor>
-    <cs:lnRef idx="0"/>
-    <cs:fillRef idx="0"/>
-    <cs:effectRef idx="0"/>
-    <cs:fontRef idx="minor">
-      <a:schemeClr val="tx1"/>
-    </cs:fontRef>
-    <cs:spPr>
-      <a:ln w="9525" cap="flat" cmpd="sng" algn="ctr">
-        <a:solidFill>
-          <a:schemeClr val="tx1">
-            <a:lumMod val="5000"/>
-            <a:lumOff val="95000"/>
-          </a:schemeClr>
-        </a:solidFill>
-        <a:round/>
-      </a:ln>
-    </cs:spPr>
-  </cs:gridlineMinor>
-  <cs:hiLoLine>
-    <cs:lnRef idx="0"/>
-    <cs:fillRef idx="0"/>
-    <cs:effectRef idx="0"/>
-    <cs:fontRef idx="minor">
-      <a:schemeClr val="tx1"/>
-    </cs:fontRef>
-    <cs:spPr>
-      <a:ln w="9525" cap="flat" cmpd="sng" algn="ctr">
-        <a:solidFill>
-          <a:schemeClr val="tx1">
-            <a:lumMod val="50000"/>
-            <a:lumOff val="50000"/>
-          </a:schemeClr>
-        </a:solidFill>
-        <a:round/>
-      </a:ln>
-    </cs:spPr>
-  </cs:hiLoLine>
-  <cs:leaderLine>
-    <cs:lnRef idx="0"/>
-    <cs:fillRef idx="0"/>
-    <cs:effectRef idx="0"/>
-    <cs:fontRef idx="minor">
-      <a:schemeClr val="tx1"/>
-    </cs:fontRef>
-    <cs:spPr>
-      <a:ln w="9525" cap="flat" cmpd="sng" algn="ctr">
-        <a:solidFill>
-          <a:schemeClr val="tx1">
-            <a:lumMod val="35000"/>
-            <a:lumOff val="65000"/>
-          </a:schemeClr>
-        </a:solidFill>
-        <a:round/>
-      </a:ln>
-    </cs:spPr>
-  </cs:leaderLine>
-  <cs:legend>
-    <cs:lnRef idx="0"/>
-    <cs:fillRef idx="0"/>
-    <cs:effectRef idx="0"/>
-    <cs:fontRef idx="minor">
-      <a:schemeClr val="tx1">
-        <a:lumMod val="65000"/>
-        <a:lumOff val="35000"/>
-      </a:schemeClr>
-    </cs:fontRef>
-    <cs:defRPr sz="900" kern="1200"/>
-  </cs:legend>
-  <cs:plotArea mods="allowNoFillOverride allowNoLineOverride">
-    <cs:lnRef idx="0"/>
-    <cs:fillRef idx="0"/>
-    <cs:effectRef idx="0"/>
-    <cs:fontRef idx="minor">
-      <a:schemeClr val="tx1"/>
-    </cs:fontRef>
-  </cs:plotArea>
-  <cs:plotArea3D mods="allowNoFillOverride allowNoLineOverride">
-    <cs:lnRef idx="0"/>
-    <cs:fillRef idx="0"/>
-    <cs:effectRef idx="0"/>
-    <cs:fontRef idx="minor">
-      <a:schemeClr val="tx1"/>
-    </cs:fontRef>
-  </cs:plotArea3D>
-  <cs:seriesAxis>
-    <cs:lnRef idx="0"/>
-    <cs:fillRef idx="0"/>
-    <cs:effectRef idx="0"/>
-    <cs:fontRef idx="minor">
-      <a:schemeClr val="tx1">
-        <a:lumMod val="65000"/>
-        <a:lumOff val="35000"/>
-      </a:schemeClr>
-    </cs:fontRef>
-    <cs:defRPr sz="900" kern="1200"/>
-  </cs:seriesAxis>
-  <cs:seriesLine>
-    <cs:lnRef idx="0"/>
-    <cs:fillRef idx="0"/>
-    <cs:effectRef idx="0"/>
-    <cs:fontRef idx="minor">
-      <a:schemeClr val="tx1"/>
-    </cs:fontRef>
-    <cs:spPr>
-      <a:ln w="9525" cap="flat" cmpd="sng" algn="ctr">
-        <a:solidFill>
-          <a:schemeClr val="tx1">
-            <a:lumMod val="35000"/>
-            <a:lumOff val="65000"/>
-          </a:schemeClr>
-        </a:solidFill>
-        <a:round/>
-      </a:ln>
-    </cs:spPr>
-  </cs:seriesLine>
-  <cs:title>
-    <cs:lnRef idx="0"/>
-    <cs:fillRef idx="0"/>
-    <cs:effectRef idx="0"/>
-    <cs:fontRef idx="minor">
-      <a:schemeClr val="tx1">
-        <a:lumMod val="65000"/>
-        <a:lumOff val="35000"/>
-      </a:schemeClr>
-    </cs:fontRef>
-    <cs:defRPr sz="1400" b="0" kern="1200" spc="0" baseline="0"/>
-  </cs:title>
-  <cs:trendline>
-    <cs:lnRef idx="0">
-      <cs:styleClr val="auto"/>
-    </cs:lnRef>
-    <cs:fillRef idx="0"/>
-    <cs:effectRef idx="0"/>
-    <cs:fontRef idx="minor">
-      <a:schemeClr val="tx1"/>
-    </cs:fontRef>
-    <cs:spPr>
-      <a:ln w="19050" cap="rnd">
-        <a:solidFill>
-          <a:schemeClr val="phClr"/>
-        </a:solidFill>
-        <a:prstDash val="sysDot"/>
-      </a:ln>
-    </cs:spPr>
-  </cs:trendline>
-  <cs:trendlineLabel>
-    <cs:lnRef idx="0"/>
-    <cs:fillRef idx="0"/>
-    <cs:effectRef idx="0"/>
-    <cs:fontRef idx="minor">
-      <a:schemeClr val="tx1">
-        <a:lumMod val="65000"/>
-        <a:lumOff val="35000"/>
-      </a:schemeClr>
-    </cs:fontRef>
-    <cs:defRPr sz="900" kern="1200"/>
-  </cs:trendlineLabel>
-  <cs:upBar>
-    <cs:lnRef idx="0"/>
-    <cs:fillRef idx="0"/>
-    <cs:effectRef idx="0"/>
-    <cs:fontRef idx="minor">
-      <a:schemeClr val="tx1"/>
-    </cs:fontRef>
-    <cs:spPr>
-      <a:solidFill>
-        <a:schemeClr val="lt1"/>
-      </a:solidFill>
-      <a:ln w="9525" cap="flat" cmpd="sng" algn="ctr">
-        <a:solidFill>
-          <a:schemeClr val="tx1">
-            <a:lumMod val="65000"/>
-            <a:lumOff val="35000"/>
-          </a:schemeClr>
-        </a:solidFill>
-        <a:round/>
-      </a:ln>
-    </cs:spPr>
-  </cs:upBar>
-  <cs:valueAxis>
-    <cs:lnRef idx="0"/>
-    <cs:fillRef idx="0"/>
-    <cs:effectRef idx="0"/>
-    <cs:fontRef idx="minor">
-      <a:schemeClr val="tx1">
-        <a:lumMod val="65000"/>
-        <a:lumOff val="35000"/>
-      </a:schemeClr>
-    </cs:fontRef>
-    <cs:defRPr sz="900" kern="1200"/>
-  </cs:valueAxis>
-  <cs:wall>
-    <cs:lnRef idx="0"/>
-    <cs:fillRef idx="0"/>
-    <cs:effectRef idx="0"/>
-    <cs:fontRef idx="minor">
-      <a:schemeClr val="tx1"/>
-    </cs:fontRef>
-    <cs:spPr>
-      <a:noFill/>
-      <a:ln>
-        <a:noFill/>
-      </a:ln>
-    </cs:spPr>
-  </cs:wall>
-</cs:chartStyle>
-</file>
-
-<file path=ppt/charts/style14.xml><?xml version="1.0" encoding="utf-8"?>
-<cs:chartStyle xmlns:cs="http://schemas.microsoft.com/office/drawing/2012/chartStyle" xmlns:a="http://schemas.openxmlformats.org/drawingml/2006/main" id="227">
-  <cs:axisTitle>
-    <cs:lnRef idx="0"/>
-    <cs:fillRef idx="0"/>
-    <cs:effectRef idx="0"/>
-    <cs:fontRef idx="minor">
-      <a:schemeClr val="tx1">
-        <a:lumMod val="65000"/>
-        <a:lumOff val="35000"/>
-      </a:schemeClr>
-    </cs:fontRef>
-    <cs:defRPr sz="1330" kern="1200"/>
-  </cs:axisTitle>
-  <cs:categoryAxis>
-    <cs:lnRef idx="0"/>
-    <cs:fillRef idx="0"/>
-    <cs:effectRef idx="0"/>
-    <cs:fontRef idx="minor">
-      <a:schemeClr val="tx1">
-        <a:lumMod val="65000"/>
-        <a:lumOff val="35000"/>
-      </a:schemeClr>
-    </cs:fontRef>
-    <cs:spPr>
-      <a:ln w="9525" cap="flat" cmpd="sng" algn="ctr">
-        <a:solidFill>
-          <a:schemeClr val="tx1">
-            <a:lumMod val="15000"/>
-            <a:lumOff val="85000"/>
-          </a:schemeClr>
-        </a:solidFill>
-        <a:round/>
-      </a:ln>
-    </cs:spPr>
-    <cs:defRPr sz="1197" kern="1200"/>
-  </cs:categoryAxis>
-  <cs:chartArea mods="allowNoFillOverride allowNoLineOverride">
-    <cs:lnRef idx="0"/>
-    <cs:fillRef idx="0"/>
-    <cs:effectRef idx="0"/>
-    <cs:fontRef idx="minor">
-      <a:schemeClr val="tx1"/>
-    </cs:fontRef>
-    <cs:spPr>
-      <a:solidFill>
-        <a:schemeClr val="bg1"/>
-      </a:solidFill>
-      <a:ln w="9525" cap="flat" cmpd="sng" algn="ctr">
-        <a:solidFill>
-          <a:schemeClr val="tx1">
-            <a:lumMod val="15000"/>
-            <a:lumOff val="85000"/>
-          </a:schemeClr>
-        </a:solidFill>
-        <a:round/>
-      </a:ln>
-    </cs:spPr>
-    <cs:defRPr sz="1330" kern="1200"/>
-  </cs:chartArea>
-  <cs:dataLabel>
-    <cs:lnRef idx="0"/>
-    <cs:fillRef idx="0"/>
-    <cs:effectRef idx="0"/>
-    <cs:fontRef idx="minor">
-      <a:schemeClr val="tx1">
-        <a:lumMod val="75000"/>
-        <a:lumOff val="25000"/>
-      </a:schemeClr>
-    </cs:fontRef>
-    <cs:defRPr sz="1197" kern="1200"/>
-  </cs:dataLabel>
-  <cs:dataLabelCallout>
-    <cs:lnRef idx="0"/>
-    <cs:fillRef idx="0"/>
-    <cs:effectRef idx="0"/>
-    <cs:fontRef idx="minor">
-      <a:schemeClr val="dk1">
-        <a:lumMod val="65000"/>
-        <a:lumOff val="35000"/>
-      </a:schemeClr>
-    </cs:fontRef>
-    <cs:spPr>
-      <a:solidFill>
-        <a:schemeClr val="lt1"/>
-      </a:solidFill>
-      <a:ln>
-        <a:solidFill>
-          <a:schemeClr val="dk1">
-            <a:lumMod val="25000"/>
-            <a:lumOff val="75000"/>
-          </a:schemeClr>
-        </a:solidFill>
-      </a:ln>
-    </cs:spPr>
-    <cs:defRPr sz="1197" kern="1200"/>
-    <cs:bodyPr rot="0" spcFirstLastPara="1" vertOverflow="clip" horzOverflow="clip" vert="horz" wrap="square" lIns="36576" tIns="18288" rIns="36576" bIns="18288" anchor="ctr" anchorCtr="1">
-      <a:spAutoFit/>
-    </cs:bodyPr>
-  </cs:dataLabelCallout>
-  <cs:dataPoint>
-    <cs:lnRef idx="0"/>
-    <cs:fillRef idx="1">
-      <cs:styleClr val="auto"/>
-    </cs:fillRef>
-    <cs:effectRef idx="0"/>
-    <cs:fontRef idx="minor">
-      <a:schemeClr val="tx1"/>
-    </cs:fontRef>
-    <cs:spPr>
-      <a:solidFill>
-        <a:schemeClr val="phClr"/>
-      </a:solidFill>
-    </cs:spPr>
-  </cs:dataPoint>
-  <cs:dataPoint3D>
-    <cs:lnRef idx="0"/>
-    <cs:fillRef idx="1">
-      <cs:styleClr val="auto"/>
-    </cs:fillRef>
-    <cs:effectRef idx="0"/>
-    <cs:fontRef idx="minor">
-      <a:schemeClr val="tx1"/>
-    </cs:fontRef>
-    <cs:spPr>
-      <a:solidFill>
-        <a:schemeClr val="phClr"/>
-      </a:solidFill>
-    </cs:spPr>
-  </cs:dataPoint3D>
-  <cs:dataPointLine>
-    <cs:lnRef idx="0">
-      <cs:styleClr val="auto"/>
-    </cs:lnRef>
-    <cs:fillRef idx="1"/>
-    <cs:effectRef idx="0"/>
-    <cs:fontRef idx="minor">
-      <a:schemeClr val="tx1"/>
-    </cs:fontRef>
-    <cs:spPr>
-      <a:ln w="28575" cap="rnd">
-        <a:solidFill>
-          <a:schemeClr val="phClr"/>
-        </a:solidFill>
-        <a:round/>
-      </a:ln>
-    </cs:spPr>
-  </cs:dataPointLine>
-  <cs:dataPointMarker>
-    <cs:lnRef idx="0">
-      <cs:styleClr val="auto"/>
-    </cs:lnRef>
-    <cs:fillRef idx="1">
-      <cs:styleClr val="auto"/>
-    </cs:fillRef>
-    <cs:effectRef idx="0"/>
-    <cs:fontRef idx="minor">
-      <a:schemeClr val="tx1"/>
-    </cs:fontRef>
-    <cs:spPr>
-      <a:solidFill>
-        <a:schemeClr val="phClr"/>
-      </a:solidFill>
-      <a:ln w="9525">
-        <a:solidFill>
-          <a:schemeClr val="phClr"/>
-        </a:solidFill>
-      </a:ln>
-    </cs:spPr>
-  </cs:dataPointMarker>
-  <cs:dataPointMarkerLayout symbol="circle" size="5"/>
-  <cs:dataPointWireframe>
-    <cs:lnRef idx="0">
-      <cs:styleClr val="auto"/>
-    </cs:lnRef>
-    <cs:fillRef idx="1"/>
-    <cs:effectRef idx="0"/>
-    <cs:fontRef idx="minor">
-      <a:schemeClr val="tx1"/>
-    </cs:fontRef>
-    <cs:spPr>
-      <a:ln w="9525" cap="rnd">
-        <a:solidFill>
-          <a:schemeClr val="phClr"/>
-        </a:solidFill>
-        <a:round/>
-      </a:ln>
-    </cs:spPr>
-  </cs:dataPointWireframe>
-  <cs:dataTable>
-    <cs:lnRef idx="0"/>
-    <cs:fillRef idx="0"/>
-    <cs:effectRef idx="0"/>
-    <cs:fontRef idx="minor">
-      <a:schemeClr val="tx1">
-        <a:lumMod val="65000"/>
-        <a:lumOff val="35000"/>
-      </a:schemeClr>
-    </cs:fontRef>
-    <cs:spPr>
-      <a:noFill/>
-      <a:ln w="9525" cap="flat" cmpd="sng" algn="ctr">
-        <a:solidFill>
-          <a:schemeClr val="tx1">
-            <a:lumMod val="15000"/>
-            <a:lumOff val="85000"/>
-          </a:schemeClr>
-        </a:solidFill>
-        <a:round/>
-      </a:ln>
-    </cs:spPr>
-    <cs:defRPr sz="1197" kern="1200"/>
-  </cs:dataTable>
-  <cs:downBar>
-    <cs:lnRef idx="0"/>
-    <cs:fillRef idx="0"/>
-    <cs:effectRef idx="0"/>
-    <cs:fontRef idx="minor">
-      <a:schemeClr val="dk1"/>
-    </cs:fontRef>
-    <cs:spPr>
-      <a:solidFill>
-        <a:schemeClr val="dk1">
-          <a:lumMod val="65000"/>
-          <a:lumOff val="35000"/>
-        </a:schemeClr>
-      </a:solidFill>
-      <a:ln w="9525">
-        <a:solidFill>
-          <a:schemeClr val="tx1">
-            <a:lumMod val="65000"/>
-            <a:lumOff val="35000"/>
-          </a:schemeClr>
-        </a:solidFill>
-      </a:ln>
-    </cs:spPr>
-  </cs:downBar>
-  <cs:dropLine>
-    <cs:lnRef idx="0"/>
-    <cs:fillRef idx="0"/>
-    <cs:effectRef idx="0"/>
-    <cs:fontRef idx="minor">
-      <a:schemeClr val="tx1"/>
-    </cs:fontRef>
-    <cs:spPr>
-      <a:ln w="9525" cap="flat" cmpd="sng" algn="ctr">
-        <a:solidFill>
-          <a:schemeClr val="tx1">
-            <a:lumMod val="35000"/>
-            <a:lumOff val="65000"/>
-          </a:schemeClr>
-        </a:solidFill>
-        <a:round/>
-      </a:ln>
-    </cs:spPr>
-  </cs:dropLine>
-  <cs:errorBar>
-    <cs:lnRef idx="0"/>
-    <cs:fillRef idx="0"/>
-    <cs:effectRef idx="0"/>
-    <cs:fontRef idx="minor">
-      <a:schemeClr val="tx1"/>
-    </cs:fontRef>
-    <cs:spPr>
-      <a:ln w="9525" cap="flat" cmpd="sng" algn="ctr">
-        <a:solidFill>
-          <a:schemeClr val="tx1">
-            <a:lumMod val="65000"/>
-            <a:lumOff val="35000"/>
-          </a:schemeClr>
-        </a:solidFill>
-        <a:round/>
-      </a:ln>
-    </cs:spPr>
-  </cs:errorBar>
-  <cs:floor>
-    <cs:lnRef idx="0"/>
-    <cs:fillRef idx="0"/>
-    <cs:effectRef idx="0"/>
-    <cs:fontRef idx="minor">
-      <a:schemeClr val="tx1"/>
-    </cs:fontRef>
-    <cs:spPr>
-      <a:noFill/>
-      <a:ln>
-        <a:noFill/>
-      </a:ln>
-    </cs:spPr>
-  </cs:floor>
-  <cs:gridlineMajor>
-    <cs:lnRef idx="0"/>
-    <cs:fillRef idx="0"/>
-    <cs:effectRef idx="0"/>
-    <cs:fontRef idx="minor">
-      <a:schemeClr val="tx1"/>
-    </cs:fontRef>
-    <cs:spPr>
-      <a:ln w="9525" cap="flat" cmpd="sng" algn="ctr">
-        <a:solidFill>
-          <a:schemeClr val="tx1">
-            <a:lumMod val="15000"/>
-            <a:lumOff val="85000"/>
-          </a:schemeClr>
-        </a:solidFill>
-        <a:round/>
-      </a:ln>
-    </cs:spPr>
-  </cs:gridlineMajor>
-  <cs:gridlineMinor>
-    <cs:lnRef idx="0"/>
-    <cs:fillRef idx="0"/>
-    <cs:effectRef idx="0"/>
-    <cs:fontRef idx="minor">
-      <a:schemeClr val="tx1"/>
-    </cs:fontRef>
-    <cs:spPr>
-      <a:ln w="9525" cap="flat" cmpd="sng" algn="ctr">
-        <a:solidFill>
-          <a:schemeClr val="tx1">
-            <a:lumMod val="5000"/>
-            <a:lumOff val="95000"/>
-          </a:schemeClr>
-        </a:solidFill>
-        <a:round/>
-      </a:ln>
-    </cs:spPr>
-  </cs:gridlineMinor>
-  <cs:hiLoLine>
-    <cs:lnRef idx="0"/>
-    <cs:fillRef idx="0"/>
-    <cs:effectRef idx="0"/>
-    <cs:fontRef idx="minor">
-      <a:schemeClr val="tx1"/>
-    </cs:fontRef>
-    <cs:spPr>
-      <a:ln w="9525" cap="flat" cmpd="sng" algn="ctr">
-        <a:solidFill>
-          <a:schemeClr val="tx1">
-            <a:lumMod val="75000"/>
-            <a:lumOff val="25000"/>
-          </a:schemeClr>
-        </a:solidFill>
-        <a:round/>
-      </a:ln>
-    </cs:spPr>
-  </cs:hiLoLine>
-  <cs:leaderLine>
-    <cs:lnRef idx="0"/>
-    <cs:fillRef idx="0"/>
-    <cs:effectRef idx="0"/>
-    <cs:fontRef idx="minor">
-      <a:schemeClr val="tx1"/>
-    </cs:fontRef>
-    <cs:spPr>
-      <a:ln w="9525" cap="flat" cmpd="sng" algn="ctr">
-        <a:solidFill>
-          <a:schemeClr val="tx1">
-            <a:lumMod val="35000"/>
-            <a:lumOff val="65000"/>
-          </a:schemeClr>
-        </a:solidFill>
-        <a:round/>
-      </a:ln>
-    </cs:spPr>
-  </cs:leaderLine>
-  <cs:legend>
-    <cs:lnRef idx="0"/>
-    <cs:fillRef idx="0"/>
-    <cs:effectRef idx="0"/>
-    <cs:fontRef idx="minor">
-      <a:schemeClr val="tx1">
-        <a:lumMod val="65000"/>
-        <a:lumOff val="35000"/>
-      </a:schemeClr>
-    </cs:fontRef>
-    <cs:defRPr sz="1197" kern="1200"/>
-  </cs:legend>
-  <cs:plotArea mods="allowNoFillOverride allowNoLineOverride">
-    <cs:lnRef idx="0"/>
-    <cs:fillRef idx="0"/>
-    <cs:effectRef idx="0"/>
-    <cs:fontRef idx="minor">
-      <a:schemeClr val="tx1"/>
-    </cs:fontRef>
-  </cs:plotArea>
-  <cs:plotArea3D mods="allowNoFillOverride allowNoLineOverride">
-    <cs:lnRef idx="0"/>
-    <cs:fillRef idx="0"/>
-    <cs:effectRef idx="0"/>
-    <cs:fontRef idx="minor">
-      <a:schemeClr val="tx1"/>
-    </cs:fontRef>
-  </cs:plotArea3D>
-  <cs:seriesAxis>
-    <cs:lnRef idx="0"/>
-    <cs:fillRef idx="0"/>
-    <cs:effectRef idx="0"/>
-    <cs:fontRef idx="minor">
-      <a:schemeClr val="tx1">
-        <a:lumMod val="65000"/>
-        <a:lumOff val="35000"/>
-      </a:schemeClr>
-    </cs:fontRef>
-    <cs:defRPr sz="1197" kern="1200"/>
-  </cs:seriesAxis>
-  <cs:seriesLine>
-    <cs:lnRef idx="0"/>
-    <cs:fillRef idx="0"/>
-    <cs:effectRef idx="0"/>
-    <cs:fontRef idx="minor">
-      <a:schemeClr val="tx1"/>
-    </cs:fontRef>
-    <cs:spPr>
-      <a:ln w="9525" cap="flat" cmpd="sng" algn="ctr">
-        <a:solidFill>
-          <a:schemeClr val="tx1">
-            <a:lumMod val="35000"/>
-            <a:lumOff val="65000"/>
-          </a:schemeClr>
-        </a:solidFill>
-        <a:round/>
-      </a:ln>
-    </cs:spPr>
-  </cs:seriesLine>
-  <cs:title>
-    <cs:lnRef idx="0"/>
-    <cs:fillRef idx="0"/>
-    <cs:effectRef idx="0"/>
-    <cs:fontRef idx="minor">
-      <a:schemeClr val="tx1">
-        <a:lumMod val="65000"/>
-        <a:lumOff val="35000"/>
-      </a:schemeClr>
-    </cs:fontRef>
-    <cs:defRPr sz="1862" b="0" kern="1200" spc="0" baseline="0"/>
-  </cs:title>
-  <cs:trendline>
-    <cs:lnRef idx="0">
-      <cs:styleClr val="auto"/>
-    </cs:lnRef>
-    <cs:fillRef idx="0"/>
-    <cs:effectRef idx="0"/>
-    <cs:fontRef idx="minor">
-      <a:schemeClr val="tx1"/>
-    </cs:fontRef>
-    <cs:spPr>
-      <a:ln w="19050" cap="rnd">
-        <a:solidFill>
-          <a:schemeClr val="phClr"/>
-        </a:solidFill>
-        <a:prstDash val="sysDot"/>
-      </a:ln>
-    </cs:spPr>
-  </cs:trendline>
-  <cs:trendlineLabel>
-    <cs:lnRef idx="0"/>
-    <cs:fillRef idx="0"/>
-    <cs:effectRef idx="0"/>
-    <cs:fontRef idx="minor">
-      <a:schemeClr val="tx1">
-        <a:lumMod val="65000"/>
-        <a:lumOff val="35000"/>
-      </a:schemeClr>
-    </cs:fontRef>
-    <cs:defRPr sz="1197" kern="1200"/>
-  </cs:trendlineLabel>
-  <cs:upBar>
-    <cs:lnRef idx="0"/>
-    <cs:fillRef idx="0"/>
-    <cs:effectRef idx="0"/>
-    <cs:fontRef idx="minor">
-      <a:schemeClr val="dk1"/>
-    </cs:fontRef>
-    <cs:spPr>
-      <a:solidFill>
-        <a:schemeClr val="lt1"/>
-      </a:solidFill>
-      <a:ln w="9525">
-        <a:solidFill>
-          <a:schemeClr val="tx1">
-            <a:lumMod val="15000"/>
-            <a:lumOff val="85000"/>
-          </a:schemeClr>
-        </a:solidFill>
-      </a:ln>
-    </cs:spPr>
-  </cs:upBar>
-  <cs:valueAxis>
-    <cs:lnRef idx="0"/>
-    <cs:fillRef idx="0"/>
-    <cs:effectRef idx="0"/>
-    <cs:fontRef idx="minor">
-      <a:schemeClr val="tx1">
-        <a:lumMod val="65000"/>
-        <a:lumOff val="35000"/>
-      </a:schemeClr>
-    </cs:fontRef>
-    <cs:defRPr sz="1197" kern="1200"/>
-  </cs:valueAxis>
-  <cs:wall>
-    <cs:lnRef idx="0"/>
-    <cs:fillRef idx="0"/>
-    <cs:effectRef idx="0"/>
-    <cs:fontRef idx="minor">
-      <a:schemeClr val="tx1"/>
-    </cs:fontRef>
-    <cs:spPr>
-      <a:noFill/>
-      <a:ln>
-        <a:noFill/>
-      </a:ln>
-    </cs:spPr>
-  </cs:wall>
-</cs:chartStyle>
-</file>
-
 <file path=ppt/charts/style2.xml><?xml version="1.0" encoding="utf-8"?>
 <cs:chartStyle xmlns:cs="http://schemas.microsoft.com/office/drawing/2012/chartStyle" xmlns:a="http://schemas.openxmlformats.org/drawingml/2006/main" id="227">
   <cs:axisTitle>
@@ -15014,7 +12909,7 @@
           <a:p>
             <a:fld id="{90D0161B-07B2-4BAD-9EC2-43EA96471412}" type="datetimeFigureOut">
               <a:rPr lang="en-US" smtClean="0"/>
-              <a:t>6/8/2023</a:t>
+              <a:t>6/9/2023</a:t>
             </a:fld>
             <a:endParaRPr lang="en-US"/>
           </a:p>
@@ -15182,7 +13077,7 @@
           <a:p>
             <a:fld id="{90D0161B-07B2-4BAD-9EC2-43EA96471412}" type="datetimeFigureOut">
               <a:rPr lang="en-US" smtClean="0"/>
-              <a:t>6/8/2023</a:t>
+              <a:t>6/9/2023</a:t>
             </a:fld>
             <a:endParaRPr lang="en-US"/>
           </a:p>
@@ -15360,7 +13255,7 @@
           <a:p>
             <a:fld id="{90D0161B-07B2-4BAD-9EC2-43EA96471412}" type="datetimeFigureOut">
               <a:rPr lang="en-US" smtClean="0"/>
-              <a:t>6/8/2023</a:t>
+              <a:t>6/9/2023</a:t>
             </a:fld>
             <a:endParaRPr lang="en-US"/>
           </a:p>
@@ -15528,7 +13423,7 @@
           <a:p>
             <a:fld id="{90D0161B-07B2-4BAD-9EC2-43EA96471412}" type="datetimeFigureOut">
               <a:rPr lang="en-US" smtClean="0"/>
-              <a:t>6/8/2023</a:t>
+              <a:t>6/9/2023</a:t>
             </a:fld>
             <a:endParaRPr lang="en-US"/>
           </a:p>
@@ -15771,7 +13666,7 @@
           <a:p>
             <a:fld id="{90D0161B-07B2-4BAD-9EC2-43EA96471412}" type="datetimeFigureOut">
               <a:rPr lang="en-US" smtClean="0"/>
-              <a:t>6/8/2023</a:t>
+              <a:t>6/9/2023</a:t>
             </a:fld>
             <a:endParaRPr lang="en-US"/>
           </a:p>
@@ -16000,7 +13895,7 @@
           <a:p>
             <a:fld id="{90D0161B-07B2-4BAD-9EC2-43EA96471412}" type="datetimeFigureOut">
               <a:rPr lang="en-US" smtClean="0"/>
-              <a:t>6/8/2023</a:t>
+              <a:t>6/9/2023</a:t>
             </a:fld>
             <a:endParaRPr lang="en-US"/>
           </a:p>
@@ -16364,7 +14259,7 @@
           <a:p>
             <a:fld id="{90D0161B-07B2-4BAD-9EC2-43EA96471412}" type="datetimeFigureOut">
               <a:rPr lang="en-US" smtClean="0"/>
-              <a:t>6/8/2023</a:t>
+              <a:t>6/9/2023</a:t>
             </a:fld>
             <a:endParaRPr lang="en-US"/>
           </a:p>
@@ -16481,7 +14376,7 @@
           <a:p>
             <a:fld id="{90D0161B-07B2-4BAD-9EC2-43EA96471412}" type="datetimeFigureOut">
               <a:rPr lang="en-US" smtClean="0"/>
-              <a:t>6/8/2023</a:t>
+              <a:t>6/9/2023</a:t>
             </a:fld>
             <a:endParaRPr lang="en-US"/>
           </a:p>
@@ -16576,7 +14471,7 @@
           <a:p>
             <a:fld id="{90D0161B-07B2-4BAD-9EC2-43EA96471412}" type="datetimeFigureOut">
               <a:rPr lang="en-US" smtClean="0"/>
-              <a:t>6/8/2023</a:t>
+              <a:t>6/9/2023</a:t>
             </a:fld>
             <a:endParaRPr lang="en-US"/>
           </a:p>
@@ -16851,7 +14746,7 @@
           <a:p>
             <a:fld id="{90D0161B-07B2-4BAD-9EC2-43EA96471412}" type="datetimeFigureOut">
               <a:rPr lang="en-US" smtClean="0"/>
-              <a:t>6/8/2023</a:t>
+              <a:t>6/9/2023</a:t>
             </a:fld>
             <a:endParaRPr lang="en-US"/>
           </a:p>
@@ -17106,7 +15001,7 @@
           <a:p>
             <a:fld id="{90D0161B-07B2-4BAD-9EC2-43EA96471412}" type="datetimeFigureOut">
               <a:rPr lang="en-US" smtClean="0"/>
-              <a:t>6/8/2023</a:t>
+              <a:t>6/9/2023</a:t>
             </a:fld>
             <a:endParaRPr lang="en-US"/>
           </a:p>
@@ -17317,7 +15212,7 @@
           <a:p>
             <a:fld id="{90D0161B-07B2-4BAD-9EC2-43EA96471412}" type="datetimeFigureOut">
               <a:rPr lang="en-US" smtClean="0"/>
-              <a:t>6/8/2023</a:t>
+              <a:t>6/9/2023</a:t>
             </a:fld>
             <a:endParaRPr lang="en-US"/>
           </a:p>
@@ -17773,51 +15668,6 @@
           </a:p>
         </p:txBody>
       </p:sp>
-      <p:pic>
-        <p:nvPicPr>
-          <p:cNvPr id="21" name="Graphic 20" descr="Downward trend graph with solid fill">
-            <a:extLst>
-              <a:ext uri="{FF2B5EF4-FFF2-40B4-BE49-F238E27FC236}">
-                <a16:creationId xmlns:a16="http://schemas.microsoft.com/office/drawing/2014/main" id="{7C9B1C81-6F57-04F7-5B54-B84190A10F87}"/>
-              </a:ext>
-            </a:extLst>
-          </p:cNvPr>
-          <p:cNvPicPr>
-            <a:picLocks noChangeAspect="1"/>
-          </p:cNvPicPr>
-          <p:nvPr/>
-        </p:nvPicPr>
-        <p:blipFill rotWithShape="1">
-          <a:blip r:embed="rId2">
-            <a:extLst>
-              <a:ext uri="{28A0092B-C50C-407E-A947-70E740481C1C}">
-                <a14:useLocalDpi xmlns:a14="http://schemas.microsoft.com/office/drawing/2010/main" val="0"/>
-              </a:ext>
-              <a:ext uri="{96DAC541-7B7A-43D3-8B79-37D633B846F1}">
-                <asvg:svgBlip xmlns:asvg="http://schemas.microsoft.com/office/drawing/2016/SVG/main" r:embed="rId3"/>
-              </a:ext>
-            </a:extLst>
-          </a:blip>
-          <a:srcRect l="21876" b="25155"/>
-          <a:stretch/>
-        </p:blipFill>
-        <p:spPr>
-          <a:xfrm>
-            <a:off x="5645298" y="1940754"/>
-            <a:ext cx="1277617" cy="1224000"/>
-          </a:xfrm>
-          <a:prstGeom prst="rect">
-            <a:avLst/>
-          </a:prstGeom>
-          <a:effectLst>
-            <a:outerShdw blurRad="50800" dist="38100" dir="5400000" algn="t" rotWithShape="0">
-              <a:prstClr val="black">
-                <a:alpha val="40000"/>
-              </a:prstClr>
-            </a:outerShdw>
-          </a:effectLst>
-        </p:spPr>
-      </p:pic>
       <p:sp>
         <p:nvSpPr>
           <p:cNvPr id="6" name="TextBox 5">
@@ -17972,34 +15822,6 @@
           </a:p>
         </p:txBody>
       </p:sp>
-      <p:graphicFrame>
-        <p:nvGraphicFramePr>
-          <p:cNvPr id="10" name="Chart 9">
-            <a:extLst>
-              <a:ext uri="{FF2B5EF4-FFF2-40B4-BE49-F238E27FC236}">
-                <a16:creationId xmlns:a16="http://schemas.microsoft.com/office/drawing/2014/main" id="{E8BD26A9-2B9A-2F49-D1CB-F87ECA8CBD1E}"/>
-              </a:ext>
-            </a:extLst>
-          </p:cNvPr>
-          <p:cNvGraphicFramePr/>
-          <p:nvPr>
-            <p:extLst>
-              <p:ext uri="{D42A27DB-BD31-4B8C-83A1-F6EECF244321}">
-                <p14:modId xmlns:p14="http://schemas.microsoft.com/office/powerpoint/2010/main" val="2974001933"/>
-              </p:ext>
-            </p:extLst>
-          </p:nvPr>
-        </p:nvGraphicFramePr>
-        <p:xfrm>
-          <a:off x="300571" y="4541662"/>
-          <a:ext cx="5638800" cy="1533525"/>
-        </p:xfrm>
-        <a:graphic>
-          <a:graphicData uri="http://schemas.openxmlformats.org/drawingml/2006/chart">
-            <c:chart xmlns:c="http://schemas.openxmlformats.org/drawingml/2006/chart" xmlns:r="http://schemas.openxmlformats.org/officeDocument/2006/relationships" r:id="rId4"/>
-          </a:graphicData>
-        </a:graphic>
-      </p:graphicFrame>
       <p:sp>
         <p:nvSpPr>
           <p:cNvPr id="59" name="Rectangle 1">
@@ -18084,34 +15906,6 @@
           </a:p>
         </p:txBody>
       </p:sp>
-      <p:graphicFrame>
-        <p:nvGraphicFramePr>
-          <p:cNvPr id="67" name="Chart 66">
-            <a:extLst>
-              <a:ext uri="{FF2B5EF4-FFF2-40B4-BE49-F238E27FC236}">
-                <a16:creationId xmlns:a16="http://schemas.microsoft.com/office/drawing/2014/main" id="{84624D89-FEFD-1E0A-31A2-B6F89F579189}"/>
-              </a:ext>
-            </a:extLst>
-          </p:cNvPr>
-          <p:cNvGraphicFramePr/>
-          <p:nvPr>
-            <p:extLst>
-              <p:ext uri="{D42A27DB-BD31-4B8C-83A1-F6EECF244321}">
-                <p14:modId xmlns:p14="http://schemas.microsoft.com/office/powerpoint/2010/main" val="1591696248"/>
-              </p:ext>
-            </p:extLst>
-          </p:nvPr>
-        </p:nvGraphicFramePr>
-        <p:xfrm>
-          <a:off x="300570" y="6490881"/>
-          <a:ext cx="4585707" cy="2494906"/>
-        </p:xfrm>
-        <a:graphic>
-          <a:graphicData uri="http://schemas.openxmlformats.org/drawingml/2006/chart">
-            <c:chart xmlns:c="http://schemas.openxmlformats.org/drawingml/2006/chart" xmlns:r="http://schemas.openxmlformats.org/officeDocument/2006/relationships" r:id="rId5"/>
-          </a:graphicData>
-        </a:graphic>
-      </p:graphicFrame>
       <p:sp>
         <p:nvSpPr>
           <p:cNvPr id="92" name="TextBox 91">
@@ -18733,7 +16527,7 @@
             <p:nvPr/>
           </p:nvPicPr>
           <p:blipFill rotWithShape="1">
-            <a:blip r:embed="rId6">
+            <a:blip r:embed="rId2">
               <a:extLst>
                 <a:ext uri="{28A0092B-C50C-407E-A947-70E740481C1C}">
                   <a14:useLocalDpi xmlns:a14="http://schemas.microsoft.com/office/drawing/2010/main" val="0"/>
@@ -18896,7 +16690,7 @@
             <p:nvPr/>
           </p:nvPicPr>
           <p:blipFill rotWithShape="1">
-            <a:blip r:embed="rId6">
+            <a:blip r:embed="rId2">
               <a:extLst>
                 <a:ext uri="{28A0092B-C50C-407E-A947-70E740481C1C}">
                   <a14:useLocalDpi xmlns:a14="http://schemas.microsoft.com/office/drawing/2010/main" val="0"/>
@@ -18970,13 +16764,13 @@
           <p:nvPr/>
         </p:nvPicPr>
         <p:blipFill>
-          <a:blip r:embed="rId7">
+          <a:blip r:embed="rId3">
             <a:extLst>
               <a:ext uri="{28A0092B-C50C-407E-A947-70E740481C1C}">
                 <a14:useLocalDpi xmlns:a14="http://schemas.microsoft.com/office/drawing/2010/main" val="0"/>
               </a:ext>
               <a:ext uri="{96DAC541-7B7A-43D3-8B79-37D633B846F1}">
-                <asvg:svgBlip xmlns:asvg="http://schemas.microsoft.com/office/drawing/2016/SVG/main" r:embed="rId8"/>
+                <asvg:svgBlip xmlns:asvg="http://schemas.microsoft.com/office/drawing/2016/SVG/main" r:embed="rId4"/>
               </a:ext>
             </a:extLst>
           </a:blip>
@@ -19016,13 +16810,13 @@
           <p:nvPr/>
         </p:nvPicPr>
         <p:blipFill>
-          <a:blip r:embed="rId9">
+          <a:blip r:embed="rId5">
             <a:extLst>
               <a:ext uri="{28A0092B-C50C-407E-A947-70E740481C1C}">
                 <a14:useLocalDpi xmlns:a14="http://schemas.microsoft.com/office/drawing/2010/main" val="0"/>
               </a:ext>
               <a:ext uri="{96DAC541-7B7A-43D3-8B79-37D633B846F1}">
-                <asvg:svgBlip xmlns:asvg="http://schemas.microsoft.com/office/drawing/2016/SVG/main" r:embed="rId10"/>
+                <asvg:svgBlip xmlns:asvg="http://schemas.microsoft.com/office/drawing/2016/SVG/main" r:embed="rId6"/>
               </a:ext>
             </a:extLst>
           </a:blip>
@@ -19062,13 +16856,13 @@
           <p:nvPr/>
         </p:nvPicPr>
         <p:blipFill>
-          <a:blip r:embed="rId11">
+          <a:blip r:embed="rId7">
             <a:extLst>
               <a:ext uri="{28A0092B-C50C-407E-A947-70E740481C1C}">
                 <a14:useLocalDpi xmlns:a14="http://schemas.microsoft.com/office/drawing/2010/main" val="0"/>
               </a:ext>
               <a:ext uri="{96DAC541-7B7A-43D3-8B79-37D633B846F1}">
-                <asvg:svgBlip xmlns:asvg="http://schemas.microsoft.com/office/drawing/2016/SVG/main" r:embed="rId12"/>
+                <asvg:svgBlip xmlns:asvg="http://schemas.microsoft.com/office/drawing/2016/SVG/main" r:embed="rId8"/>
               </a:ext>
             </a:extLst>
           </a:blip>

--- a/input.pptx
+++ b/input.pptx
@@ -133,6 +133,7 @@
     <p1510:client id="{ABDC3488-14ED-214D-A28F-96C28BE47A63}" v="9" dt="2023-05-30T16:28:05.450"/>
     <p1510:client id="{C7E3C77B-130E-AE06-3EB6-00B00E36A7AF}" v="10" dt="2023-06-08T17:53:02.437"/>
     <p1510:client id="{D597963B-673A-44EC-84F4-763CA13095C0}" v="4" dt="2023-05-30T16:46:30.640"/>
+    <p1510:client id="{F831F61E-2597-3A3B-5A0E-B9FAA5191493}" v="4" dt="2023-06-12T22:05:13.647"/>
   </p1510:revLst>
 </p1510:revInfo>
 </file>
@@ -12909,7 +12910,7 @@
           <a:p>
             <a:fld id="{90D0161B-07B2-4BAD-9EC2-43EA96471412}" type="datetimeFigureOut">
               <a:rPr lang="en-US" smtClean="0"/>
-              <a:t>6/9/2023</a:t>
+              <a:t>6/12/2023</a:t>
             </a:fld>
             <a:endParaRPr lang="en-US"/>
           </a:p>
@@ -13077,7 +13078,7 @@
           <a:p>
             <a:fld id="{90D0161B-07B2-4BAD-9EC2-43EA96471412}" type="datetimeFigureOut">
               <a:rPr lang="en-US" smtClean="0"/>
-              <a:t>6/9/2023</a:t>
+              <a:t>6/12/2023</a:t>
             </a:fld>
             <a:endParaRPr lang="en-US"/>
           </a:p>
@@ -13255,7 +13256,7 @@
           <a:p>
             <a:fld id="{90D0161B-07B2-4BAD-9EC2-43EA96471412}" type="datetimeFigureOut">
               <a:rPr lang="en-US" smtClean="0"/>
-              <a:t>6/9/2023</a:t>
+              <a:t>6/12/2023</a:t>
             </a:fld>
             <a:endParaRPr lang="en-US"/>
           </a:p>
@@ -13423,7 +13424,7 @@
           <a:p>
             <a:fld id="{90D0161B-07B2-4BAD-9EC2-43EA96471412}" type="datetimeFigureOut">
               <a:rPr lang="en-US" smtClean="0"/>
-              <a:t>6/9/2023</a:t>
+              <a:t>6/12/2023</a:t>
             </a:fld>
             <a:endParaRPr lang="en-US"/>
           </a:p>
@@ -13666,7 +13667,7 @@
           <a:p>
             <a:fld id="{90D0161B-07B2-4BAD-9EC2-43EA96471412}" type="datetimeFigureOut">
               <a:rPr lang="en-US" smtClean="0"/>
-              <a:t>6/9/2023</a:t>
+              <a:t>6/12/2023</a:t>
             </a:fld>
             <a:endParaRPr lang="en-US"/>
           </a:p>
@@ -13895,7 +13896,7 @@
           <a:p>
             <a:fld id="{90D0161B-07B2-4BAD-9EC2-43EA96471412}" type="datetimeFigureOut">
               <a:rPr lang="en-US" smtClean="0"/>
-              <a:t>6/9/2023</a:t>
+              <a:t>6/12/2023</a:t>
             </a:fld>
             <a:endParaRPr lang="en-US"/>
           </a:p>
@@ -14259,7 +14260,7 @@
           <a:p>
             <a:fld id="{90D0161B-07B2-4BAD-9EC2-43EA96471412}" type="datetimeFigureOut">
               <a:rPr lang="en-US" smtClean="0"/>
-              <a:t>6/9/2023</a:t>
+              <a:t>6/12/2023</a:t>
             </a:fld>
             <a:endParaRPr lang="en-US"/>
           </a:p>
@@ -14376,7 +14377,7 @@
           <a:p>
             <a:fld id="{90D0161B-07B2-4BAD-9EC2-43EA96471412}" type="datetimeFigureOut">
               <a:rPr lang="en-US" smtClean="0"/>
-              <a:t>6/9/2023</a:t>
+              <a:t>6/12/2023</a:t>
             </a:fld>
             <a:endParaRPr lang="en-US"/>
           </a:p>
@@ -14471,7 +14472,7 @@
           <a:p>
             <a:fld id="{90D0161B-07B2-4BAD-9EC2-43EA96471412}" type="datetimeFigureOut">
               <a:rPr lang="en-US" smtClean="0"/>
-              <a:t>6/9/2023</a:t>
+              <a:t>6/12/2023</a:t>
             </a:fld>
             <a:endParaRPr lang="en-US"/>
           </a:p>
@@ -14746,7 +14747,7 @@
           <a:p>
             <a:fld id="{90D0161B-07B2-4BAD-9EC2-43EA96471412}" type="datetimeFigureOut">
               <a:rPr lang="en-US" smtClean="0"/>
-              <a:t>6/9/2023</a:t>
+              <a:t>6/12/2023</a:t>
             </a:fld>
             <a:endParaRPr lang="en-US"/>
           </a:p>
@@ -15001,7 +15002,7 @@
           <a:p>
             <a:fld id="{90D0161B-07B2-4BAD-9EC2-43EA96471412}" type="datetimeFigureOut">
               <a:rPr lang="en-US" smtClean="0"/>
-              <a:t>6/9/2023</a:t>
+              <a:t>6/12/2023</a:t>
             </a:fld>
             <a:endParaRPr lang="en-US"/>
           </a:p>
@@ -15212,7 +15213,7 @@
           <a:p>
             <a:fld id="{90D0161B-07B2-4BAD-9EC2-43EA96471412}" type="datetimeFigureOut">
               <a:rPr lang="en-US" smtClean="0"/>
-              <a:t>6/9/2023</a:t>
+              <a:t>6/12/2023</a:t>
             </a:fld>
             <a:endParaRPr lang="en-US"/>
           </a:p>
@@ -15763,145 +15764,6 @@
                 <a:cs typeface="Poppins"/>
               </a:rPr>
               <a:t>May 22–May 28, 2023</a:t>
-            </a:r>
-          </a:p>
-        </p:txBody>
-      </p:sp>
-      <p:sp>
-        <p:nvSpPr>
-          <p:cNvPr id="9" name="TextBox 8">
-            <a:extLst>
-              <a:ext uri="{FF2B5EF4-FFF2-40B4-BE49-F238E27FC236}">
-                <a16:creationId xmlns:a16="http://schemas.microsoft.com/office/drawing/2014/main" id="{C1865848-C94B-FE74-0FE3-F7274A69B2DB}"/>
-              </a:ext>
-            </a:extLst>
-          </p:cNvPr>
-          <p:cNvSpPr txBox="1"/>
-          <p:nvPr/>
-        </p:nvSpPr>
-        <p:spPr>
-          <a:xfrm>
-            <a:off x="1507986" y="4306203"/>
-            <a:ext cx="3429000" cy="315536"/>
-          </a:xfrm>
-          <a:prstGeom prst="rect">
-            <a:avLst/>
-          </a:prstGeom>
-          <a:noFill/>
-        </p:spPr>
-        <p:txBody>
-          <a:bodyPr wrap="square">
-            <a:spAutoFit/>
-          </a:bodyPr>
-          <a:lstStyle/>
-          <a:p>
-            <a:pPr>
-              <a:lnSpc>
-                <a:spcPct val="107000"/>
-              </a:lnSpc>
-              <a:spcBef>
-                <a:spcPts val="1200"/>
-              </a:spcBef>
-              <a:spcAft>
-                <a:spcPts val="800"/>
-              </a:spcAft>
-            </a:pPr>
-            <a:r>
-              <a:rPr lang="en-US" sz="1400" b="1" dirty="0">
-                <a:latin typeface="Poppins" panose="00000500000000000000" pitchFamily="2" charset="0"/>
-                <a:ea typeface="Calibri" panose="020F0502020204030204" pitchFamily="34" charset="0"/>
-                <a:cs typeface="Poppins" panose="00000500000000000000" pitchFamily="2" charset="0"/>
-              </a:rPr>
-              <a:t>ENERGY USAGE THIS WEEK</a:t>
-            </a:r>
-            <a:endParaRPr lang="en-US" sz="1050" dirty="0">
-              <a:latin typeface="Poppins" panose="00000500000000000000" pitchFamily="2" charset="0"/>
-              <a:ea typeface="Calibri" panose="020F0502020204030204" pitchFamily="34" charset="0"/>
-              <a:cs typeface="Poppins" panose="00000500000000000000" pitchFamily="2" charset="0"/>
-            </a:endParaRPr>
-          </a:p>
-        </p:txBody>
-      </p:sp>
-      <p:sp>
-        <p:nvSpPr>
-          <p:cNvPr id="59" name="Rectangle 1">
-            <a:extLst>
-              <a:ext uri="{FF2B5EF4-FFF2-40B4-BE49-F238E27FC236}">
-                <a16:creationId xmlns:a16="http://schemas.microsoft.com/office/drawing/2014/main" id="{9F57D231-520E-8BD4-C9D9-777B1603C823}"/>
-              </a:ext>
-            </a:extLst>
-          </p:cNvPr>
-          <p:cNvSpPr>
-            <a:spLocks noChangeArrowheads="1"/>
-          </p:cNvSpPr>
-          <p:nvPr/>
-        </p:nvSpPr>
-        <p:spPr bwMode="auto">
-          <a:xfrm>
-            <a:off x="866576" y="6191570"/>
-            <a:ext cx="3585607" cy="307777"/>
-          </a:xfrm>
-          <a:prstGeom prst="rect">
-            <a:avLst/>
-          </a:prstGeom>
-          <a:noFill/>
-          <a:ln>
-            <a:noFill/>
-          </a:ln>
-          <a:effectLst/>
-          <a:extLst>
-            <a:ext uri="{909E8E84-426E-40DD-AFC4-6F175D3DCCD1}">
-              <a14:hiddenFill xmlns:a14="http://schemas.microsoft.com/office/drawing/2010/main">
-                <a:solidFill>
-                  <a:schemeClr val="accent1"/>
-                </a:solidFill>
-              </a14:hiddenFill>
-            </a:ext>
-            <a:ext uri="{91240B29-F687-4F45-9708-019B960494DF}">
-              <a14:hiddenLine xmlns:a14="http://schemas.microsoft.com/office/drawing/2010/main" w="9525">
-                <a:solidFill>
-                  <a:schemeClr val="tx1"/>
-                </a:solidFill>
-                <a:miter lim="800000"/>
-                <a:headEnd/>
-                <a:tailEnd/>
-              </a14:hiddenLine>
-            </a:ext>
-            <a:ext uri="{AF507438-7753-43E0-B8FC-AC1667EBCBE1}">
-              <a14:hiddenEffects xmlns:a14="http://schemas.microsoft.com/office/drawing/2010/main">
-                <a:effectLst>
-                  <a:outerShdw dist="35921" dir="2700000" algn="ctr" rotWithShape="0">
-                    <a:schemeClr val="bg2"/>
-                  </a:outerShdw>
-                </a:effectLst>
-              </a14:hiddenEffects>
-            </a:ext>
-          </a:extLst>
-        </p:spPr>
-        <p:txBody>
-          <a:bodyPr vert="horz" wrap="square" lIns="91440" tIns="45720" rIns="91440" bIns="45720" numCol="1" anchor="ctr" anchorCtr="0" compatLnSpc="1">
-            <a:prstTxWarp prst="textNoShape">
-              <a:avLst/>
-            </a:prstTxWarp>
-            <a:spAutoFit/>
-          </a:bodyPr>
-          <a:lstStyle/>
-          <a:p>
-            <a:pPr defTabSz="914466" eaLnBrk="0" fontAlgn="base" hangingPunct="0">
-              <a:spcBef>
-                <a:spcPct val="0"/>
-              </a:spcBef>
-              <a:spcAft>
-                <a:spcPct val="0"/>
-              </a:spcAft>
-            </a:pPr>
-            <a:r>
-              <a:rPr lang="en-US" altLang="en-US" sz="1400" b="1">
-                <a:latin typeface="Poppins" panose="00000500000000000000" pitchFamily="2" charset="0"/>
-                <a:ea typeface="Calibri" panose="020F0502020204030204" pitchFamily="34" charset="0"/>
-                <a:cs typeface="Poppins" panose="00000500000000000000" pitchFamily="2" charset="0"/>
-              </a:rPr>
-              <a:t>CURRENT VS. BASELINE ENERGY USAGE</a:t>
             </a:r>
           </a:p>
         </p:txBody>
